--- a/Bài 4 - Khảo sát đề tài/EDA Analyst.pptx
+++ b/Bài 4 - Khảo sát đề tài/EDA Analyst.pptx
@@ -30,20 +30,24 @@
       <p:regular r:id="rId19"/>
     </p:embeddedFont>
     <p:embeddedFont>
-      <p:font typeface="Nunito Bold" charset="1" panose="00000000000000000000"/>
+      <p:font typeface="Barlow SemiCondensed Bold" charset="1" panose="00000806000000000000"/>
       <p:regular r:id="rId20"/>
     </p:embeddedFont>
     <p:embeddedFont>
-      <p:font typeface="Barlow SemiCondensed Bold" charset="1" panose="00000806000000000000"/>
+      <p:font typeface="Nunito Bold" charset="1" panose="00000000000000000000"/>
       <p:regular r:id="rId21"/>
     </p:embeddedFont>
     <p:embeddedFont>
-      <p:font typeface="Canva Sans" charset="1" panose="020B0503030501040103"/>
+      <p:font typeface="Nunito Bold Italics" charset="1" panose="00000000000000000000"/>
       <p:regular r:id="rId22"/>
     </p:embeddedFont>
     <p:embeddedFont>
+      <p:font typeface="Canva Sans" charset="1" panose="020B0503030501040103"/>
+      <p:regular r:id="rId23"/>
+    </p:embeddedFont>
+    <p:embeddedFont>
       <p:font typeface="Nunito Italics" charset="1" panose="00000000000000000000"/>
-      <p:regular r:id="rId23"/>
+      <p:regular r:id="rId24"/>
     </p:embeddedFont>
   </p:embeddedFontLst>
   <p:defaultTextStyle>
@@ -3248,8 +3252,8 @@
         </p:nvSpPr>
         <p:spPr>
           <a:xfrm rot="0">
-            <a:off x="2673545" y="3256718"/>
-            <a:ext cx="13777467" cy="1767083"/>
+            <a:off x="2673545" y="3209093"/>
+            <a:ext cx="13777467" cy="2752367"/>
           </a:xfrm>
           <a:prstGeom prst="rect">
             <a:avLst/>
@@ -3263,11 +3267,11 @@
           <a:p>
             <a:pPr algn="l">
               <a:lnSpc>
-                <a:spcPts val="13266"/>
-              </a:lnSpc>
-            </a:pPr>
-            <a:r>
-              <a:rPr lang="en-US" b="true" sz="13400">
+                <a:spcPts val="10593"/>
+              </a:lnSpc>
+            </a:pPr>
+            <a:r>
+              <a:rPr lang="en-US" b="true" sz="10700">
                 <a:solidFill>
                   <a:srgbClr val="D96627"/>
                 </a:solidFill>
@@ -3276,7 +3280,7 @@
                 <a:cs typeface="Barlow Bold"/>
                 <a:sym typeface="Barlow Bold"/>
               </a:rPr>
-              <a:t>EDA ANALYST</a:t>
+              <a:t>EXPLORATORY DATA ANALYSIS</a:t>
             </a:r>
           </a:p>
         </p:txBody>
@@ -3289,7 +3293,7 @@
         </p:nvSpPr>
         <p:spPr>
           <a:xfrm rot="0">
-            <a:off x="2673545" y="6802030"/>
+            <a:off x="2673545" y="6424958"/>
             <a:ext cx="8238843" cy="494952"/>
           </a:xfrm>
           <a:prstGeom prst="rect">
@@ -3317,7 +3321,7 @@
                 <a:cs typeface="Nunito"/>
                 <a:sym typeface="Nunito"/>
               </a:rPr>
-              <a:t>Khảo sát bài báo</a:t>
+              <a:t>50k Movie Review IMDB Dataset</a:t>
             </a:r>
           </a:p>
         </p:txBody>
@@ -3362,1010 +3366,7 @@
         </p:nvGrpSpPr>
         <p:grpSpPr>
           <a:xfrm rot="0">
-            <a:off x="2115214" y="5881804"/>
-            <a:ext cx="6712298" cy="2353717"/>
-            <a:chOff x="0" y="0"/>
-            <a:chExt cx="1767848" cy="619909"/>
-          </a:xfrm>
-        </p:grpSpPr>
-        <p:sp>
-          <p:nvSpPr>
-            <p:cNvPr name="Freeform 3" id="3"/>
-            <p:cNvSpPr/>
-            <p:nvPr/>
-          </p:nvSpPr>
-          <p:spPr>
-            <a:xfrm flipH="false" flipV="false" rot="0">
-              <a:off x="0" y="0"/>
-              <a:ext cx="1767848" cy="619909"/>
-            </a:xfrm>
-            <a:custGeom>
-              <a:avLst/>
-              <a:gdLst/>
-              <a:ahLst/>
-              <a:cxnLst/>
-              <a:rect r="r" b="b" t="t" l="l"/>
-              <a:pathLst>
-                <a:path h="619909" w="1767848">
-                  <a:moveTo>
-                    <a:pt x="23068" y="0"/>
-                  </a:moveTo>
-                  <a:lnTo>
-                    <a:pt x="1744780" y="0"/>
-                  </a:lnTo>
-                  <a:cubicBezTo>
-                    <a:pt x="1750898" y="0"/>
-                    <a:pt x="1756766" y="2430"/>
-                    <a:pt x="1761092" y="6756"/>
-                  </a:cubicBezTo>
-                  <a:cubicBezTo>
-                    <a:pt x="1765418" y="11082"/>
-                    <a:pt x="1767848" y="16950"/>
-                    <a:pt x="1767848" y="23068"/>
-                  </a:cubicBezTo>
-                  <a:lnTo>
-                    <a:pt x="1767848" y="596841"/>
-                  </a:lnTo>
-                  <a:cubicBezTo>
-                    <a:pt x="1767848" y="602959"/>
-                    <a:pt x="1765418" y="608827"/>
-                    <a:pt x="1761092" y="613153"/>
-                  </a:cubicBezTo>
-                  <a:cubicBezTo>
-                    <a:pt x="1756766" y="617479"/>
-                    <a:pt x="1750898" y="619909"/>
-                    <a:pt x="1744780" y="619909"/>
-                  </a:cubicBezTo>
-                  <a:lnTo>
-                    <a:pt x="23068" y="619909"/>
-                  </a:lnTo>
-                  <a:cubicBezTo>
-                    <a:pt x="16950" y="619909"/>
-                    <a:pt x="11082" y="617479"/>
-                    <a:pt x="6756" y="613153"/>
-                  </a:cubicBezTo>
-                  <a:cubicBezTo>
-                    <a:pt x="2430" y="608827"/>
-                    <a:pt x="0" y="602959"/>
-                    <a:pt x="0" y="596841"/>
-                  </a:cubicBezTo>
-                  <a:lnTo>
-                    <a:pt x="0" y="23068"/>
-                  </a:lnTo>
-                  <a:cubicBezTo>
-                    <a:pt x="0" y="16950"/>
-                    <a:pt x="2430" y="11082"/>
-                    <a:pt x="6756" y="6756"/>
-                  </a:cubicBezTo>
-                  <a:cubicBezTo>
-                    <a:pt x="11082" y="2430"/>
-                    <a:pt x="16950" y="0"/>
-                    <a:pt x="23068" y="0"/>
-                  </a:cubicBezTo>
-                  <a:close/>
-                </a:path>
-              </a:pathLst>
-            </a:custGeom>
-            <a:solidFill>
-              <a:srgbClr val="D96627">
-                <a:alpha val="18824"/>
-              </a:srgbClr>
-            </a:solidFill>
-          </p:spPr>
-        </p:sp>
-        <p:sp>
-          <p:nvSpPr>
-            <p:cNvPr name="TextBox 4" id="4"/>
-            <p:cNvSpPr txBox="true"/>
-            <p:nvPr/>
-          </p:nvSpPr>
-          <p:spPr>
-            <a:xfrm>
-              <a:off x="0" y="-38100"/>
-              <a:ext cx="1767848" cy="658009"/>
-            </a:xfrm>
-            <a:prstGeom prst="rect">
-              <a:avLst/>
-            </a:prstGeom>
-          </p:spPr>
-          <p:txBody>
-            <a:bodyPr anchor="ctr" rtlCol="false" tIns="50800" lIns="50800" bIns="50800" rIns="50800"/>
-            <a:lstStyle/>
-            <a:p>
-              <a:pPr algn="ctr">
-                <a:lnSpc>
-                  <a:spcPts val="2659"/>
-                </a:lnSpc>
-                <a:spcBef>
-                  <a:spcPct val="0"/>
-                </a:spcBef>
-              </a:pPr>
-            </a:p>
-          </p:txBody>
-        </p:sp>
-      </p:grpSp>
-      <p:grpSp>
-        <p:nvGrpSpPr>
-          <p:cNvPr name="Group 5" id="5"/>
-          <p:cNvGrpSpPr/>
-          <p:nvPr/>
-        </p:nvGrpSpPr>
-        <p:grpSpPr>
-          <a:xfrm rot="0">
-            <a:off x="2115214" y="5881804"/>
-            <a:ext cx="299097" cy="2353717"/>
-            <a:chOff x="0" y="0"/>
-            <a:chExt cx="78775" cy="619909"/>
-          </a:xfrm>
-        </p:grpSpPr>
-        <p:sp>
-          <p:nvSpPr>
-            <p:cNvPr name="Freeform 6" id="6"/>
-            <p:cNvSpPr/>
-            <p:nvPr/>
-          </p:nvSpPr>
-          <p:spPr>
-            <a:xfrm flipH="false" flipV="false" rot="0">
-              <a:off x="0" y="0"/>
-              <a:ext cx="78775" cy="619909"/>
-            </a:xfrm>
-            <a:custGeom>
-              <a:avLst/>
-              <a:gdLst/>
-              <a:ahLst/>
-              <a:cxnLst/>
-              <a:rect r="r" b="b" t="t" l="l"/>
-              <a:pathLst>
-                <a:path h="619909" w="78775">
-                  <a:moveTo>
-                    <a:pt x="0" y="0"/>
-                  </a:moveTo>
-                  <a:lnTo>
-                    <a:pt x="78775" y="0"/>
-                  </a:lnTo>
-                  <a:lnTo>
-                    <a:pt x="78775" y="619909"/>
-                  </a:lnTo>
-                  <a:lnTo>
-                    <a:pt x="0" y="619909"/>
-                  </a:lnTo>
-                  <a:close/>
-                </a:path>
-              </a:pathLst>
-            </a:custGeom>
-            <a:solidFill>
-              <a:srgbClr val="D96627"/>
-            </a:solidFill>
-          </p:spPr>
-        </p:sp>
-        <p:sp>
-          <p:nvSpPr>
-            <p:cNvPr name="TextBox 7" id="7"/>
-            <p:cNvSpPr txBox="true"/>
-            <p:nvPr/>
-          </p:nvSpPr>
-          <p:spPr>
-            <a:xfrm>
-              <a:off x="0" y="-38100"/>
-              <a:ext cx="78775" cy="658009"/>
-            </a:xfrm>
-            <a:prstGeom prst="rect">
-              <a:avLst/>
-            </a:prstGeom>
-          </p:spPr>
-          <p:txBody>
-            <a:bodyPr anchor="ctr" rtlCol="false" tIns="50800" lIns="50800" bIns="50800" rIns="50800"/>
-            <a:lstStyle/>
-            <a:p>
-              <a:pPr algn="ctr">
-                <a:lnSpc>
-                  <a:spcPts val="2659"/>
-                </a:lnSpc>
-                <a:spcBef>
-                  <a:spcPct val="0"/>
-                </a:spcBef>
-              </a:pPr>
-            </a:p>
-          </p:txBody>
-        </p:sp>
-      </p:grpSp>
-      <p:sp>
-        <p:nvSpPr>
-          <p:cNvPr name="Freeform 8" id="8"/>
-          <p:cNvSpPr/>
-          <p:nvPr/>
-        </p:nvSpPr>
-        <p:spPr>
-          <a:xfrm flipH="false" flipV="false" rot="0">
-            <a:off x="9286875" y="2539789"/>
-            <a:ext cx="6658753" cy="4423685"/>
-          </a:xfrm>
-          <a:custGeom>
-            <a:avLst/>
-            <a:gdLst/>
-            <a:ahLst/>
-            <a:cxnLst/>
-            <a:rect r="r" b="b" t="t" l="l"/>
-            <a:pathLst>
-              <a:path h="4423685" w="6658753">
-                <a:moveTo>
-                  <a:pt x="0" y="0"/>
-                </a:moveTo>
-                <a:lnTo>
-                  <a:pt x="6658753" y="0"/>
-                </a:lnTo>
-                <a:lnTo>
-                  <a:pt x="6658753" y="4423685"/>
-                </a:lnTo>
-                <a:lnTo>
-                  <a:pt x="0" y="4423685"/>
-                </a:lnTo>
-                <a:lnTo>
-                  <a:pt x="0" y="0"/>
-                </a:lnTo>
-                <a:close/>
-              </a:path>
-            </a:pathLst>
-          </a:custGeom>
-          <a:blipFill>
-            <a:blip r:embed="rId2"/>
-            <a:stretch>
-              <a:fillRect l="-25052" t="0" r="0" b="0"/>
-            </a:stretch>
-          </a:blipFill>
-          <a:ln w="38100" cap="sq">
-            <a:solidFill>
-              <a:srgbClr val="C5581D"/>
-            </a:solidFill>
-            <a:prstDash val="solid"/>
-            <a:miter/>
-          </a:ln>
-        </p:spPr>
-      </p:sp>
-      <p:sp>
-        <p:nvSpPr>
-          <p:cNvPr name="TextBox 9" id="9"/>
-          <p:cNvSpPr txBox="true"/>
-          <p:nvPr/>
-        </p:nvSpPr>
-        <p:spPr>
-          <a:xfrm rot="0">
-            <a:off x="16727515" y="8952758"/>
-            <a:ext cx="1063569" cy="608188"/>
-          </a:xfrm>
-          <a:prstGeom prst="rect">
-            <a:avLst/>
-          </a:prstGeom>
-        </p:spPr>
-        <p:txBody>
-          <a:bodyPr anchor="t" rtlCol="false" tIns="0" lIns="0" bIns="0" rIns="0">
-            <a:spAutoFit/>
-          </a:bodyPr>
-          <a:lstStyle/>
-          <a:p>
-            <a:pPr algn="ctr">
-              <a:lnSpc>
-                <a:spcPts val="4319"/>
-              </a:lnSpc>
-            </a:pPr>
-            <a:r>
-              <a:rPr lang="en-US" b="true" sz="5399">
-                <a:solidFill>
-                  <a:srgbClr val="D96627"/>
-                </a:solidFill>
-                <a:latin typeface="Nunito Bold"/>
-                <a:ea typeface="Nunito Bold"/>
-                <a:cs typeface="Nunito Bold"/>
-                <a:sym typeface="Nunito Bold"/>
-              </a:rPr>
-              <a:t>10</a:t>
-            </a:r>
-          </a:p>
-        </p:txBody>
-      </p:sp>
-      <p:sp>
-        <p:nvSpPr>
-          <p:cNvPr name="TextBox 10" id="10"/>
-          <p:cNvSpPr txBox="true"/>
-          <p:nvPr/>
-        </p:nvSpPr>
-        <p:spPr>
-          <a:xfrm rot="0">
-            <a:off x="2115214" y="1142675"/>
-            <a:ext cx="14048046" cy="748329"/>
-          </a:xfrm>
-          <a:prstGeom prst="rect">
-            <a:avLst/>
-          </a:prstGeom>
-        </p:spPr>
-        <p:txBody>
-          <a:bodyPr anchor="t" rtlCol="false" tIns="0" lIns="0" bIns="0" rIns="0">
-            <a:spAutoFit/>
-          </a:bodyPr>
-          <a:lstStyle/>
-          <a:p>
-            <a:pPr algn="l">
-              <a:lnSpc>
-                <a:spcPts val="5184"/>
-              </a:lnSpc>
-            </a:pPr>
-            <a:r>
-              <a:rPr lang="en-US" b="true" sz="6480">
-                <a:solidFill>
-                  <a:srgbClr val="D96627"/>
-                </a:solidFill>
-                <a:latin typeface="Barlow SemiCondensed Bold"/>
-                <a:ea typeface="Barlow SemiCondensed Bold"/>
-                <a:cs typeface="Barlow SemiCondensed Bold"/>
-                <a:sym typeface="Barlow SemiCondensed Bold"/>
-              </a:rPr>
-              <a:t>BIGRAM PHỔ BIẾN</a:t>
-            </a:r>
-          </a:p>
-        </p:txBody>
-      </p:sp>
-      <p:sp>
-        <p:nvSpPr>
-          <p:cNvPr name="TextBox 11" id="11"/>
-          <p:cNvSpPr txBox="true"/>
-          <p:nvPr/>
-        </p:nvSpPr>
-        <p:spPr>
-          <a:xfrm rot="0">
-            <a:off x="2115214" y="2555436"/>
-            <a:ext cx="3040010" cy="2878455"/>
-          </a:xfrm>
-          <a:prstGeom prst="rect">
-            <a:avLst/>
-          </a:prstGeom>
-        </p:spPr>
-        <p:txBody>
-          <a:bodyPr anchor="t" rtlCol="false" tIns="0" lIns="0" bIns="0" rIns="0">
-            <a:spAutoFit/>
-          </a:bodyPr>
-          <a:lstStyle/>
-          <a:p>
-            <a:pPr algn="just">
-              <a:lnSpc>
-                <a:spcPts val="3839"/>
-              </a:lnSpc>
-            </a:pPr>
-            <a:r>
-              <a:rPr lang="en-US" sz="2399" b="true">
-                <a:solidFill>
-                  <a:srgbClr val="252D37"/>
-                </a:solidFill>
-                <a:latin typeface="Nunito Bold"/>
-                <a:ea typeface="Nunito Bold"/>
-                <a:cs typeface="Nunito Bold"/>
-                <a:sym typeface="Nunito Bold"/>
-              </a:rPr>
-              <a:t>Đá</a:t>
-            </a:r>
-            <a:r>
-              <a:rPr lang="en-US" sz="2399" b="true">
-                <a:solidFill>
-                  <a:srgbClr val="252D37"/>
-                </a:solidFill>
-                <a:latin typeface="Nunito Bold"/>
-                <a:ea typeface="Nunito Bold"/>
-                <a:cs typeface="Nunito Bold"/>
-                <a:sym typeface="Nunito Bold"/>
-              </a:rPr>
-              <a:t>nh giá Tích cực:</a:t>
-            </a:r>
-          </a:p>
-          <a:p>
-            <a:pPr algn="just" marL="518158" indent="-259079" lvl="1">
-              <a:lnSpc>
-                <a:spcPts val="3839"/>
-              </a:lnSpc>
-              <a:buFont typeface="Arial"/>
-              <a:buChar char="•"/>
-            </a:pPr>
-            <a:r>
-              <a:rPr lang="en-US" sz="2399">
-                <a:solidFill>
-                  <a:srgbClr val="252D37"/>
-                </a:solidFill>
-                <a:latin typeface="Nunito"/>
-                <a:ea typeface="Nunito"/>
-                <a:cs typeface="Nunito"/>
-                <a:sym typeface="Nunito"/>
-              </a:rPr>
-              <a:t>"ha</a:t>
-            </a:r>
-            <a:r>
-              <a:rPr lang="en-US" sz="2399">
-                <a:solidFill>
-                  <a:srgbClr val="252D37"/>
-                </a:solidFill>
-                <a:latin typeface="Nunito"/>
-                <a:ea typeface="Nunito"/>
-                <a:cs typeface="Nunito"/>
-                <a:sym typeface="Nunito"/>
-              </a:rPr>
-              <a:t>ve been"</a:t>
-            </a:r>
-          </a:p>
-          <a:p>
-            <a:pPr algn="just" marL="518158" indent="-259079" lvl="1">
-              <a:lnSpc>
-                <a:spcPts val="3839"/>
-              </a:lnSpc>
-              <a:buFont typeface="Arial"/>
-              <a:buChar char="•"/>
-            </a:pPr>
-            <a:r>
-              <a:rPr lang="en-US" sz="2399">
-                <a:solidFill>
-                  <a:srgbClr val="252D37"/>
-                </a:solidFill>
-                <a:latin typeface="Nunito"/>
-                <a:ea typeface="Nunito"/>
-                <a:cs typeface="Nunito"/>
-                <a:sym typeface="Nunito"/>
-              </a:rPr>
-              <a:t>"more than"</a:t>
-            </a:r>
-          </a:p>
-          <a:p>
-            <a:pPr algn="just" marL="518158" indent="-259079" lvl="1">
-              <a:lnSpc>
-                <a:spcPts val="3839"/>
-              </a:lnSpc>
-              <a:buFont typeface="Arial"/>
-              <a:buChar char="•"/>
-            </a:pPr>
-            <a:r>
-              <a:rPr lang="en-US" sz="2399">
-                <a:solidFill>
-                  <a:srgbClr val="252D37"/>
-                </a:solidFill>
-                <a:latin typeface="Nunito"/>
-                <a:ea typeface="Nunito"/>
-                <a:cs typeface="Nunito"/>
-                <a:sym typeface="Nunito"/>
-              </a:rPr>
-              <a:t>"would have"</a:t>
-            </a:r>
-          </a:p>
-          <a:p>
-            <a:pPr algn="just" marL="518158" indent="-259079" lvl="1">
-              <a:lnSpc>
-                <a:spcPts val="3839"/>
-              </a:lnSpc>
-              <a:buFont typeface="Arial"/>
-              <a:buChar char="•"/>
-            </a:pPr>
-            <a:r>
-              <a:rPr lang="en-US" sz="2399">
-                <a:solidFill>
-                  <a:srgbClr val="252D37"/>
-                </a:solidFill>
-                <a:latin typeface="Nunito"/>
-                <a:ea typeface="Nunito"/>
-                <a:cs typeface="Nunito"/>
-                <a:sym typeface="Nunito"/>
-              </a:rPr>
-              <a:t>"v</a:t>
-            </a:r>
-            <a:r>
-              <a:rPr lang="en-US" sz="2399">
-                <a:solidFill>
-                  <a:srgbClr val="252D37"/>
-                </a:solidFill>
-                <a:latin typeface="Nunito"/>
-                <a:ea typeface="Nunito"/>
-                <a:cs typeface="Nunito"/>
-                <a:sym typeface="Nunito"/>
-              </a:rPr>
-              <a:t>ery good"</a:t>
-            </a:r>
-          </a:p>
-          <a:p>
-            <a:pPr algn="just" marL="518158" indent="-259079" lvl="1">
-              <a:lnSpc>
-                <a:spcPts val="3839"/>
-              </a:lnSpc>
-              <a:buFont typeface="Arial"/>
-              <a:buChar char="•"/>
-            </a:pPr>
-            <a:r>
-              <a:rPr lang="en-US" sz="2399">
-                <a:solidFill>
-                  <a:srgbClr val="252D37"/>
-                </a:solidFill>
-                <a:latin typeface="Nunito"/>
-                <a:ea typeface="Nunito"/>
-                <a:cs typeface="Nunito"/>
-                <a:sym typeface="Nunito"/>
-              </a:rPr>
-              <a:t>"h</a:t>
-            </a:r>
-            <a:r>
-              <a:rPr lang="en-US" sz="2399">
-                <a:solidFill>
-                  <a:srgbClr val="252D37"/>
-                </a:solidFill>
-                <a:latin typeface="Nunito"/>
-                <a:ea typeface="Nunito"/>
-                <a:cs typeface="Nunito"/>
-                <a:sym typeface="Nunito"/>
-              </a:rPr>
-              <a:t>as been"</a:t>
-            </a:r>
-          </a:p>
-        </p:txBody>
-      </p:sp>
-      <p:sp>
-        <p:nvSpPr>
-          <p:cNvPr name="TextBox 12" id="12"/>
-          <p:cNvSpPr txBox="true"/>
-          <p:nvPr/>
-        </p:nvSpPr>
-        <p:spPr>
-          <a:xfrm rot="0">
-            <a:off x="2604350" y="6036056"/>
-            <a:ext cx="5951989" cy="2274570"/>
-          </a:xfrm>
-          <a:prstGeom prst="rect">
-            <a:avLst/>
-          </a:prstGeom>
-        </p:spPr>
-        <p:txBody>
-          <a:bodyPr anchor="t" rtlCol="false" tIns="0" lIns="0" bIns="0" rIns="0">
-            <a:spAutoFit/>
-          </a:bodyPr>
-          <a:lstStyle/>
-          <a:p>
-            <a:pPr algn="just">
-              <a:lnSpc>
-                <a:spcPts val="3839"/>
-              </a:lnSpc>
-            </a:pPr>
-            <a:r>
-              <a:rPr lang="en-US" b="true" sz="2399" u="sng">
-                <a:solidFill>
-                  <a:srgbClr val="252D37"/>
-                </a:solidFill>
-                <a:latin typeface="Nunito Bold"/>
-                <a:ea typeface="Nunito Bold"/>
-                <a:cs typeface="Nunito Bold"/>
-                <a:sym typeface="Nunito Bold"/>
-              </a:rPr>
-              <a:t>NHẬN XÉT</a:t>
-            </a:r>
-          </a:p>
-          <a:p>
-            <a:pPr algn="just" marL="388620" indent="-194310" lvl="1">
-              <a:lnSpc>
-                <a:spcPts val="2880"/>
-              </a:lnSpc>
-              <a:buFont typeface="Arial"/>
-              <a:buChar char="•"/>
-            </a:pPr>
-            <a:r>
-              <a:rPr lang="en-US" sz="1800">
-                <a:solidFill>
-                  <a:srgbClr val="252D37"/>
-                </a:solidFill>
-                <a:latin typeface="Nunito"/>
-                <a:ea typeface="Nunito"/>
-                <a:cs typeface="Nunito"/>
-                <a:sym typeface="Nunito"/>
-              </a:rPr>
-              <a:t>Bigram</a:t>
-            </a:r>
-            <a:r>
-              <a:rPr lang="en-US" sz="1800">
-                <a:solidFill>
-                  <a:srgbClr val="252D37"/>
-                </a:solidFill>
-                <a:latin typeface="Nunito"/>
-                <a:ea typeface="Nunito"/>
-                <a:cs typeface="Nunito"/>
-                <a:sym typeface="Nunito"/>
-              </a:rPr>
-              <a:t> tích cực thường chứa các từ đánh giá tích cực, trong khi bigram tiêu cực thường chứa các từ phủ định.</a:t>
-            </a:r>
-          </a:p>
-          <a:p>
-            <a:pPr algn="just" marL="388620" indent="-194310" lvl="1">
-              <a:lnSpc>
-                <a:spcPts val="2880"/>
-              </a:lnSpc>
-              <a:buFont typeface="Arial"/>
-              <a:buChar char="•"/>
-            </a:pPr>
-            <a:r>
-              <a:rPr lang="en-US" sz="1800">
-                <a:solidFill>
-                  <a:srgbClr val="252D37"/>
-                </a:solidFill>
-                <a:latin typeface="Nunito"/>
-                <a:ea typeface="Nunito"/>
-                <a:cs typeface="Nunito"/>
-                <a:sym typeface="Nunito"/>
-              </a:rPr>
-              <a:t>Một số bigram xuất hiện ở cả hai loại đánh giá, nhưng với tần suất khác nhau.</a:t>
-            </a:r>
-          </a:p>
-          <a:p>
-            <a:pPr algn="just">
-              <a:lnSpc>
-                <a:spcPts val="2880"/>
-              </a:lnSpc>
-            </a:pPr>
-          </a:p>
-        </p:txBody>
-      </p:sp>
-      <p:sp>
-        <p:nvSpPr>
-          <p:cNvPr name="TextBox 13" id="13"/>
-          <p:cNvSpPr txBox="true"/>
-          <p:nvPr/>
-        </p:nvSpPr>
-        <p:spPr>
-          <a:xfrm rot="0">
-            <a:off x="9989352" y="7231782"/>
-            <a:ext cx="5253800" cy="257175"/>
-          </a:xfrm>
-          <a:prstGeom prst="rect">
-            <a:avLst/>
-          </a:prstGeom>
-        </p:spPr>
-        <p:txBody>
-          <a:bodyPr anchor="t" rtlCol="false" tIns="0" lIns="0" bIns="0" rIns="0">
-            <a:spAutoFit/>
-          </a:bodyPr>
-          <a:lstStyle/>
-          <a:p>
-            <a:pPr algn="ctr">
-              <a:lnSpc>
-                <a:spcPts val="2100"/>
-              </a:lnSpc>
-              <a:spcBef>
-                <a:spcPct val="0"/>
-              </a:spcBef>
-            </a:pPr>
-            <a:r>
-              <a:rPr lang="en-US" sz="1500">
-                <a:solidFill>
-                  <a:srgbClr val="000000"/>
-                </a:solidFill>
-                <a:latin typeface="Canva Sans"/>
-                <a:ea typeface="Canva Sans"/>
-                <a:cs typeface="Canva Sans"/>
-                <a:sym typeface="Canva Sans"/>
-              </a:rPr>
-              <a:t>Biểu đồ so sánh Bigram phổ biến giữa tích cực và tiêu cực</a:t>
-            </a:r>
-          </a:p>
-        </p:txBody>
-      </p:sp>
-      <p:sp>
-        <p:nvSpPr>
-          <p:cNvPr name="TextBox 14" id="14"/>
-          <p:cNvSpPr txBox="true"/>
-          <p:nvPr/>
-        </p:nvSpPr>
-        <p:spPr>
-          <a:xfrm rot="0">
-            <a:off x="5340444" y="2555436"/>
-            <a:ext cx="3040010" cy="2878455"/>
-          </a:xfrm>
-          <a:prstGeom prst="rect">
-            <a:avLst/>
-          </a:prstGeom>
-        </p:spPr>
-        <p:txBody>
-          <a:bodyPr anchor="t" rtlCol="false" tIns="0" lIns="0" bIns="0" rIns="0">
-            <a:spAutoFit/>
-          </a:bodyPr>
-          <a:lstStyle/>
-          <a:p>
-            <a:pPr algn="just">
-              <a:lnSpc>
-                <a:spcPts val="3839"/>
-              </a:lnSpc>
-            </a:pPr>
-            <a:r>
-              <a:rPr lang="en-US" sz="2399" b="true">
-                <a:solidFill>
-                  <a:srgbClr val="252D37"/>
-                </a:solidFill>
-                <a:latin typeface="Nunito Bold"/>
-                <a:ea typeface="Nunito Bold"/>
-                <a:cs typeface="Nunito Bold"/>
-                <a:sym typeface="Nunito Bold"/>
-              </a:rPr>
-              <a:t>Đá</a:t>
-            </a:r>
-            <a:r>
-              <a:rPr lang="en-US" sz="2399" b="true">
-                <a:solidFill>
-                  <a:srgbClr val="252D37"/>
-                </a:solidFill>
-                <a:latin typeface="Nunito Bold"/>
-                <a:ea typeface="Nunito Bold"/>
-                <a:cs typeface="Nunito Bold"/>
-                <a:sym typeface="Nunito Bold"/>
-              </a:rPr>
-              <a:t>nh giá Tiêu cực:</a:t>
-            </a:r>
-          </a:p>
-          <a:p>
-            <a:pPr algn="just" marL="518158" indent="-259079" lvl="1">
-              <a:lnSpc>
-                <a:spcPts val="3839"/>
-              </a:lnSpc>
-              <a:buFont typeface="Arial"/>
-              <a:buChar char="•"/>
-            </a:pPr>
-            <a:r>
-              <a:rPr lang="en-US" sz="2399">
-                <a:solidFill>
-                  <a:srgbClr val="252D37"/>
-                </a:solidFill>
-                <a:latin typeface="Nunito"/>
-                <a:ea typeface="Nunito"/>
-                <a:cs typeface="Nunito"/>
-                <a:sym typeface="Nunito"/>
-              </a:rPr>
-              <a:t>"hav</a:t>
-            </a:r>
-            <a:r>
-              <a:rPr lang="en-US" sz="2399">
-                <a:solidFill>
-                  <a:srgbClr val="252D37"/>
-                </a:solidFill>
-                <a:latin typeface="Nunito"/>
-                <a:ea typeface="Nunito"/>
-                <a:cs typeface="Nunito"/>
-                <a:sym typeface="Nunito"/>
-              </a:rPr>
-              <a:t>e been"</a:t>
-            </a:r>
-          </a:p>
-          <a:p>
-            <a:pPr algn="just" marL="518158" indent="-259079" lvl="1">
-              <a:lnSpc>
-                <a:spcPts val="3839"/>
-              </a:lnSpc>
-              <a:buFont typeface="Arial"/>
-              <a:buChar char="•"/>
-            </a:pPr>
-            <a:r>
-              <a:rPr lang="en-US" sz="2399">
-                <a:solidFill>
-                  <a:srgbClr val="252D37"/>
-                </a:solidFill>
-                <a:latin typeface="Nunito"/>
-                <a:ea typeface="Nunito"/>
-                <a:cs typeface="Nunito"/>
-                <a:sym typeface="Nunito"/>
-              </a:rPr>
-              <a:t>"would have"</a:t>
-            </a:r>
-          </a:p>
-          <a:p>
-            <a:pPr algn="just" marL="518158" indent="-259079" lvl="1">
-              <a:lnSpc>
-                <a:spcPts val="3839"/>
-              </a:lnSpc>
-              <a:buFont typeface="Arial"/>
-              <a:buChar char="•"/>
-            </a:pPr>
-            <a:r>
-              <a:rPr lang="en-US" sz="2399">
-                <a:solidFill>
-                  <a:srgbClr val="252D37"/>
-                </a:solidFill>
-                <a:latin typeface="Nunito"/>
-                <a:ea typeface="Nunito"/>
-                <a:cs typeface="Nunito"/>
-                <a:sym typeface="Nunito"/>
-              </a:rPr>
-              <a:t>"could hav</a:t>
-            </a:r>
-            <a:r>
-              <a:rPr lang="en-US" sz="2399">
-                <a:solidFill>
-                  <a:srgbClr val="252D37"/>
-                </a:solidFill>
-                <a:latin typeface="Nunito"/>
-                <a:ea typeface="Nunito"/>
-                <a:cs typeface="Nunito"/>
-                <a:sym typeface="Nunito"/>
-              </a:rPr>
-              <a:t>e"</a:t>
-            </a:r>
-          </a:p>
-          <a:p>
-            <a:pPr algn="just" marL="518158" indent="-259079" lvl="1">
-              <a:lnSpc>
-                <a:spcPts val="3839"/>
-              </a:lnSpc>
-              <a:buFont typeface="Arial"/>
-              <a:buChar char="•"/>
-            </a:pPr>
-            <a:r>
-              <a:rPr lang="en-US" sz="2399">
-                <a:solidFill>
-                  <a:srgbClr val="252D37"/>
-                </a:solidFill>
-                <a:latin typeface="Nunito"/>
-                <a:ea typeface="Nunito"/>
-                <a:cs typeface="Nunito"/>
-                <a:sym typeface="Nunito"/>
-              </a:rPr>
-              <a:t>"m</a:t>
-            </a:r>
-            <a:r>
-              <a:rPr lang="en-US" sz="2399">
-                <a:solidFill>
-                  <a:srgbClr val="252D37"/>
-                </a:solidFill>
-                <a:latin typeface="Nunito"/>
-                <a:ea typeface="Nunito"/>
-                <a:cs typeface="Nunito"/>
-                <a:sym typeface="Nunito"/>
-              </a:rPr>
-              <a:t>ore than"</a:t>
-            </a:r>
-          </a:p>
-          <a:p>
-            <a:pPr algn="just" marL="518158" indent="-259079" lvl="1">
-              <a:lnSpc>
-                <a:spcPts val="3839"/>
-              </a:lnSpc>
-              <a:buFont typeface="Arial"/>
-              <a:buChar char="•"/>
-            </a:pPr>
-            <a:r>
-              <a:rPr lang="en-US" sz="2399">
-                <a:solidFill>
-                  <a:srgbClr val="252D37"/>
-                </a:solidFill>
-                <a:latin typeface="Nunito"/>
-                <a:ea typeface="Nunito"/>
-                <a:cs typeface="Nunito"/>
-                <a:sym typeface="Nunito"/>
-              </a:rPr>
-              <a:t>"they were"</a:t>
-            </a:r>
-          </a:p>
-        </p:txBody>
-      </p:sp>
-    </p:spTree>
-  </p:cSld>
-  <p:clrMapOvr>
-    <a:masterClrMapping/>
-  </p:clrMapOvr>
-</p:sld>
-</file>
-
-<file path=ppt/slides/slide11.xml><?xml version="1.0" encoding="utf-8"?>
-<p:sld xmlns:p="http://schemas.openxmlformats.org/presentationml/2006/main" xmlns:a="http://schemas.openxmlformats.org/drawingml/2006/main" xmlns:r="http://schemas.openxmlformats.org/officeDocument/2006/relationships">
-  <p:cSld>
-    <p:bg>
-      <p:bgPr>
-        <a:solidFill>
-          <a:srgbClr val="FFF0E9"/>
-        </a:solidFill>
-      </p:bgPr>
-    </p:bg>
-    <p:spTree>
-      <p:nvGrpSpPr>
-        <p:cNvPr id="1" name=""/>
-        <p:cNvGrpSpPr/>
-        <p:nvPr/>
-      </p:nvGrpSpPr>
-      <p:grpSpPr>
-        <a:xfrm>
-          <a:off x="0" y="0"/>
-          <a:ext cx="0" cy="0"/>
-          <a:chOff x="0" y="0"/>
-          <a:chExt cx="0" cy="0"/>
-        </a:xfrm>
-      </p:grpSpPr>
-      <p:sp>
-        <p:nvSpPr>
-          <p:cNvPr name="TextBox 2" id="2"/>
-          <p:cNvSpPr txBox="true"/>
-          <p:nvPr/>
-        </p:nvSpPr>
-        <p:spPr>
-          <a:xfrm rot="0">
-            <a:off x="16727515" y="8952758"/>
-            <a:ext cx="1063569" cy="608188"/>
-          </a:xfrm>
-          <a:prstGeom prst="rect">
-            <a:avLst/>
-          </a:prstGeom>
-        </p:spPr>
-        <p:txBody>
-          <a:bodyPr anchor="t" rtlCol="false" tIns="0" lIns="0" bIns="0" rIns="0">
-            <a:spAutoFit/>
-          </a:bodyPr>
-          <a:lstStyle/>
-          <a:p>
-            <a:pPr algn="ctr">
-              <a:lnSpc>
-                <a:spcPts val="4319"/>
-              </a:lnSpc>
-            </a:pPr>
-            <a:r>
-              <a:rPr lang="en-US" b="true" sz="5399">
-                <a:solidFill>
-                  <a:srgbClr val="D96627"/>
-                </a:solidFill>
-                <a:latin typeface="Nunito Bold"/>
-                <a:ea typeface="Nunito Bold"/>
-                <a:cs typeface="Nunito Bold"/>
-                <a:sym typeface="Nunito Bold"/>
-              </a:rPr>
-              <a:t>11</a:t>
-            </a:r>
-          </a:p>
-        </p:txBody>
-      </p:sp>
-      <p:sp>
-        <p:nvSpPr>
-          <p:cNvPr name="Freeform 3" id="3"/>
-          <p:cNvSpPr/>
-          <p:nvPr/>
-        </p:nvSpPr>
-        <p:spPr>
-          <a:xfrm flipH="false" flipV="false" rot="0">
-            <a:off x="9165289" y="2539789"/>
-            <a:ext cx="6744759" cy="4449446"/>
-          </a:xfrm>
-          <a:custGeom>
-            <a:avLst/>
-            <a:gdLst/>
-            <a:ahLst/>
-            <a:cxnLst/>
-            <a:rect r="r" b="b" t="t" l="l"/>
-            <a:pathLst>
-              <a:path h="4449446" w="6744759">
-                <a:moveTo>
-                  <a:pt x="0" y="0"/>
-                </a:moveTo>
-                <a:lnTo>
-                  <a:pt x="6744759" y="0"/>
-                </a:lnTo>
-                <a:lnTo>
-                  <a:pt x="6744759" y="4449446"/>
-                </a:lnTo>
-                <a:lnTo>
-                  <a:pt x="0" y="4449446"/>
-                </a:lnTo>
-                <a:lnTo>
-                  <a:pt x="0" y="0"/>
-                </a:lnTo>
-                <a:close/>
-              </a:path>
-            </a:pathLst>
-          </a:custGeom>
-          <a:blipFill>
-            <a:blip r:embed="rId2"/>
-            <a:stretch>
-              <a:fillRect l="-24176" t="0" r="0" b="0"/>
-            </a:stretch>
-          </a:blipFill>
-        </p:spPr>
-      </p:sp>
-      <p:grpSp>
-        <p:nvGrpSpPr>
-          <p:cNvPr name="Group 4" id="4"/>
-          <p:cNvGrpSpPr/>
-          <p:nvPr/>
-        </p:nvGrpSpPr>
-        <p:grpSpPr>
-          <a:xfrm rot="0">
-            <a:off x="2115214" y="7445232"/>
+            <a:off x="2115214" y="7254732"/>
             <a:ext cx="13794834" cy="1916515"/>
             <a:chOff x="0" y="0"/>
             <a:chExt cx="3633207" cy="504761"/>
@@ -4373,7 +3374,7 @@
         </p:grpSpPr>
         <p:sp>
           <p:nvSpPr>
-            <p:cNvPr name="Freeform 5" id="5"/>
+            <p:cNvPr name="Freeform 3" id="3"/>
             <p:cNvSpPr/>
             <p:nvPr/>
           </p:nvSpPr>
@@ -4458,7 +3459,7 @@
         </p:sp>
         <p:sp>
           <p:nvSpPr>
-            <p:cNvPr name="TextBox 6" id="6"/>
+            <p:cNvPr name="TextBox 4" id="4"/>
             <p:cNvSpPr txBox="true"/>
             <p:nvPr/>
           </p:nvSpPr>
@@ -4489,13 +3490,13 @@
       </p:grpSp>
       <p:grpSp>
         <p:nvGrpSpPr>
-          <p:cNvPr name="Group 7" id="7"/>
+          <p:cNvPr name="Group 5" id="5"/>
           <p:cNvGrpSpPr/>
           <p:nvPr/>
         </p:nvGrpSpPr>
         <p:grpSpPr>
           <a:xfrm rot="0">
-            <a:off x="2115214" y="7445232"/>
+            <a:off x="2115214" y="7254732"/>
             <a:ext cx="299097" cy="1916515"/>
             <a:chOff x="0" y="0"/>
             <a:chExt cx="78775" cy="504761"/>
@@ -4503,7 +3504,7 @@
         </p:grpSpPr>
         <p:sp>
           <p:nvSpPr>
-            <p:cNvPr name="Freeform 8" id="8"/>
+            <p:cNvPr name="Freeform 6" id="6"/>
             <p:cNvSpPr/>
             <p:nvPr/>
           </p:nvSpPr>
@@ -4543,7 +3544,7 @@
         </p:sp>
         <p:sp>
           <p:nvSpPr>
-            <p:cNvPr name="TextBox 9" id="9"/>
+            <p:cNvPr name="TextBox 7" id="7"/>
             <p:cNvSpPr txBox="true"/>
             <p:nvPr/>
           </p:nvSpPr>
@@ -4574,13 +3575,66 @@
       </p:grpSp>
       <p:sp>
         <p:nvSpPr>
-          <p:cNvPr name="TextBox 10" id="10"/>
+          <p:cNvPr name="Freeform 8" id="8"/>
+          <p:cNvSpPr/>
+          <p:nvPr/>
+        </p:nvSpPr>
+        <p:spPr>
+          <a:xfrm flipH="false" flipV="false" rot="0">
+            <a:off x="9291046" y="2349289"/>
+            <a:ext cx="6565895" cy="4448844"/>
+          </a:xfrm>
+          <a:custGeom>
+            <a:avLst/>
+            <a:gdLst/>
+            <a:ahLst/>
+            <a:cxnLst/>
+            <a:rect r="r" b="b" t="t" l="l"/>
+            <a:pathLst>
+              <a:path h="4448844" w="6565895">
+                <a:moveTo>
+                  <a:pt x="0" y="0"/>
+                </a:moveTo>
+                <a:lnTo>
+                  <a:pt x="6565895" y="0"/>
+                </a:lnTo>
+                <a:lnTo>
+                  <a:pt x="6565895" y="4448844"/>
+                </a:lnTo>
+                <a:lnTo>
+                  <a:pt x="0" y="4448844"/>
+                </a:lnTo>
+                <a:lnTo>
+                  <a:pt x="0" y="0"/>
+                </a:lnTo>
+                <a:close/>
+              </a:path>
+            </a:pathLst>
+          </a:custGeom>
+          <a:blipFill>
+            <a:blip r:embed="rId2"/>
+            <a:stretch>
+              <a:fillRect l="-27542" t="0" r="0" b="0"/>
+            </a:stretch>
+          </a:blipFill>
+          <a:ln w="38100" cap="sq">
+            <a:solidFill>
+              <a:srgbClr val="C5581D"/>
+            </a:solidFill>
+            <a:prstDash val="solid"/>
+            <a:miter/>
+          </a:ln>
+        </p:spPr>
+      </p:sp>
+      <p:sp>
+        <p:nvSpPr>
+          <p:cNvPr name="TextBox 9" id="9"/>
           <p:cNvSpPr txBox="true"/>
           <p:nvPr/>
         </p:nvSpPr>
         <p:spPr>
           <a:xfrm rot="0">
-            <a:off x="2115214" y="1142675"/>
+            <a:off x="2115214" y="666425"/>
             <a:ext cx="14048046" cy="748329"/>
           </a:xfrm>
           <a:prstGeom prst="rect">
@@ -4615,14 +3669,14 @@
       </p:sp>
       <p:sp>
         <p:nvSpPr>
-          <p:cNvPr name="TextBox 11" id="11"/>
+          <p:cNvPr name="TextBox 10" id="10"/>
           <p:cNvSpPr txBox="true"/>
           <p:nvPr/>
         </p:nvSpPr>
         <p:spPr>
           <a:xfrm rot="0">
-            <a:off x="2553836" y="7599484"/>
-            <a:ext cx="6079861" cy="1550670"/>
+            <a:off x="2553836" y="7490984"/>
+            <a:ext cx="6079861" cy="1359535"/>
           </a:xfrm>
           <a:prstGeom prst="rect">
             <a:avLst/>
@@ -4634,34 +3688,15 @@
           </a:bodyPr>
           <a:lstStyle/>
           <a:p>
-            <a:pPr algn="just">
-              <a:lnSpc>
-                <a:spcPts val="3839"/>
-              </a:lnSpc>
-            </a:pPr>
-            <a:r>
-              <a:rPr lang="en-US" b="true" sz="2399" u="sng">
-                <a:solidFill>
-                  <a:srgbClr val="252D37"/>
-                </a:solidFill>
-                <a:latin typeface="Nunito Bold"/>
-                <a:ea typeface="Nunito Bold"/>
-                <a:cs typeface="Nunito Bold"/>
-                <a:sym typeface="Nunito Bold"/>
-              </a:rPr>
-              <a:t>NHẬN XÉT</a:t>
-            </a:r>
-          </a:p>
-          <a:p>
-            <a:pPr algn="just" marL="388622" indent="-194311" lvl="1">
-              <a:lnSpc>
-                <a:spcPts val="2880"/>
+            <a:pPr algn="just" marL="496569" indent="-248284" lvl="1">
+              <a:lnSpc>
+                <a:spcPts val="3679"/>
               </a:lnSpc>
               <a:buFont typeface="Arial"/>
               <a:buChar char="•"/>
             </a:pPr>
             <a:r>
-              <a:rPr lang="en-US" sz="1800">
+              <a:rPr lang="en-US" sz="2299">
                 <a:solidFill>
                   <a:srgbClr val="252D37"/>
                 </a:solidFill>
@@ -4677,14 +3712,14 @@
       </p:sp>
       <p:sp>
         <p:nvSpPr>
-          <p:cNvPr name="TextBox 12" id="12"/>
+          <p:cNvPr name="TextBox 11" id="11"/>
           <p:cNvSpPr txBox="true"/>
           <p:nvPr/>
         </p:nvSpPr>
         <p:spPr>
           <a:xfrm rot="0">
-            <a:off x="10367921" y="7074358"/>
-            <a:ext cx="4339495" cy="257175"/>
+            <a:off x="10177612" y="6883858"/>
+            <a:ext cx="4720114" cy="257175"/>
           </a:xfrm>
           <a:prstGeom prst="rect">
             <a:avLst/>
@@ -4714,20 +3749,20 @@
                 <a:cs typeface="Canva Sans"/>
                 <a:sym typeface="Canva Sans"/>
               </a:rPr>
-              <a:t>Biểu đồ so sánh độ dài đánh giá theo Sentiment</a:t>
-            </a:r>
-          </a:p>
-        </p:txBody>
-      </p:sp>
-      <p:sp>
-        <p:nvSpPr>
-          <p:cNvPr name="TextBox 13" id="13"/>
+              <a:t>Biểu đồ phân bố tự vừng cảm xúc theo loại đánh giá</a:t>
+            </a:r>
+          </a:p>
+        </p:txBody>
+      </p:sp>
+      <p:sp>
+        <p:nvSpPr>
+          <p:cNvPr name="TextBox 12" id="12"/>
           <p:cNvSpPr txBox="true"/>
           <p:nvPr/>
         </p:nvSpPr>
         <p:spPr>
           <a:xfrm rot="0">
-            <a:off x="2115214" y="2435014"/>
+            <a:off x="2115214" y="2244514"/>
             <a:ext cx="4880935" cy="4554221"/>
           </a:xfrm>
           <a:prstGeom prst="rect">
@@ -4858,14 +3893,14 @@
       </p:sp>
       <p:sp>
         <p:nvSpPr>
-          <p:cNvPr name="TextBox 14" id="14"/>
+          <p:cNvPr name="TextBox 13" id="13"/>
           <p:cNvSpPr txBox="true"/>
           <p:nvPr/>
         </p:nvSpPr>
         <p:spPr>
           <a:xfrm rot="0">
-            <a:off x="9012631" y="8100517"/>
-            <a:ext cx="6458796" cy="1051560"/>
+            <a:off x="9012631" y="7499259"/>
+            <a:ext cx="6458796" cy="1359535"/>
           </a:xfrm>
           <a:prstGeom prst="rect">
             <a:avLst/>
@@ -4877,15 +3912,15 @@
           </a:bodyPr>
           <a:lstStyle/>
           <a:p>
-            <a:pPr algn="just" marL="388622" indent="-194311" lvl="1">
-              <a:lnSpc>
-                <a:spcPts val="2880"/>
+            <a:pPr algn="just" marL="496569" indent="-248284" lvl="1">
+              <a:lnSpc>
+                <a:spcPts val="3679"/>
               </a:lnSpc>
               <a:buFont typeface="Arial"/>
               <a:buChar char="•"/>
             </a:pPr>
             <a:r>
-              <a:rPr lang="en-US" sz="1800">
+              <a:rPr lang="en-US" sz="2299">
                 <a:solidFill>
                   <a:srgbClr val="252D37"/>
                 </a:solidFill>
@@ -4895,6 +3930,893 @@
                 <a:sym typeface="Nunito"/>
               </a:rPr>
               <a:t>Đánh giá tích cực có sự pha trộn giữa từ tích cực và tiêu cực nhiều hơn, phản ánh sự phức tạp trong cảm xúc của người xem</a:t>
+            </a:r>
+          </a:p>
+        </p:txBody>
+      </p:sp>
+      <p:sp>
+        <p:nvSpPr>
+          <p:cNvPr name="TextBox 14" id="14"/>
+          <p:cNvSpPr txBox="true"/>
+          <p:nvPr/>
+        </p:nvSpPr>
+        <p:spPr>
+          <a:xfrm rot="0">
+            <a:off x="2115214" y="1571952"/>
+            <a:ext cx="13830414" cy="412115"/>
+          </a:xfrm>
+          <a:prstGeom prst="rect">
+            <a:avLst/>
+          </a:prstGeom>
+        </p:spPr>
+        <p:txBody>
+          <a:bodyPr anchor="t" rtlCol="false" tIns="0" lIns="0" bIns="0" rIns="0">
+            <a:spAutoFit/>
+          </a:bodyPr>
+          <a:lstStyle/>
+          <a:p>
+            <a:pPr algn="just">
+              <a:lnSpc>
+                <a:spcPts val="3519"/>
+              </a:lnSpc>
+            </a:pPr>
+            <a:r>
+              <a:rPr lang="en-US" b="true" sz="2199">
+                <a:solidFill>
+                  <a:srgbClr val="C5581D"/>
+                </a:solidFill>
+                <a:latin typeface="Nunito Bold"/>
+                <a:ea typeface="Nunito Bold"/>
+                <a:cs typeface="Nunito Bold"/>
+                <a:sym typeface="Nunito Bold"/>
+              </a:rPr>
+              <a:t>Mục tiêu: Đánh giá được số lượng từ cảm xúc có trong đánh giá, cải thiện thuật toán</a:t>
+            </a:r>
+          </a:p>
+        </p:txBody>
+      </p:sp>
+    </p:spTree>
+  </p:cSld>
+  <p:clrMapOvr>
+    <a:masterClrMapping/>
+  </p:clrMapOvr>
+</p:sld>
+</file>
+
+<file path=ppt/slides/slide11.xml><?xml version="1.0" encoding="utf-8"?>
+<p:sld xmlns:p="http://schemas.openxmlformats.org/presentationml/2006/main" xmlns:a="http://schemas.openxmlformats.org/drawingml/2006/main">
+  <p:cSld>
+    <p:bg>
+      <p:bgPr>
+        <a:solidFill>
+          <a:srgbClr val="FFF0E9"/>
+        </a:solidFill>
+      </p:bgPr>
+    </p:bg>
+    <p:spTree>
+      <p:nvGrpSpPr>
+        <p:cNvPr id="1" name=""/>
+        <p:cNvGrpSpPr/>
+        <p:nvPr/>
+      </p:nvGrpSpPr>
+      <p:grpSpPr>
+        <a:xfrm>
+          <a:off x="0" y="0"/>
+          <a:ext cx="0" cy="0"/>
+          <a:chOff x="0" y="0"/>
+          <a:chExt cx="0" cy="0"/>
+        </a:xfrm>
+      </p:grpSpPr>
+      <p:sp>
+        <p:nvSpPr>
+          <p:cNvPr name="TextBox 2" id="2"/>
+          <p:cNvSpPr txBox="true"/>
+          <p:nvPr/>
+        </p:nvSpPr>
+        <p:spPr>
+          <a:xfrm rot="0">
+            <a:off x="2115214" y="666425"/>
+            <a:ext cx="14048046" cy="748329"/>
+          </a:xfrm>
+          <a:prstGeom prst="rect">
+            <a:avLst/>
+          </a:prstGeom>
+        </p:spPr>
+        <p:txBody>
+          <a:bodyPr anchor="t" rtlCol="false" tIns="0" lIns="0" bIns="0" rIns="0">
+            <a:spAutoFit/>
+          </a:bodyPr>
+          <a:lstStyle/>
+          <a:p>
+            <a:pPr algn="l">
+              <a:lnSpc>
+                <a:spcPts val="5184"/>
+              </a:lnSpc>
+            </a:pPr>
+            <a:r>
+              <a:rPr lang="en-US" b="true" sz="6480">
+                <a:solidFill>
+                  <a:srgbClr val="D96627"/>
+                </a:solidFill>
+                <a:latin typeface="Barlow SemiCondensed Bold"/>
+                <a:ea typeface="Barlow SemiCondensed Bold"/>
+                <a:cs typeface="Barlow SemiCondensed Bold"/>
+                <a:sym typeface="Barlow SemiCondensed Bold"/>
+              </a:rPr>
+              <a:t>KẾT LUẬN</a:t>
+            </a:r>
+          </a:p>
+        </p:txBody>
+      </p:sp>
+      <p:grpSp>
+        <p:nvGrpSpPr>
+          <p:cNvPr name="Group 3" id="3"/>
+          <p:cNvGrpSpPr/>
+          <p:nvPr/>
+        </p:nvGrpSpPr>
+        <p:grpSpPr>
+          <a:xfrm rot="0">
+            <a:off x="2124739" y="1914087"/>
+            <a:ext cx="371326" cy="6918032"/>
+            <a:chOff x="0" y="0"/>
+            <a:chExt cx="97798" cy="1822033"/>
+          </a:xfrm>
+        </p:grpSpPr>
+        <p:sp>
+          <p:nvSpPr>
+            <p:cNvPr name="Freeform 4" id="4"/>
+            <p:cNvSpPr/>
+            <p:nvPr/>
+          </p:nvSpPr>
+          <p:spPr>
+            <a:xfrm flipH="false" flipV="false" rot="0">
+              <a:off x="0" y="0"/>
+              <a:ext cx="97798" cy="1822033"/>
+            </a:xfrm>
+            <a:custGeom>
+              <a:avLst/>
+              <a:gdLst/>
+              <a:ahLst/>
+              <a:cxnLst/>
+              <a:rect r="r" b="b" t="t" l="l"/>
+              <a:pathLst>
+                <a:path h="1822033" w="97798">
+                  <a:moveTo>
+                    <a:pt x="0" y="0"/>
+                  </a:moveTo>
+                  <a:lnTo>
+                    <a:pt x="97798" y="0"/>
+                  </a:lnTo>
+                  <a:lnTo>
+                    <a:pt x="97798" y="1822033"/>
+                  </a:lnTo>
+                  <a:lnTo>
+                    <a:pt x="0" y="1822033"/>
+                  </a:lnTo>
+                  <a:close/>
+                </a:path>
+              </a:pathLst>
+            </a:custGeom>
+            <a:solidFill>
+              <a:srgbClr val="D96627"/>
+            </a:solidFill>
+          </p:spPr>
+        </p:sp>
+        <p:sp>
+          <p:nvSpPr>
+            <p:cNvPr name="TextBox 5" id="5"/>
+            <p:cNvSpPr txBox="true"/>
+            <p:nvPr/>
+          </p:nvSpPr>
+          <p:spPr>
+            <a:xfrm>
+              <a:off x="0" y="-47625"/>
+              <a:ext cx="97798" cy="1869658"/>
+            </a:xfrm>
+            <a:prstGeom prst="rect">
+              <a:avLst/>
+            </a:prstGeom>
+          </p:spPr>
+          <p:txBody>
+            <a:bodyPr anchor="ctr" rtlCol="false" tIns="50800" lIns="50800" bIns="50800" rIns="50800"/>
+            <a:lstStyle/>
+            <a:p>
+              <a:pPr algn="ctr">
+                <a:lnSpc>
+                  <a:spcPts val="3219"/>
+                </a:lnSpc>
+                <a:spcBef>
+                  <a:spcPct val="0"/>
+                </a:spcBef>
+              </a:pPr>
+            </a:p>
+          </p:txBody>
+        </p:sp>
+      </p:grpSp>
+      <p:grpSp>
+        <p:nvGrpSpPr>
+          <p:cNvPr name="Group 6" id="6"/>
+          <p:cNvGrpSpPr/>
+          <p:nvPr/>
+        </p:nvGrpSpPr>
+        <p:grpSpPr>
+          <a:xfrm rot="0">
+            <a:off x="2124739" y="1914087"/>
+            <a:ext cx="13644634" cy="6918032"/>
+            <a:chOff x="0" y="0"/>
+            <a:chExt cx="3593648" cy="1822033"/>
+          </a:xfrm>
+        </p:grpSpPr>
+        <p:sp>
+          <p:nvSpPr>
+            <p:cNvPr name="Freeform 7" id="7"/>
+            <p:cNvSpPr/>
+            <p:nvPr/>
+          </p:nvSpPr>
+          <p:spPr>
+            <a:xfrm flipH="false" flipV="false" rot="0">
+              <a:off x="0" y="0"/>
+              <a:ext cx="3593648" cy="1822033"/>
+            </a:xfrm>
+            <a:custGeom>
+              <a:avLst/>
+              <a:gdLst/>
+              <a:ahLst/>
+              <a:cxnLst/>
+              <a:rect r="r" b="b" t="t" l="l"/>
+              <a:pathLst>
+                <a:path h="1822033" w="3593648">
+                  <a:moveTo>
+                    <a:pt x="11348" y="0"/>
+                  </a:moveTo>
+                  <a:lnTo>
+                    <a:pt x="3582301" y="0"/>
+                  </a:lnTo>
+                  <a:cubicBezTo>
+                    <a:pt x="3588568" y="0"/>
+                    <a:pt x="3593648" y="5081"/>
+                    <a:pt x="3593648" y="11348"/>
+                  </a:cubicBezTo>
+                  <a:lnTo>
+                    <a:pt x="3593648" y="1810685"/>
+                  </a:lnTo>
+                  <a:cubicBezTo>
+                    <a:pt x="3593648" y="1816952"/>
+                    <a:pt x="3588568" y="1822033"/>
+                    <a:pt x="3582301" y="1822033"/>
+                  </a:cubicBezTo>
+                  <a:lnTo>
+                    <a:pt x="11348" y="1822033"/>
+                  </a:lnTo>
+                  <a:cubicBezTo>
+                    <a:pt x="8338" y="1822033"/>
+                    <a:pt x="5452" y="1820838"/>
+                    <a:pt x="3324" y="1818710"/>
+                  </a:cubicBezTo>
+                  <a:cubicBezTo>
+                    <a:pt x="1196" y="1816581"/>
+                    <a:pt x="0" y="1813695"/>
+                    <a:pt x="0" y="1810685"/>
+                  </a:cubicBezTo>
+                  <a:lnTo>
+                    <a:pt x="0" y="11348"/>
+                  </a:lnTo>
+                  <a:cubicBezTo>
+                    <a:pt x="0" y="8338"/>
+                    <a:pt x="1196" y="5452"/>
+                    <a:pt x="3324" y="3324"/>
+                  </a:cubicBezTo>
+                  <a:cubicBezTo>
+                    <a:pt x="5452" y="1196"/>
+                    <a:pt x="8338" y="0"/>
+                    <a:pt x="11348" y="0"/>
+                  </a:cubicBezTo>
+                  <a:close/>
+                </a:path>
+              </a:pathLst>
+            </a:custGeom>
+            <a:solidFill>
+              <a:srgbClr val="D96627">
+                <a:alpha val="18824"/>
+              </a:srgbClr>
+            </a:solidFill>
+          </p:spPr>
+        </p:sp>
+        <p:sp>
+          <p:nvSpPr>
+            <p:cNvPr name="TextBox 8" id="8"/>
+            <p:cNvSpPr txBox="true"/>
+            <p:nvPr/>
+          </p:nvSpPr>
+          <p:spPr>
+            <a:xfrm>
+              <a:off x="0" y="-38100"/>
+              <a:ext cx="3593648" cy="1860133"/>
+            </a:xfrm>
+            <a:prstGeom prst="rect">
+              <a:avLst/>
+            </a:prstGeom>
+          </p:spPr>
+          <p:txBody>
+            <a:bodyPr anchor="ctr" rtlCol="false" tIns="50800" lIns="50800" bIns="50800" rIns="50800"/>
+            <a:lstStyle/>
+            <a:p>
+              <a:pPr algn="ctr">
+                <a:lnSpc>
+                  <a:spcPts val="2659"/>
+                </a:lnSpc>
+                <a:spcBef>
+                  <a:spcPct val="0"/>
+                </a:spcBef>
+              </a:pPr>
+            </a:p>
+          </p:txBody>
+        </p:sp>
+      </p:grpSp>
+      <p:sp>
+        <p:nvSpPr>
+          <p:cNvPr name="TextBox 9" id="9"/>
+          <p:cNvSpPr txBox="true"/>
+          <p:nvPr/>
+        </p:nvSpPr>
+        <p:spPr>
+          <a:xfrm rot="0">
+            <a:off x="2778696" y="2186992"/>
+            <a:ext cx="12336720" cy="6257924"/>
+          </a:xfrm>
+          <a:prstGeom prst="rect">
+            <a:avLst/>
+          </a:prstGeom>
+        </p:spPr>
+        <p:txBody>
+          <a:bodyPr anchor="t" rtlCol="false" tIns="0" lIns="0" bIns="0" rIns="0">
+            <a:spAutoFit/>
+          </a:bodyPr>
+          <a:lstStyle/>
+          <a:p>
+            <a:pPr algn="just" marL="539754" indent="-269877" lvl="1">
+              <a:lnSpc>
+                <a:spcPts val="4125"/>
+              </a:lnSpc>
+              <a:buFont typeface="Arial"/>
+              <a:buChar char="•"/>
+            </a:pPr>
+            <a:r>
+              <a:rPr lang="en-US" b="true" sz="2500">
+                <a:solidFill>
+                  <a:srgbClr val="C5581D"/>
+                </a:solidFill>
+                <a:latin typeface="Nunito Bold"/>
+                <a:ea typeface="Nunito Bold"/>
+                <a:cs typeface="Nunito Bold"/>
+                <a:sym typeface="Nunito Bold"/>
+              </a:rPr>
+              <a:t>Dataset IMDB Movie Review </a:t>
+            </a:r>
+            <a:r>
+              <a:rPr lang="en-US" sz="2500">
+                <a:solidFill>
+                  <a:srgbClr val="C5581D"/>
+                </a:solidFill>
+                <a:latin typeface="Nunito"/>
+                <a:ea typeface="Nunito"/>
+                <a:cs typeface="Nunito"/>
+                <a:sym typeface="Nunito"/>
+              </a:rPr>
+              <a:t>chứa </a:t>
+            </a:r>
+            <a:r>
+              <a:rPr lang="en-US" b="true" sz="2500">
+                <a:solidFill>
+                  <a:srgbClr val="C5581D"/>
+                </a:solidFill>
+                <a:latin typeface="Nunito Bold"/>
+                <a:ea typeface="Nunito Bold"/>
+                <a:cs typeface="Nunito Bold"/>
+                <a:sym typeface="Nunito Bold"/>
+              </a:rPr>
+              <a:t>50.000 </a:t>
+            </a:r>
+            <a:r>
+              <a:rPr lang="en-US" sz="2500">
+                <a:solidFill>
+                  <a:srgbClr val="C5581D"/>
+                </a:solidFill>
+                <a:latin typeface="Nunito"/>
+                <a:ea typeface="Nunito"/>
+                <a:cs typeface="Nunito"/>
+                <a:sym typeface="Nunito"/>
+              </a:rPr>
+              <a:t>bài đánh giá phim, được chia đều giữa tích cực và tiêu cực.</a:t>
+            </a:r>
+          </a:p>
+          <a:p>
+            <a:pPr algn="just" marL="539754" indent="-269877" lvl="1">
+              <a:lnSpc>
+                <a:spcPts val="4125"/>
+              </a:lnSpc>
+              <a:buFont typeface="Arial"/>
+              <a:buChar char="•"/>
+            </a:pPr>
+            <a:r>
+              <a:rPr lang="en-US" b="true" sz="2500">
+                <a:solidFill>
+                  <a:srgbClr val="C5581D"/>
+                </a:solidFill>
+                <a:latin typeface="Nunito Bold"/>
+                <a:ea typeface="Nunito Bold"/>
+                <a:cs typeface="Nunito Bold"/>
+                <a:sym typeface="Nunito Bold"/>
+              </a:rPr>
+              <a:t>Độ dài trung bình</a:t>
+            </a:r>
+            <a:r>
+              <a:rPr lang="en-US" sz="2500">
+                <a:solidFill>
+                  <a:srgbClr val="C5581D"/>
+                </a:solidFill>
+                <a:latin typeface="Nunito"/>
+                <a:ea typeface="Nunito"/>
+                <a:cs typeface="Nunito"/>
+                <a:sym typeface="Nunito"/>
+              </a:rPr>
+              <a:t> của các bài đánh giá tích cực thường cao hơn so với đánh giá tiêu cực.</a:t>
+            </a:r>
+          </a:p>
+          <a:p>
+            <a:pPr algn="just" marL="539754" indent="-269877" lvl="1">
+              <a:lnSpc>
+                <a:spcPts val="4125"/>
+              </a:lnSpc>
+              <a:buFont typeface="Arial"/>
+              <a:buChar char="•"/>
+            </a:pPr>
+            <a:r>
+              <a:rPr lang="en-US" sz="2500">
+                <a:solidFill>
+                  <a:srgbClr val="C5581D"/>
+                </a:solidFill>
+                <a:latin typeface="Nunito"/>
+                <a:ea typeface="Nunito"/>
+                <a:cs typeface="Nunito"/>
+                <a:sym typeface="Nunito"/>
+              </a:rPr>
+              <a:t>Tần suất từ cho thấy các từ liên quan đến phim như "movie", "film" xuất hiện nhiều nhất, trong khi từ phủ định "not" cũng rất phổ biến.</a:t>
+            </a:r>
+          </a:p>
+          <a:p>
+            <a:pPr algn="just" marL="539754" indent="-269877" lvl="1">
+              <a:lnSpc>
+                <a:spcPts val="4125"/>
+              </a:lnSpc>
+              <a:buFont typeface="Arial"/>
+              <a:buChar char="•"/>
+            </a:pPr>
+            <a:r>
+              <a:rPr lang="en-US" b="true" sz="2500">
+                <a:solidFill>
+                  <a:srgbClr val="C5581D"/>
+                </a:solidFill>
+                <a:latin typeface="Nunito Bold"/>
+                <a:ea typeface="Nunito Bold"/>
+                <a:cs typeface="Nunito Bold"/>
+                <a:sym typeface="Nunito Bold"/>
+              </a:rPr>
+              <a:t>Phân tích theo Sentiment</a:t>
+            </a:r>
+            <a:r>
+              <a:rPr lang="en-US" sz="2500">
+                <a:solidFill>
+                  <a:srgbClr val="C5581D"/>
+                </a:solidFill>
+                <a:latin typeface="Nunito"/>
+                <a:ea typeface="Nunito"/>
+                <a:cs typeface="Nunito"/>
+                <a:sym typeface="Nunito"/>
+              </a:rPr>
+              <a:t> cho thấy đánh giá t</a:t>
+            </a:r>
+            <a:r>
+              <a:rPr lang="en-US" sz="2500">
+                <a:solidFill>
+                  <a:srgbClr val="C5581D"/>
+                </a:solidFill>
+                <a:latin typeface="Nunito"/>
+                <a:ea typeface="Nunito"/>
+                <a:cs typeface="Nunito"/>
+                <a:sym typeface="Nunito"/>
+              </a:rPr>
+              <a:t>ích cực</a:t>
+            </a:r>
+            <a:r>
+              <a:rPr lang="en-US" sz="2500">
+                <a:solidFill>
+                  <a:srgbClr val="C5581D"/>
+                </a:solidFill>
+                <a:latin typeface="Nunito"/>
+                <a:ea typeface="Nunito"/>
+                <a:cs typeface="Nunito"/>
+                <a:sym typeface="Nunito"/>
+              </a:rPr>
+              <a:t> có xu hướng dài hơn và sử dụng nh</a:t>
+            </a:r>
+            <a:r>
+              <a:rPr lang="en-US" sz="2500">
+                <a:solidFill>
+                  <a:srgbClr val="C5581D"/>
+                </a:solidFill>
+                <a:latin typeface="Nunito"/>
+                <a:ea typeface="Nunito"/>
+                <a:cs typeface="Nunito"/>
+                <a:sym typeface="Nunito"/>
+              </a:rPr>
+              <a:t>i</a:t>
+            </a:r>
+            <a:r>
+              <a:rPr lang="en-US" sz="2500">
+                <a:solidFill>
+                  <a:srgbClr val="C5581D"/>
+                </a:solidFill>
+                <a:latin typeface="Nunito"/>
+                <a:ea typeface="Nunito"/>
+                <a:cs typeface="Nunito"/>
+                <a:sym typeface="Nunito"/>
+              </a:rPr>
+              <a:t>ề</a:t>
+            </a:r>
+            <a:r>
+              <a:rPr lang="en-US" sz="2500">
+                <a:solidFill>
+                  <a:srgbClr val="C5581D"/>
+                </a:solidFill>
+                <a:latin typeface="Nunito"/>
+                <a:ea typeface="Nunito"/>
+                <a:cs typeface="Nunito"/>
+                <a:sym typeface="Nunito"/>
+              </a:rPr>
+              <a:t>u </a:t>
+            </a:r>
+            <a:r>
+              <a:rPr lang="en-US" sz="2500">
+                <a:solidFill>
+                  <a:srgbClr val="C5581D"/>
+                </a:solidFill>
+                <a:latin typeface="Nunito"/>
+                <a:ea typeface="Nunito"/>
+                <a:cs typeface="Nunito"/>
+                <a:sym typeface="Nunito"/>
+              </a:rPr>
+              <a:t>từ đặ</a:t>
+            </a:r>
+            <a:r>
+              <a:rPr lang="en-US" sz="2500">
+                <a:solidFill>
+                  <a:srgbClr val="C5581D"/>
+                </a:solidFill>
+                <a:latin typeface="Nunito"/>
+                <a:ea typeface="Nunito"/>
+                <a:cs typeface="Nunito"/>
+                <a:sym typeface="Nunito"/>
+              </a:rPr>
+              <a:t>c</a:t>
+            </a:r>
+            <a:r>
+              <a:rPr lang="en-US" sz="2500">
+                <a:solidFill>
+                  <a:srgbClr val="C5581D"/>
+                </a:solidFill>
+                <a:latin typeface="Nunito"/>
+                <a:ea typeface="Nunito"/>
+                <a:cs typeface="Nunito"/>
+                <a:sym typeface="Nunito"/>
+              </a:rPr>
+              <a:t> trưng hơn.</a:t>
+            </a:r>
+          </a:p>
+          <a:p>
+            <a:pPr algn="just" marL="539754" indent="-269877" lvl="1">
+              <a:lnSpc>
+                <a:spcPts val="4125"/>
+              </a:lnSpc>
+              <a:buFont typeface="Arial"/>
+              <a:buChar char="•"/>
+            </a:pPr>
+            <a:r>
+              <a:rPr lang="en-US" b="true" sz="2500">
+                <a:solidFill>
+                  <a:srgbClr val="C5581D"/>
+                </a:solidFill>
+                <a:latin typeface="Nunito Bold"/>
+                <a:ea typeface="Nunito Bold"/>
+                <a:cs typeface="Nunito Bold"/>
+                <a:sym typeface="Nunito Bold"/>
+              </a:rPr>
+              <a:t>Bigram phổ biến</a:t>
+            </a:r>
+            <a:r>
+              <a:rPr lang="en-US" sz="2500">
+                <a:solidFill>
+                  <a:srgbClr val="C5581D"/>
+                </a:solidFill>
+                <a:latin typeface="Nunito"/>
+                <a:ea typeface="Nunito"/>
+                <a:cs typeface="Nunito"/>
+                <a:sym typeface="Nunito"/>
+              </a:rPr>
+              <a:t> trong đánh giá tích cực thường chứa các từ đánh giá</a:t>
+            </a:r>
+            <a:r>
+              <a:rPr lang="en-US" sz="2500">
+                <a:solidFill>
+                  <a:srgbClr val="C5581D"/>
+                </a:solidFill>
+                <a:latin typeface="Nunito"/>
+                <a:ea typeface="Nunito"/>
+                <a:cs typeface="Nunito"/>
+                <a:sym typeface="Nunito"/>
+              </a:rPr>
+              <a:t> tích cực, </a:t>
+            </a:r>
+            <a:r>
+              <a:rPr lang="en-US" sz="2500">
+                <a:solidFill>
+                  <a:srgbClr val="C5581D"/>
+                </a:solidFill>
+                <a:latin typeface="Nunito"/>
+                <a:ea typeface="Nunito"/>
+                <a:cs typeface="Nunito"/>
+                <a:sym typeface="Nunito"/>
+              </a:rPr>
+              <a:t>trong khi bigram</a:t>
+            </a:r>
+            <a:r>
+              <a:rPr lang="en-US" sz="2500">
+                <a:solidFill>
+                  <a:srgbClr val="C5581D"/>
+                </a:solidFill>
+                <a:latin typeface="Nunito"/>
+                <a:ea typeface="Nunito"/>
+                <a:cs typeface="Nunito"/>
+                <a:sym typeface="Nunito"/>
+              </a:rPr>
+              <a:t> tiêu cực</a:t>
+            </a:r>
+            <a:r>
+              <a:rPr lang="en-US" sz="2500">
+                <a:solidFill>
+                  <a:srgbClr val="C5581D"/>
+                </a:solidFill>
+                <a:latin typeface="Nunito"/>
+                <a:ea typeface="Nunito"/>
+                <a:cs typeface="Nunito"/>
+                <a:sym typeface="Nunito"/>
+              </a:rPr>
+              <a:t> thường chứa các từ phủ định.</a:t>
+            </a:r>
+          </a:p>
+          <a:p>
+            <a:pPr algn="just" marL="539754" indent="-269877" lvl="1">
+              <a:lnSpc>
+                <a:spcPts val="4125"/>
+              </a:lnSpc>
+              <a:buFont typeface="Arial"/>
+              <a:buChar char="•"/>
+            </a:pPr>
+            <a:r>
+              <a:rPr lang="en-US" b="true" sz="2500">
+                <a:solidFill>
+                  <a:srgbClr val="C5581D"/>
+                </a:solidFill>
+                <a:latin typeface="Nunito Bold"/>
+                <a:ea typeface="Nunito Bold"/>
+                <a:cs typeface="Nunito Bold"/>
+                <a:sym typeface="Nunito Bold"/>
+              </a:rPr>
+              <a:t>Từ vựng cảm xúc</a:t>
+            </a:r>
+            <a:r>
+              <a:rPr lang="en-US" sz="2500">
+                <a:solidFill>
+                  <a:srgbClr val="C5581D"/>
+                </a:solidFill>
+                <a:latin typeface="Nunito"/>
+                <a:ea typeface="Nunito"/>
+                <a:cs typeface="Nunito"/>
+                <a:sym typeface="Nunito"/>
+              </a:rPr>
+              <a:t> trong đánh giá</a:t>
+            </a:r>
+            <a:r>
+              <a:rPr lang="en-US" sz="2500">
+                <a:solidFill>
+                  <a:srgbClr val="C5581D"/>
+                </a:solidFill>
+                <a:latin typeface="Nunito"/>
+                <a:ea typeface="Nunito"/>
+                <a:cs typeface="Nunito"/>
+                <a:sym typeface="Nunito"/>
+              </a:rPr>
+              <a:t> t</a:t>
+            </a:r>
+            <a:r>
+              <a:rPr lang="en-US" sz="2500">
+                <a:solidFill>
+                  <a:srgbClr val="C5581D"/>
+                </a:solidFill>
+                <a:latin typeface="Nunito"/>
+                <a:ea typeface="Nunito"/>
+                <a:cs typeface="Nunito"/>
+                <a:sym typeface="Nunito"/>
+              </a:rPr>
+              <a:t>iêu cự</a:t>
+            </a:r>
+            <a:r>
+              <a:rPr lang="en-US" sz="2500">
+                <a:solidFill>
+                  <a:srgbClr val="C5581D"/>
+                </a:solidFill>
+                <a:latin typeface="Nunito"/>
+                <a:ea typeface="Nunito"/>
+                <a:cs typeface="Nunito"/>
+                <a:sym typeface="Nunito"/>
+              </a:rPr>
+              <a:t>c</a:t>
+            </a:r>
+            <a:r>
+              <a:rPr lang="en-US" sz="2500">
+                <a:solidFill>
+                  <a:srgbClr val="C5581D"/>
+                </a:solidFill>
+                <a:latin typeface="Nunito"/>
+                <a:ea typeface="Nunito"/>
+                <a:cs typeface="Nunito"/>
+                <a:sym typeface="Nunito"/>
+              </a:rPr>
+              <a:t> sử dụng n</a:t>
+            </a:r>
+            <a:r>
+              <a:rPr lang="en-US" sz="2500">
+                <a:solidFill>
+                  <a:srgbClr val="C5581D"/>
+                </a:solidFill>
+                <a:latin typeface="Nunito"/>
+                <a:ea typeface="Nunito"/>
+                <a:cs typeface="Nunito"/>
+                <a:sym typeface="Nunito"/>
+              </a:rPr>
+              <a:t>h</a:t>
+            </a:r>
+            <a:r>
+              <a:rPr lang="en-US" sz="2500">
+                <a:solidFill>
+                  <a:srgbClr val="C5581D"/>
+                </a:solidFill>
+                <a:latin typeface="Nunito"/>
+                <a:ea typeface="Nunito"/>
+                <a:cs typeface="Nunito"/>
+                <a:sym typeface="Nunito"/>
+              </a:rPr>
+              <a:t>iều hơn,</a:t>
+            </a:r>
+            <a:r>
+              <a:rPr lang="en-US" sz="2500">
+                <a:solidFill>
+                  <a:srgbClr val="C5581D"/>
+                </a:solidFill>
+                <a:latin typeface="Nunito"/>
+                <a:ea typeface="Nunito"/>
+                <a:cs typeface="Nunito"/>
+                <a:sym typeface="Nunito"/>
+              </a:rPr>
+              <a:t> c</a:t>
+            </a:r>
+            <a:r>
+              <a:rPr lang="en-US" sz="2500">
+                <a:solidFill>
+                  <a:srgbClr val="C5581D"/>
+                </a:solidFill>
+                <a:latin typeface="Nunito"/>
+                <a:ea typeface="Nunito"/>
+                <a:cs typeface="Nunito"/>
+                <a:sym typeface="Nunito"/>
+              </a:rPr>
+              <a:t>ho thấy s</a:t>
+            </a:r>
+            <a:r>
+              <a:rPr lang="en-US" sz="2500">
+                <a:solidFill>
+                  <a:srgbClr val="C5581D"/>
+                </a:solidFill>
+                <a:latin typeface="Nunito"/>
+                <a:ea typeface="Nunito"/>
+                <a:cs typeface="Nunito"/>
+                <a:sym typeface="Nunito"/>
+              </a:rPr>
+              <a:t>ự</a:t>
+            </a:r>
+            <a:r>
+              <a:rPr lang="en-US" sz="2500">
+                <a:solidFill>
+                  <a:srgbClr val="C5581D"/>
+                </a:solidFill>
+                <a:latin typeface="Nunito"/>
+                <a:ea typeface="Nunito"/>
+                <a:cs typeface="Nunito"/>
+                <a:sym typeface="Nunito"/>
+              </a:rPr>
+              <a:t> nhất quán </a:t>
+            </a:r>
+            <a:r>
+              <a:rPr lang="en-US" sz="2500">
+                <a:solidFill>
+                  <a:srgbClr val="C5581D"/>
+                </a:solidFill>
+                <a:latin typeface="Nunito"/>
+                <a:ea typeface="Nunito"/>
+                <a:cs typeface="Nunito"/>
+                <a:sym typeface="Nunito"/>
+              </a:rPr>
+              <a:t>c</a:t>
+            </a:r>
+            <a:r>
+              <a:rPr lang="en-US" sz="2500">
+                <a:solidFill>
+                  <a:srgbClr val="C5581D"/>
+                </a:solidFill>
+                <a:latin typeface="Nunito"/>
+                <a:ea typeface="Nunito"/>
+                <a:cs typeface="Nunito"/>
+                <a:sym typeface="Nunito"/>
+              </a:rPr>
+              <a:t>ao hơn trong việc diễn đạt cảm</a:t>
+            </a:r>
+            <a:r>
+              <a:rPr lang="en-US" sz="2500">
+                <a:solidFill>
+                  <a:srgbClr val="C5581D"/>
+                </a:solidFill>
+                <a:latin typeface="Nunito"/>
+                <a:ea typeface="Nunito"/>
+                <a:cs typeface="Nunito"/>
+                <a:sym typeface="Nunito"/>
+              </a:rPr>
+              <a:t> </a:t>
+            </a:r>
+            <a:r>
+              <a:rPr lang="en-US" sz="2500">
+                <a:solidFill>
+                  <a:srgbClr val="C5581D"/>
+                </a:solidFill>
+                <a:latin typeface="Nunito"/>
+                <a:ea typeface="Nunito"/>
+                <a:cs typeface="Nunito"/>
+                <a:sym typeface="Nunito"/>
+              </a:rPr>
+              <a:t>xúc</a:t>
+            </a:r>
+            <a:r>
+              <a:rPr lang="en-US" sz="2500">
+                <a:solidFill>
+                  <a:srgbClr val="C5581D"/>
+                </a:solidFill>
+                <a:latin typeface="Nunito"/>
+                <a:ea typeface="Nunito"/>
+                <a:cs typeface="Nunito"/>
+                <a:sym typeface="Nunito"/>
+              </a:rPr>
+              <a:t> tiêu cực</a:t>
+            </a:r>
+            <a:r>
+              <a:rPr lang="en-US" sz="2500">
+                <a:solidFill>
+                  <a:srgbClr val="C5581D"/>
+                </a:solidFill>
+                <a:latin typeface="Nunito"/>
+                <a:ea typeface="Nunito"/>
+                <a:cs typeface="Nunito"/>
+                <a:sym typeface="Nunito"/>
+              </a:rPr>
+              <a:t>.</a:t>
             </a:r>
           </a:p>
         </p:txBody>
@@ -5226,71 +5148,30 @@
           <a:chExt cx="0" cy="0"/>
         </a:xfrm>
       </p:grpSpPr>
-      <p:sp>
-        <p:nvSpPr>
-          <p:cNvPr name="TextBox 2" id="2"/>
-          <p:cNvSpPr txBox="true"/>
-          <p:nvPr/>
-        </p:nvSpPr>
-        <p:spPr>
-          <a:xfrm rot="0">
-            <a:off x="16727515" y="8952758"/>
-            <a:ext cx="1063569" cy="608188"/>
-          </a:xfrm>
-          <a:prstGeom prst="rect">
-            <a:avLst/>
-          </a:prstGeom>
-        </p:spPr>
-        <p:txBody>
-          <a:bodyPr anchor="t" rtlCol="false" tIns="0" lIns="0" bIns="0" rIns="0">
-            <a:spAutoFit/>
-          </a:bodyPr>
-          <a:lstStyle/>
-          <a:p>
-            <a:pPr algn="ctr">
-              <a:lnSpc>
-                <a:spcPts val="4319"/>
-              </a:lnSpc>
-            </a:pPr>
-            <a:r>
-              <a:rPr lang="en-US" b="true" sz="5399">
-                <a:solidFill>
-                  <a:srgbClr val="D96627"/>
-                </a:solidFill>
-                <a:latin typeface="Nunito Bold"/>
-                <a:ea typeface="Nunito Bold"/>
-                <a:cs typeface="Nunito Bold"/>
-                <a:sym typeface="Nunito Bold"/>
-              </a:rPr>
-              <a:t>2</a:t>
-            </a:r>
-          </a:p>
-        </p:txBody>
-      </p:sp>
       <p:grpSp>
         <p:nvGrpSpPr>
-          <p:cNvPr name="Group 3" id="3"/>
+          <p:cNvPr name="Group 2" id="2"/>
           <p:cNvGrpSpPr/>
           <p:nvPr/>
         </p:nvGrpSpPr>
         <p:grpSpPr>
           <a:xfrm rot="0">
-            <a:off x="2124739" y="2390337"/>
-            <a:ext cx="371326" cy="6315075"/>
+            <a:off x="2124739" y="2104587"/>
+            <a:ext cx="371326" cy="6597015"/>
             <a:chOff x="0" y="0"/>
-            <a:chExt cx="97798" cy="1663230"/>
+            <a:chExt cx="97798" cy="1737485"/>
           </a:xfrm>
         </p:grpSpPr>
         <p:sp>
           <p:nvSpPr>
-            <p:cNvPr name="Freeform 4" id="4"/>
+            <p:cNvPr name="Freeform 3" id="3"/>
             <p:cNvSpPr/>
             <p:nvPr/>
           </p:nvSpPr>
           <p:spPr>
             <a:xfrm flipH="false" flipV="false" rot="0">
               <a:off x="0" y="0"/>
-              <a:ext cx="97798" cy="1663230"/>
+              <a:ext cx="97798" cy="1737485"/>
             </a:xfrm>
             <a:custGeom>
               <a:avLst/>
@@ -5299,7 +5180,7 @@
               <a:cxnLst/>
               <a:rect r="r" b="b" t="t" l="l"/>
               <a:pathLst>
-                <a:path h="1663230" w="97798">
+                <a:path h="1737485" w="97798">
                   <a:moveTo>
                     <a:pt x="0" y="0"/>
                   </a:moveTo>
@@ -5307,10 +5188,10 @@
                     <a:pt x="97798" y="0"/>
                   </a:lnTo>
                   <a:lnTo>
-                    <a:pt x="97798" y="1663230"/>
+                    <a:pt x="97798" y="1737485"/>
                   </a:lnTo>
                   <a:lnTo>
-                    <a:pt x="0" y="1663230"/>
+                    <a:pt x="0" y="1737485"/>
                   </a:lnTo>
                   <a:close/>
                 </a:path>
@@ -5323,14 +5204,14 @@
         </p:sp>
         <p:sp>
           <p:nvSpPr>
-            <p:cNvPr name="TextBox 5" id="5"/>
+            <p:cNvPr name="TextBox 4" id="4"/>
             <p:cNvSpPr txBox="true"/>
             <p:nvPr/>
           </p:nvSpPr>
           <p:spPr>
             <a:xfrm>
               <a:off x="0" y="-47625"/>
-              <a:ext cx="97798" cy="1710855"/>
+              <a:ext cx="97798" cy="1785110"/>
             </a:xfrm>
             <a:prstGeom prst="rect">
               <a:avLst/>
@@ -5354,13 +5235,13 @@
       </p:grpSp>
       <p:sp>
         <p:nvSpPr>
-          <p:cNvPr name="TextBox 6" id="6"/>
+          <p:cNvPr name="TextBox 5" id="5"/>
           <p:cNvSpPr txBox="true"/>
           <p:nvPr/>
         </p:nvSpPr>
         <p:spPr>
           <a:xfrm rot="0">
-            <a:off x="2115214" y="1142675"/>
+            <a:off x="2115214" y="666425"/>
             <a:ext cx="14048046" cy="748329"/>
           </a:xfrm>
           <a:prstGeom prst="rect">
@@ -5395,14 +5276,14 @@
       </p:sp>
       <p:sp>
         <p:nvSpPr>
-          <p:cNvPr name="TextBox 7" id="7"/>
+          <p:cNvPr name="TextBox 6" id="6"/>
           <p:cNvSpPr txBox="true"/>
           <p:nvPr/>
         </p:nvSpPr>
         <p:spPr>
           <a:xfrm rot="0">
-            <a:off x="2771131" y="2247462"/>
-            <a:ext cx="12336720" cy="6457950"/>
+            <a:off x="2752081" y="1982667"/>
+            <a:ext cx="12336720" cy="6718935"/>
           </a:xfrm>
           <a:prstGeom prst="rect">
             <a:avLst/>
@@ -5414,15 +5295,15 @@
           </a:bodyPr>
           <a:lstStyle/>
           <a:p>
-            <a:pPr algn="just" marL="755649" indent="-377824" lvl="1">
-              <a:lnSpc>
-                <a:spcPts val="5774"/>
+            <a:pPr algn="just" marL="777238" indent="-388619" lvl="1">
+              <a:lnSpc>
+                <a:spcPts val="5939"/>
               </a:lnSpc>
               <a:buFont typeface="Arial"/>
               <a:buChar char="•"/>
             </a:pPr>
             <a:r>
-              <a:rPr lang="en-US" b="true" sz="3499">
+              <a:rPr lang="en-US" b="true" sz="3599">
                 <a:solidFill>
                   <a:srgbClr val="C5581D"/>
                 </a:solidFill>
@@ -5431,19 +5312,19 @@
                 <a:cs typeface="Nunito Bold"/>
                 <a:sym typeface="Nunito Bold"/>
               </a:rPr>
-              <a:t>Phân phối đánh giá</a:t>
-            </a:r>
-          </a:p>
-          <a:p>
-            <a:pPr algn="just" marL="755649" indent="-377824" lvl="1">
-              <a:lnSpc>
-                <a:spcPts val="5774"/>
+              <a:t>Mục tiêu phân tích dữ liệu</a:t>
+            </a:r>
+          </a:p>
+          <a:p>
+            <a:pPr algn="just" marL="777238" indent="-388619" lvl="1">
+              <a:lnSpc>
+                <a:spcPts val="5939"/>
               </a:lnSpc>
               <a:buFont typeface="Arial"/>
               <a:buChar char="•"/>
             </a:pPr>
             <a:r>
-              <a:rPr lang="en-US" b="true" sz="3499">
+              <a:rPr lang="en-US" b="true" sz="3599">
                 <a:solidFill>
                   <a:srgbClr val="C5581D"/>
                 </a:solidFill>
@@ -5452,19 +5333,19 @@
                 <a:cs typeface="Nunito Bold"/>
                 <a:sym typeface="Nunito Bold"/>
               </a:rPr>
-              <a:t>Độ dài trung bình bài đánh giá</a:t>
-            </a:r>
-          </a:p>
-          <a:p>
-            <a:pPr algn="just" marL="755649" indent="-377824" lvl="1">
-              <a:lnSpc>
-                <a:spcPts val="5774"/>
+              <a:t>Tóm tắt dữ liệu</a:t>
+            </a:r>
+          </a:p>
+          <a:p>
+            <a:pPr algn="just" marL="777238" indent="-388619" lvl="1">
+              <a:lnSpc>
+                <a:spcPts val="5939"/>
               </a:lnSpc>
               <a:buFont typeface="Arial"/>
               <a:buChar char="•"/>
             </a:pPr>
             <a:r>
-              <a:rPr lang="en-US" b="true" sz="3499">
+              <a:rPr lang="en-US" b="true" sz="3599">
                 <a:solidFill>
                   <a:srgbClr val="C5581D"/>
                 </a:solidFill>
@@ -5473,19 +5354,19 @@
                 <a:cs typeface="Nunito Bold"/>
                 <a:sym typeface="Nunito Bold"/>
               </a:rPr>
-              <a:t>Tần suất từ</a:t>
-            </a:r>
-          </a:p>
-          <a:p>
-            <a:pPr algn="just" marL="755649" indent="-377824" lvl="1">
-              <a:lnSpc>
-                <a:spcPts val="5774"/>
+              <a:t>Tiền xử lý dữ liệu</a:t>
+            </a:r>
+          </a:p>
+          <a:p>
+            <a:pPr algn="just" marL="777238" indent="-388619" lvl="1">
+              <a:lnSpc>
+                <a:spcPts val="5939"/>
               </a:lnSpc>
               <a:buFont typeface="Arial"/>
               <a:buChar char="•"/>
             </a:pPr>
             <a:r>
-              <a:rPr lang="en-US" b="true" sz="3499">
+              <a:rPr lang="en-US" b="true" sz="3599">
                 <a:solidFill>
                   <a:srgbClr val="C5581D"/>
                 </a:solidFill>
@@ -5494,19 +5375,19 @@
                 <a:cs typeface="Nunito Bold"/>
                 <a:sym typeface="Nunito Bold"/>
               </a:rPr>
-              <a:t>Phân phối cảm xúc</a:t>
-            </a:r>
-          </a:p>
-          <a:p>
-            <a:pPr algn="just" marL="755649" indent="-377824" lvl="1">
-              <a:lnSpc>
-                <a:spcPts val="5774"/>
+              <a:t>Phân tích độ dài trung bình</a:t>
+            </a:r>
+          </a:p>
+          <a:p>
+            <a:pPr algn="just" marL="777238" indent="-388619" lvl="1">
+              <a:lnSpc>
+                <a:spcPts val="5939"/>
               </a:lnSpc>
               <a:buFont typeface="Arial"/>
               <a:buChar char="•"/>
             </a:pPr>
             <a:r>
-              <a:rPr lang="en-US" b="true" sz="3499">
+              <a:rPr lang="en-US" b="true" sz="3599">
                 <a:solidFill>
                   <a:srgbClr val="C5581D"/>
                 </a:solidFill>
@@ -5515,19 +5396,19 @@
                 <a:cs typeface="Nunito Bold"/>
                 <a:sym typeface="Nunito Bold"/>
               </a:rPr>
-              <a:t>Phân phối độ dài bài đánh giá</a:t>
-            </a:r>
-          </a:p>
-          <a:p>
-            <a:pPr algn="just" marL="755649" indent="-377824" lvl="1">
-              <a:lnSpc>
-                <a:spcPts val="5774"/>
+              <a:t>Phân tích tần suất từ</a:t>
+            </a:r>
+          </a:p>
+          <a:p>
+            <a:pPr algn="just" marL="777238" indent="-388619" lvl="1">
+              <a:lnSpc>
+                <a:spcPts val="5939"/>
               </a:lnSpc>
               <a:buFont typeface="Arial"/>
               <a:buChar char="•"/>
             </a:pPr>
             <a:r>
-              <a:rPr lang="en-US" b="true" sz="3499">
+              <a:rPr lang="en-US" b="true" sz="3599">
                 <a:solidFill>
                   <a:srgbClr val="C5581D"/>
                 </a:solidFill>
@@ -5536,19 +5417,19 @@
                 <a:cs typeface="Nunito Bold"/>
                 <a:sym typeface="Nunito Bold"/>
               </a:rPr>
-              <a:t>Độ dài theo Sentiment</a:t>
-            </a:r>
-          </a:p>
-          <a:p>
-            <a:pPr algn="just" marL="755649" indent="-377824" lvl="1">
-              <a:lnSpc>
-                <a:spcPts val="5774"/>
+              <a:t>Phân tích theo Sentiment</a:t>
+            </a:r>
+          </a:p>
+          <a:p>
+            <a:pPr algn="just" marL="777238" indent="-388619" lvl="1">
+              <a:lnSpc>
+                <a:spcPts val="5939"/>
               </a:lnSpc>
               <a:buFont typeface="Arial"/>
               <a:buChar char="•"/>
             </a:pPr>
             <a:r>
-              <a:rPr lang="en-US" b="true" sz="3499">
+              <a:rPr lang="en-US" b="true" sz="3599">
                 <a:solidFill>
                   <a:srgbClr val="C5581D"/>
                 </a:solidFill>
@@ -5557,19 +5438,19 @@
                 <a:cs typeface="Nunito Bold"/>
                 <a:sym typeface="Nunito Bold"/>
               </a:rPr>
-              <a:t>Từ đặc trưng theo Sentiment</a:t>
-            </a:r>
-          </a:p>
-          <a:p>
-            <a:pPr algn="just" marL="755649" indent="-377824" lvl="1">
-              <a:lnSpc>
-                <a:spcPts val="5774"/>
+              <a:t>Phân tích Bigram phổ biến</a:t>
+            </a:r>
+          </a:p>
+          <a:p>
+            <a:pPr algn="just" marL="777238" indent="-388619" lvl="1">
+              <a:lnSpc>
+                <a:spcPts val="5939"/>
               </a:lnSpc>
               <a:buFont typeface="Arial"/>
               <a:buChar char="•"/>
             </a:pPr>
             <a:r>
-              <a:rPr lang="en-US" b="true" sz="3499">
+              <a:rPr lang="en-US" b="true" sz="3599">
                 <a:solidFill>
                   <a:srgbClr val="C5581D"/>
                 </a:solidFill>
@@ -5578,19 +5459,19 @@
                 <a:cs typeface="Nunito Bold"/>
                 <a:sym typeface="Nunito Bold"/>
               </a:rPr>
-              <a:t>Bigram phổ biến</a:t>
-            </a:r>
-          </a:p>
-          <a:p>
-            <a:pPr algn="just" marL="755649" indent="-377824" lvl="1">
-              <a:lnSpc>
-                <a:spcPts val="5774"/>
+              <a:t>Phân tích từ vựng cảm xúc</a:t>
+            </a:r>
+          </a:p>
+          <a:p>
+            <a:pPr algn="just" marL="777238" indent="-388619" lvl="1">
+              <a:lnSpc>
+                <a:spcPts val="5939"/>
               </a:lnSpc>
               <a:buFont typeface="Arial"/>
               <a:buChar char="•"/>
             </a:pPr>
             <a:r>
-              <a:rPr lang="en-US" b="true" sz="3499">
+              <a:rPr lang="en-US" b="true" sz="3599">
                 <a:solidFill>
                   <a:srgbClr val="C5581D"/>
                 </a:solidFill>
@@ -5599,7 +5480,7 @@
                 <a:cs typeface="Nunito Bold"/>
                 <a:sym typeface="Nunito Bold"/>
               </a:rPr>
-              <a:t>Phân tích từ vựng cảm xúc</a:t>
+              <a:t>Kết luận</a:t>
             </a:r>
           </a:p>
         </p:txBody>
@@ -5613,6 +5494,1209 @@
 </file>
 
 <file path=ppt/slides/slide3.xml><?xml version="1.0" encoding="utf-8"?>
+<p:sld xmlns:p="http://schemas.openxmlformats.org/presentationml/2006/main" xmlns:a="http://schemas.openxmlformats.org/drawingml/2006/main">
+  <p:cSld>
+    <p:bg>
+      <p:bgPr>
+        <a:solidFill>
+          <a:srgbClr val="FFF0E9"/>
+        </a:solidFill>
+      </p:bgPr>
+    </p:bg>
+    <p:spTree>
+      <p:nvGrpSpPr>
+        <p:cNvPr id="1" name=""/>
+        <p:cNvGrpSpPr/>
+        <p:nvPr/>
+      </p:nvGrpSpPr>
+      <p:grpSpPr>
+        <a:xfrm>
+          <a:off x="0" y="0"/>
+          <a:ext cx="0" cy="0"/>
+          <a:chOff x="0" y="0"/>
+          <a:chExt cx="0" cy="0"/>
+        </a:xfrm>
+      </p:grpSpPr>
+      <p:grpSp>
+        <p:nvGrpSpPr>
+          <p:cNvPr name="Group 2" id="2"/>
+          <p:cNvGrpSpPr/>
+          <p:nvPr/>
+        </p:nvGrpSpPr>
+        <p:grpSpPr>
+          <a:xfrm rot="0">
+            <a:off x="2124739" y="2104587"/>
+            <a:ext cx="371326" cy="5476862"/>
+            <a:chOff x="0" y="0"/>
+            <a:chExt cx="97798" cy="1442466"/>
+          </a:xfrm>
+        </p:grpSpPr>
+        <p:sp>
+          <p:nvSpPr>
+            <p:cNvPr name="Freeform 3" id="3"/>
+            <p:cNvSpPr/>
+            <p:nvPr/>
+          </p:nvSpPr>
+          <p:spPr>
+            <a:xfrm flipH="false" flipV="false" rot="0">
+              <a:off x="0" y="0"/>
+              <a:ext cx="97798" cy="1442466"/>
+            </a:xfrm>
+            <a:custGeom>
+              <a:avLst/>
+              <a:gdLst/>
+              <a:ahLst/>
+              <a:cxnLst/>
+              <a:rect r="r" b="b" t="t" l="l"/>
+              <a:pathLst>
+                <a:path h="1442466" w="97798">
+                  <a:moveTo>
+                    <a:pt x="0" y="0"/>
+                  </a:moveTo>
+                  <a:lnTo>
+                    <a:pt x="97798" y="0"/>
+                  </a:lnTo>
+                  <a:lnTo>
+                    <a:pt x="97798" y="1442466"/>
+                  </a:lnTo>
+                  <a:lnTo>
+                    <a:pt x="0" y="1442466"/>
+                  </a:lnTo>
+                  <a:close/>
+                </a:path>
+              </a:pathLst>
+            </a:custGeom>
+            <a:solidFill>
+              <a:srgbClr val="D96627"/>
+            </a:solidFill>
+          </p:spPr>
+        </p:sp>
+        <p:sp>
+          <p:nvSpPr>
+            <p:cNvPr name="TextBox 4" id="4"/>
+            <p:cNvSpPr txBox="true"/>
+            <p:nvPr/>
+          </p:nvSpPr>
+          <p:spPr>
+            <a:xfrm>
+              <a:off x="0" y="-47625"/>
+              <a:ext cx="97798" cy="1490091"/>
+            </a:xfrm>
+            <a:prstGeom prst="rect">
+              <a:avLst/>
+            </a:prstGeom>
+          </p:spPr>
+          <p:txBody>
+            <a:bodyPr anchor="ctr" rtlCol="false" tIns="50800" lIns="50800" bIns="50800" rIns="50800"/>
+            <a:lstStyle/>
+            <a:p>
+              <a:pPr algn="ctr">
+                <a:lnSpc>
+                  <a:spcPts val="3219"/>
+                </a:lnSpc>
+                <a:spcBef>
+                  <a:spcPct val="0"/>
+                </a:spcBef>
+              </a:pPr>
+            </a:p>
+          </p:txBody>
+        </p:sp>
+      </p:grpSp>
+      <p:sp>
+        <p:nvSpPr>
+          <p:cNvPr name="TextBox 5" id="5"/>
+          <p:cNvSpPr txBox="true"/>
+          <p:nvPr/>
+        </p:nvSpPr>
+        <p:spPr>
+          <a:xfrm rot="0">
+            <a:off x="2115214" y="666425"/>
+            <a:ext cx="14048046" cy="748329"/>
+          </a:xfrm>
+          <a:prstGeom prst="rect">
+            <a:avLst/>
+          </a:prstGeom>
+        </p:spPr>
+        <p:txBody>
+          <a:bodyPr anchor="t" rtlCol="false" tIns="0" lIns="0" bIns="0" rIns="0">
+            <a:spAutoFit/>
+          </a:bodyPr>
+          <a:lstStyle/>
+          <a:p>
+            <a:pPr algn="l">
+              <a:lnSpc>
+                <a:spcPts val="5184"/>
+              </a:lnSpc>
+            </a:pPr>
+            <a:r>
+              <a:rPr lang="en-US" b="true" sz="6480">
+                <a:solidFill>
+                  <a:srgbClr val="D96627"/>
+                </a:solidFill>
+                <a:latin typeface="Barlow SemiCondensed Bold"/>
+                <a:ea typeface="Barlow SemiCondensed Bold"/>
+                <a:cs typeface="Barlow SemiCondensed Bold"/>
+                <a:sym typeface="Barlow SemiCondensed Bold"/>
+              </a:rPr>
+              <a:t>MỤC TIÊU PHÂN TÍCH DỮ LIỆU</a:t>
+            </a:r>
+          </a:p>
+        </p:txBody>
+      </p:sp>
+      <p:sp>
+        <p:nvSpPr>
+          <p:cNvPr name="TextBox 6" id="6"/>
+          <p:cNvSpPr txBox="true"/>
+          <p:nvPr/>
+        </p:nvSpPr>
+        <p:spPr>
+          <a:xfrm rot="0">
+            <a:off x="2771131" y="2049779"/>
+            <a:ext cx="12913417" cy="5425442"/>
+          </a:xfrm>
+          <a:prstGeom prst="rect">
+            <a:avLst/>
+          </a:prstGeom>
+        </p:spPr>
+        <p:txBody>
+          <a:bodyPr anchor="t" rtlCol="false" tIns="0" lIns="0" bIns="0" rIns="0">
+            <a:spAutoFit/>
+          </a:bodyPr>
+          <a:lstStyle/>
+          <a:p>
+            <a:pPr algn="just">
+              <a:lnSpc>
+                <a:spcPts val="7259"/>
+              </a:lnSpc>
+            </a:pPr>
+            <a:r>
+              <a:rPr lang="en-US" b="true" sz="4399">
+                <a:solidFill>
+                  <a:srgbClr val="C5581D"/>
+                </a:solidFill>
+                <a:latin typeface="Nunito Bold"/>
+                <a:ea typeface="Nunito Bold"/>
+                <a:cs typeface="Nunito Bold"/>
+                <a:sym typeface="Nunito Bold"/>
+              </a:rPr>
+              <a:t>Khảo sát dataset của 50k Movie Reviews IMDB</a:t>
+            </a:r>
+          </a:p>
+          <a:p>
+            <a:pPr algn="just">
+              <a:lnSpc>
+                <a:spcPts val="7259"/>
+              </a:lnSpc>
+            </a:pPr>
+            <a:r>
+              <a:rPr lang="en-US" b="true" sz="4399">
+                <a:solidFill>
+                  <a:srgbClr val="C5581D"/>
+                </a:solidFill>
+                <a:latin typeface="Nunito Bold"/>
+                <a:ea typeface="Nunito Bold"/>
+                <a:cs typeface="Nunito Bold"/>
+                <a:sym typeface="Nunito Bold"/>
+              </a:rPr>
+              <a:t>Hiểu rõ cách phân phối đánh giá trên IMDB</a:t>
+            </a:r>
+          </a:p>
+          <a:p>
+            <a:pPr algn="just">
+              <a:lnSpc>
+                <a:spcPts val="7259"/>
+              </a:lnSpc>
+            </a:pPr>
+            <a:r>
+              <a:rPr lang="en-US" b="true" sz="4399">
+                <a:solidFill>
+                  <a:srgbClr val="C5581D"/>
+                </a:solidFill>
+                <a:latin typeface="Nunito Bold"/>
+                <a:ea typeface="Nunito Bold"/>
+                <a:cs typeface="Nunito Bold"/>
+                <a:sym typeface="Nunito Bold"/>
+              </a:rPr>
+              <a:t>Kiểm tra sự tích cực và tiêu cực của các đánh giá</a:t>
+            </a:r>
+          </a:p>
+          <a:p>
+            <a:pPr algn="just">
+              <a:lnSpc>
+                <a:spcPts val="7259"/>
+              </a:lnSpc>
+            </a:pPr>
+            <a:r>
+              <a:rPr lang="en-US" b="true" sz="4399">
+                <a:solidFill>
+                  <a:srgbClr val="C5581D"/>
+                </a:solidFill>
+                <a:latin typeface="Nunito Bold"/>
+                <a:ea typeface="Nunito Bold"/>
+                <a:cs typeface="Nunito Bold"/>
+                <a:sym typeface="Nunito Bold"/>
+              </a:rPr>
+              <a:t>Kiểm tra mối quan hệ giữa độ dài đánh giá và cảm xúc từ ngữ</a:t>
+            </a:r>
+          </a:p>
+          <a:p>
+            <a:pPr algn="just">
+              <a:lnSpc>
+                <a:spcPts val="7259"/>
+              </a:lnSpc>
+            </a:pPr>
+            <a:r>
+              <a:rPr lang="en-US" b="true" sz="4399">
+                <a:solidFill>
+                  <a:srgbClr val="C5581D"/>
+                </a:solidFill>
+                <a:latin typeface="Nunito Bold"/>
+                <a:ea typeface="Nunito Bold"/>
+                <a:cs typeface="Nunito Bold"/>
+                <a:sym typeface="Nunito Bold"/>
+              </a:rPr>
+              <a:t>Kiểm tra dữ liệu có bị mất cân bằng</a:t>
+            </a:r>
+          </a:p>
+        </p:txBody>
+      </p:sp>
+    </p:spTree>
+  </p:cSld>
+  <p:clrMapOvr>
+    <a:masterClrMapping/>
+  </p:clrMapOvr>
+</p:sld>
+</file>
+
+<file path=ppt/slides/slide4.xml><?xml version="1.0" encoding="utf-8"?>
+<p:sld xmlns:p="http://schemas.openxmlformats.org/presentationml/2006/main" xmlns:a="http://schemas.openxmlformats.org/drawingml/2006/main">
+  <p:cSld>
+    <p:bg>
+      <p:bgPr>
+        <a:solidFill>
+          <a:srgbClr val="FFF0E9"/>
+        </a:solidFill>
+      </p:bgPr>
+    </p:bg>
+    <p:spTree>
+      <p:nvGrpSpPr>
+        <p:cNvPr id="1" name=""/>
+        <p:cNvGrpSpPr/>
+        <p:nvPr/>
+      </p:nvGrpSpPr>
+      <p:grpSpPr>
+        <a:xfrm>
+          <a:off x="0" y="0"/>
+          <a:ext cx="0" cy="0"/>
+          <a:chOff x="0" y="0"/>
+          <a:chExt cx="0" cy="0"/>
+        </a:xfrm>
+      </p:grpSpPr>
+      <p:grpSp>
+        <p:nvGrpSpPr>
+          <p:cNvPr name="Group 2" id="2"/>
+          <p:cNvGrpSpPr/>
+          <p:nvPr/>
+        </p:nvGrpSpPr>
+        <p:grpSpPr>
+          <a:xfrm rot="0">
+            <a:off x="2124739" y="1914087"/>
+            <a:ext cx="371326" cy="5133975"/>
+            <a:chOff x="0" y="0"/>
+            <a:chExt cx="97798" cy="1352158"/>
+          </a:xfrm>
+        </p:grpSpPr>
+        <p:sp>
+          <p:nvSpPr>
+            <p:cNvPr name="Freeform 3" id="3"/>
+            <p:cNvSpPr/>
+            <p:nvPr/>
+          </p:nvSpPr>
+          <p:spPr>
+            <a:xfrm flipH="false" flipV="false" rot="0">
+              <a:off x="0" y="0"/>
+              <a:ext cx="97798" cy="1352158"/>
+            </a:xfrm>
+            <a:custGeom>
+              <a:avLst/>
+              <a:gdLst/>
+              <a:ahLst/>
+              <a:cxnLst/>
+              <a:rect r="r" b="b" t="t" l="l"/>
+              <a:pathLst>
+                <a:path h="1352158" w="97798">
+                  <a:moveTo>
+                    <a:pt x="0" y="0"/>
+                  </a:moveTo>
+                  <a:lnTo>
+                    <a:pt x="97798" y="0"/>
+                  </a:lnTo>
+                  <a:lnTo>
+                    <a:pt x="97798" y="1352158"/>
+                  </a:lnTo>
+                  <a:lnTo>
+                    <a:pt x="0" y="1352158"/>
+                  </a:lnTo>
+                  <a:close/>
+                </a:path>
+              </a:pathLst>
+            </a:custGeom>
+            <a:solidFill>
+              <a:srgbClr val="D96627"/>
+            </a:solidFill>
+          </p:spPr>
+        </p:sp>
+        <p:sp>
+          <p:nvSpPr>
+            <p:cNvPr name="TextBox 4" id="4"/>
+            <p:cNvSpPr txBox="true"/>
+            <p:nvPr/>
+          </p:nvSpPr>
+          <p:spPr>
+            <a:xfrm>
+              <a:off x="0" y="-47625"/>
+              <a:ext cx="97798" cy="1399783"/>
+            </a:xfrm>
+            <a:prstGeom prst="rect">
+              <a:avLst/>
+            </a:prstGeom>
+          </p:spPr>
+          <p:txBody>
+            <a:bodyPr anchor="ctr" rtlCol="false" tIns="50800" lIns="50800" bIns="50800" rIns="50800"/>
+            <a:lstStyle/>
+            <a:p>
+              <a:pPr algn="ctr">
+                <a:lnSpc>
+                  <a:spcPts val="3219"/>
+                </a:lnSpc>
+                <a:spcBef>
+                  <a:spcPct val="0"/>
+                </a:spcBef>
+              </a:pPr>
+            </a:p>
+          </p:txBody>
+        </p:sp>
+      </p:grpSp>
+      <p:grpSp>
+        <p:nvGrpSpPr>
+          <p:cNvPr name="Group 5" id="5"/>
+          <p:cNvGrpSpPr/>
+          <p:nvPr/>
+        </p:nvGrpSpPr>
+        <p:grpSpPr>
+          <a:xfrm rot="0">
+            <a:off x="2124739" y="1914087"/>
+            <a:ext cx="13644634" cy="5133975"/>
+            <a:chOff x="0" y="0"/>
+            <a:chExt cx="3593648" cy="1352158"/>
+          </a:xfrm>
+        </p:grpSpPr>
+        <p:sp>
+          <p:nvSpPr>
+            <p:cNvPr name="Freeform 6" id="6"/>
+            <p:cNvSpPr/>
+            <p:nvPr/>
+          </p:nvSpPr>
+          <p:spPr>
+            <a:xfrm flipH="false" flipV="false" rot="0">
+              <a:off x="0" y="0"/>
+              <a:ext cx="3593648" cy="1352158"/>
+            </a:xfrm>
+            <a:custGeom>
+              <a:avLst/>
+              <a:gdLst/>
+              <a:ahLst/>
+              <a:cxnLst/>
+              <a:rect r="r" b="b" t="t" l="l"/>
+              <a:pathLst>
+                <a:path h="1352158" w="3593648">
+                  <a:moveTo>
+                    <a:pt x="11348" y="0"/>
+                  </a:moveTo>
+                  <a:lnTo>
+                    <a:pt x="3582301" y="0"/>
+                  </a:lnTo>
+                  <a:cubicBezTo>
+                    <a:pt x="3588568" y="0"/>
+                    <a:pt x="3593648" y="5081"/>
+                    <a:pt x="3593648" y="11348"/>
+                  </a:cubicBezTo>
+                  <a:lnTo>
+                    <a:pt x="3593648" y="1340810"/>
+                  </a:lnTo>
+                  <a:cubicBezTo>
+                    <a:pt x="3593648" y="1343820"/>
+                    <a:pt x="3592453" y="1346706"/>
+                    <a:pt x="3590325" y="1348834"/>
+                  </a:cubicBezTo>
+                  <a:cubicBezTo>
+                    <a:pt x="3588196" y="1350962"/>
+                    <a:pt x="3585310" y="1352158"/>
+                    <a:pt x="3582301" y="1352158"/>
+                  </a:cubicBezTo>
+                  <a:lnTo>
+                    <a:pt x="11348" y="1352158"/>
+                  </a:lnTo>
+                  <a:cubicBezTo>
+                    <a:pt x="5081" y="1352158"/>
+                    <a:pt x="0" y="1347077"/>
+                    <a:pt x="0" y="1340810"/>
+                  </a:cubicBezTo>
+                  <a:lnTo>
+                    <a:pt x="0" y="11348"/>
+                  </a:lnTo>
+                  <a:cubicBezTo>
+                    <a:pt x="0" y="8338"/>
+                    <a:pt x="1196" y="5452"/>
+                    <a:pt x="3324" y="3324"/>
+                  </a:cubicBezTo>
+                  <a:cubicBezTo>
+                    <a:pt x="5452" y="1196"/>
+                    <a:pt x="8338" y="0"/>
+                    <a:pt x="11348" y="0"/>
+                  </a:cubicBezTo>
+                  <a:close/>
+                </a:path>
+              </a:pathLst>
+            </a:custGeom>
+            <a:solidFill>
+              <a:srgbClr val="D96627">
+                <a:alpha val="18824"/>
+              </a:srgbClr>
+            </a:solidFill>
+          </p:spPr>
+        </p:sp>
+        <p:sp>
+          <p:nvSpPr>
+            <p:cNvPr name="TextBox 7" id="7"/>
+            <p:cNvSpPr txBox="true"/>
+            <p:nvPr/>
+          </p:nvSpPr>
+          <p:spPr>
+            <a:xfrm>
+              <a:off x="0" y="-38100"/>
+              <a:ext cx="3593648" cy="1390258"/>
+            </a:xfrm>
+            <a:prstGeom prst="rect">
+              <a:avLst/>
+            </a:prstGeom>
+          </p:spPr>
+          <p:txBody>
+            <a:bodyPr anchor="ctr" rtlCol="false" tIns="50800" lIns="50800" bIns="50800" rIns="50800"/>
+            <a:lstStyle/>
+            <a:p>
+              <a:pPr algn="ctr">
+                <a:lnSpc>
+                  <a:spcPts val="2659"/>
+                </a:lnSpc>
+                <a:spcBef>
+                  <a:spcPct val="0"/>
+                </a:spcBef>
+              </a:pPr>
+            </a:p>
+          </p:txBody>
+        </p:sp>
+      </p:grpSp>
+      <p:sp>
+        <p:nvSpPr>
+          <p:cNvPr name="TextBox 8" id="8"/>
+          <p:cNvSpPr txBox="true"/>
+          <p:nvPr/>
+        </p:nvSpPr>
+        <p:spPr>
+          <a:xfrm rot="0">
+            <a:off x="2115214" y="666425"/>
+            <a:ext cx="14048046" cy="748329"/>
+          </a:xfrm>
+          <a:prstGeom prst="rect">
+            <a:avLst/>
+          </a:prstGeom>
+        </p:spPr>
+        <p:txBody>
+          <a:bodyPr anchor="t" rtlCol="false" tIns="0" lIns="0" bIns="0" rIns="0">
+            <a:spAutoFit/>
+          </a:bodyPr>
+          <a:lstStyle/>
+          <a:p>
+            <a:pPr algn="l">
+              <a:lnSpc>
+                <a:spcPts val="5184"/>
+              </a:lnSpc>
+            </a:pPr>
+            <a:r>
+              <a:rPr lang="en-US" b="true" sz="6480">
+                <a:solidFill>
+                  <a:srgbClr val="D96627"/>
+                </a:solidFill>
+                <a:latin typeface="Barlow SemiCondensed Bold"/>
+                <a:ea typeface="Barlow SemiCondensed Bold"/>
+                <a:cs typeface="Barlow SemiCondensed Bold"/>
+                <a:sym typeface="Barlow SemiCondensed Bold"/>
+              </a:rPr>
+              <a:t>TÓM TẮT DỮ LIỆU</a:t>
+            </a:r>
+          </a:p>
+        </p:txBody>
+      </p:sp>
+      <p:sp>
+        <p:nvSpPr>
+          <p:cNvPr name="TextBox 9" id="9"/>
+          <p:cNvSpPr txBox="true"/>
+          <p:nvPr/>
+        </p:nvSpPr>
+        <p:spPr>
+          <a:xfrm rot="0">
+            <a:off x="2771131" y="2228412"/>
+            <a:ext cx="12336720" cy="4352925"/>
+          </a:xfrm>
+          <a:prstGeom prst="rect">
+            <a:avLst/>
+          </a:prstGeom>
+        </p:spPr>
+        <p:txBody>
+          <a:bodyPr anchor="t" rtlCol="false" tIns="0" lIns="0" bIns="0" rIns="0">
+            <a:spAutoFit/>
+          </a:bodyPr>
+          <a:lstStyle/>
+          <a:p>
+            <a:pPr algn="just">
+              <a:lnSpc>
+                <a:spcPts val="4950"/>
+              </a:lnSpc>
+            </a:pPr>
+            <a:r>
+              <a:rPr lang="en-US" sz="3000" b="true">
+                <a:solidFill>
+                  <a:srgbClr val="C5581D"/>
+                </a:solidFill>
+                <a:latin typeface="Nunito Bold"/>
+                <a:ea typeface="Nunito Bold"/>
+                <a:cs typeface="Nunito Bold"/>
+                <a:sym typeface="Nunito Bold"/>
+              </a:rPr>
+              <a:t>Tên dataset: IMDB Movie Review Dataset</a:t>
+            </a:r>
+          </a:p>
+          <a:p>
+            <a:pPr algn="just">
+              <a:lnSpc>
+                <a:spcPts val="4950"/>
+              </a:lnSpc>
+            </a:pPr>
+            <a:r>
+              <a:rPr lang="en-US" sz="3000" b="true">
+                <a:solidFill>
+                  <a:srgbClr val="C5581D"/>
+                </a:solidFill>
+                <a:latin typeface="Nunito Bold"/>
+                <a:ea typeface="Nunito Bold"/>
+                <a:cs typeface="Nunito Bold"/>
+                <a:sym typeface="Nunito Bold"/>
+              </a:rPr>
+              <a:t>Nội dung: Bộ dữ liệu chứa các bài đánh giá từ trang Internet Movie Database </a:t>
+            </a:r>
+            <a:r>
+              <a:rPr lang="en-US" b="true" sz="3000" i="true">
+                <a:solidFill>
+                  <a:srgbClr val="C5581D"/>
+                </a:solidFill>
+                <a:latin typeface="Nunito Bold Italics"/>
+                <a:ea typeface="Nunito Bold Italics"/>
+                <a:cs typeface="Nunito Bold Italics"/>
+                <a:sym typeface="Nunito Bold Italics"/>
+              </a:rPr>
+              <a:t>(IMDB)</a:t>
+            </a:r>
+          </a:p>
+          <a:p>
+            <a:pPr algn="just">
+              <a:lnSpc>
+                <a:spcPts val="4950"/>
+              </a:lnSpc>
+            </a:pPr>
+            <a:r>
+              <a:rPr lang="en-US" sz="3000" b="true">
+                <a:solidFill>
+                  <a:srgbClr val="C5581D"/>
+                </a:solidFill>
+                <a:latin typeface="Nunito Bold"/>
+                <a:ea typeface="Nunito Bold"/>
+                <a:cs typeface="Nunito Bold"/>
+                <a:sym typeface="Nunito Bold"/>
+              </a:rPr>
+              <a:t>Tổng số bài đánh giá: 50.000 bài</a:t>
+            </a:r>
+          </a:p>
+          <a:p>
+            <a:pPr algn="just">
+              <a:lnSpc>
+                <a:spcPts val="4950"/>
+              </a:lnSpc>
+            </a:pPr>
+            <a:r>
+              <a:rPr lang="en-US" b="true" sz="3000">
+                <a:solidFill>
+                  <a:srgbClr val="C5581D"/>
+                </a:solidFill>
+                <a:latin typeface="Nunito Bold"/>
+                <a:ea typeface="Nunito Bold"/>
+                <a:cs typeface="Nunito Bold"/>
+                <a:sym typeface="Nunito Bold"/>
+              </a:rPr>
+              <a:t>Nhãn: Phân loại nhị phân </a:t>
+            </a:r>
+            <a:r>
+              <a:rPr lang="en-US" b="true" sz="3000" i="true">
+                <a:solidFill>
+                  <a:srgbClr val="C5581D"/>
+                </a:solidFill>
+                <a:latin typeface="Nunito Bold Italics"/>
+                <a:ea typeface="Nunito Bold Italics"/>
+                <a:cs typeface="Nunito Bold Italics"/>
+                <a:sym typeface="Nunito Bold Italics"/>
+              </a:rPr>
+              <a:t>(Tích cực/Tiêu cực)</a:t>
+            </a:r>
+          </a:p>
+          <a:p>
+            <a:pPr algn="just">
+              <a:lnSpc>
+                <a:spcPts val="4950"/>
+              </a:lnSpc>
+            </a:pPr>
+            <a:r>
+              <a:rPr lang="en-US" b="true" sz="3000">
+                <a:solidFill>
+                  <a:srgbClr val="C5581D"/>
+                </a:solidFill>
+                <a:latin typeface="Nunito Bold"/>
+                <a:ea typeface="Nunito Bold"/>
+                <a:cs typeface="Nunito Bold"/>
+                <a:sym typeface="Nunito Bold"/>
+              </a:rPr>
+              <a:t>Dữ liệu huấn luyện: 25000 bài </a:t>
+            </a:r>
+            <a:r>
+              <a:rPr lang="en-US" b="true" sz="3000" i="true">
+                <a:solidFill>
+                  <a:srgbClr val="C5581D"/>
+                </a:solidFill>
+                <a:latin typeface="Nunito Bold Italics"/>
+                <a:ea typeface="Nunito Bold Italics"/>
+                <a:cs typeface="Nunito Bold Italics"/>
+                <a:sym typeface="Nunito Bold Italics"/>
+              </a:rPr>
+              <a:t>(50% tích cực, 50% tiêu cực)</a:t>
+            </a:r>
+          </a:p>
+          <a:p>
+            <a:pPr algn="just">
+              <a:lnSpc>
+                <a:spcPts val="4950"/>
+              </a:lnSpc>
+            </a:pPr>
+            <a:r>
+              <a:rPr lang="en-US" b="true" sz="3000">
+                <a:solidFill>
+                  <a:srgbClr val="C5581D"/>
+                </a:solidFill>
+                <a:latin typeface="Nunito Bold"/>
+                <a:ea typeface="Nunito Bold"/>
+                <a:cs typeface="Nunito Bold"/>
+                <a:sym typeface="Nunito Bold"/>
+              </a:rPr>
+              <a:t>Dữ liệu kiểm tra: 25000 bài </a:t>
+            </a:r>
+            <a:r>
+              <a:rPr lang="en-US" b="true" sz="3000" i="true">
+                <a:solidFill>
+                  <a:srgbClr val="C5581D"/>
+                </a:solidFill>
+                <a:latin typeface="Nunito Bold Italics"/>
+                <a:ea typeface="Nunito Bold Italics"/>
+                <a:cs typeface="Nunito Bold Italics"/>
+                <a:sym typeface="Nunito Bold Italics"/>
+              </a:rPr>
+              <a:t>(50% tích cực, 50% tiêu cực)</a:t>
+            </a:r>
+          </a:p>
+        </p:txBody>
+      </p:sp>
+    </p:spTree>
+  </p:cSld>
+  <p:clrMapOvr>
+    <a:masterClrMapping/>
+  </p:clrMapOvr>
+</p:sld>
+</file>
+
+<file path=ppt/slides/slide5.xml><?xml version="1.0" encoding="utf-8"?>
+<p:sld xmlns:p="http://schemas.openxmlformats.org/presentationml/2006/main" xmlns:a="http://schemas.openxmlformats.org/drawingml/2006/main">
+  <p:cSld>
+    <p:bg>
+      <p:bgPr>
+        <a:solidFill>
+          <a:srgbClr val="FFF0E9"/>
+        </a:solidFill>
+      </p:bgPr>
+    </p:bg>
+    <p:spTree>
+      <p:nvGrpSpPr>
+        <p:cNvPr id="1" name=""/>
+        <p:cNvGrpSpPr/>
+        <p:nvPr/>
+      </p:nvGrpSpPr>
+      <p:grpSpPr>
+        <a:xfrm>
+          <a:off x="0" y="0"/>
+          <a:ext cx="0" cy="0"/>
+          <a:chOff x="0" y="0"/>
+          <a:chExt cx="0" cy="0"/>
+        </a:xfrm>
+      </p:grpSpPr>
+      <p:grpSp>
+        <p:nvGrpSpPr>
+          <p:cNvPr name="Group 2" id="2"/>
+          <p:cNvGrpSpPr/>
+          <p:nvPr/>
+        </p:nvGrpSpPr>
+        <p:grpSpPr>
+          <a:xfrm rot="0">
+            <a:off x="2124739" y="1914087"/>
+            <a:ext cx="371326" cy="5907291"/>
+            <a:chOff x="0" y="0"/>
+            <a:chExt cx="97798" cy="1555830"/>
+          </a:xfrm>
+        </p:grpSpPr>
+        <p:sp>
+          <p:nvSpPr>
+            <p:cNvPr name="Freeform 3" id="3"/>
+            <p:cNvSpPr/>
+            <p:nvPr/>
+          </p:nvSpPr>
+          <p:spPr>
+            <a:xfrm flipH="false" flipV="false" rot="0">
+              <a:off x="0" y="0"/>
+              <a:ext cx="97798" cy="1555830"/>
+            </a:xfrm>
+            <a:custGeom>
+              <a:avLst/>
+              <a:gdLst/>
+              <a:ahLst/>
+              <a:cxnLst/>
+              <a:rect r="r" b="b" t="t" l="l"/>
+              <a:pathLst>
+                <a:path h="1555830" w="97798">
+                  <a:moveTo>
+                    <a:pt x="0" y="0"/>
+                  </a:moveTo>
+                  <a:lnTo>
+                    <a:pt x="97798" y="0"/>
+                  </a:lnTo>
+                  <a:lnTo>
+                    <a:pt x="97798" y="1555830"/>
+                  </a:lnTo>
+                  <a:lnTo>
+                    <a:pt x="0" y="1555830"/>
+                  </a:lnTo>
+                  <a:close/>
+                </a:path>
+              </a:pathLst>
+            </a:custGeom>
+            <a:solidFill>
+              <a:srgbClr val="D96627"/>
+            </a:solidFill>
+          </p:spPr>
+        </p:sp>
+        <p:sp>
+          <p:nvSpPr>
+            <p:cNvPr name="TextBox 4" id="4"/>
+            <p:cNvSpPr txBox="true"/>
+            <p:nvPr/>
+          </p:nvSpPr>
+          <p:spPr>
+            <a:xfrm>
+              <a:off x="0" y="-47625"/>
+              <a:ext cx="97798" cy="1603455"/>
+            </a:xfrm>
+            <a:prstGeom prst="rect">
+              <a:avLst/>
+            </a:prstGeom>
+          </p:spPr>
+          <p:txBody>
+            <a:bodyPr anchor="ctr" rtlCol="false" tIns="50800" lIns="50800" bIns="50800" rIns="50800"/>
+            <a:lstStyle/>
+            <a:p>
+              <a:pPr algn="ctr">
+                <a:lnSpc>
+                  <a:spcPts val="3219"/>
+                </a:lnSpc>
+                <a:spcBef>
+                  <a:spcPct val="0"/>
+                </a:spcBef>
+              </a:pPr>
+            </a:p>
+          </p:txBody>
+        </p:sp>
+      </p:grpSp>
+      <p:grpSp>
+        <p:nvGrpSpPr>
+          <p:cNvPr name="Group 5" id="5"/>
+          <p:cNvGrpSpPr/>
+          <p:nvPr/>
+        </p:nvGrpSpPr>
+        <p:grpSpPr>
+          <a:xfrm rot="0">
+            <a:off x="2124739" y="1914087"/>
+            <a:ext cx="13644634" cy="5907291"/>
+            <a:chOff x="0" y="0"/>
+            <a:chExt cx="3593648" cy="1555830"/>
+          </a:xfrm>
+        </p:grpSpPr>
+        <p:sp>
+          <p:nvSpPr>
+            <p:cNvPr name="Freeform 6" id="6"/>
+            <p:cNvSpPr/>
+            <p:nvPr/>
+          </p:nvSpPr>
+          <p:spPr>
+            <a:xfrm flipH="false" flipV="false" rot="0">
+              <a:off x="0" y="0"/>
+              <a:ext cx="3593648" cy="1555830"/>
+            </a:xfrm>
+            <a:custGeom>
+              <a:avLst/>
+              <a:gdLst/>
+              <a:ahLst/>
+              <a:cxnLst/>
+              <a:rect r="r" b="b" t="t" l="l"/>
+              <a:pathLst>
+                <a:path h="1555830" w="3593648">
+                  <a:moveTo>
+                    <a:pt x="11348" y="0"/>
+                  </a:moveTo>
+                  <a:lnTo>
+                    <a:pt x="3582301" y="0"/>
+                  </a:lnTo>
+                  <a:cubicBezTo>
+                    <a:pt x="3588568" y="0"/>
+                    <a:pt x="3593648" y="5081"/>
+                    <a:pt x="3593648" y="11348"/>
+                  </a:cubicBezTo>
+                  <a:lnTo>
+                    <a:pt x="3593648" y="1544482"/>
+                  </a:lnTo>
+                  <a:cubicBezTo>
+                    <a:pt x="3593648" y="1550749"/>
+                    <a:pt x="3588568" y="1555830"/>
+                    <a:pt x="3582301" y="1555830"/>
+                  </a:cubicBezTo>
+                  <a:lnTo>
+                    <a:pt x="11348" y="1555830"/>
+                  </a:lnTo>
+                  <a:cubicBezTo>
+                    <a:pt x="8338" y="1555830"/>
+                    <a:pt x="5452" y="1554634"/>
+                    <a:pt x="3324" y="1552506"/>
+                  </a:cubicBezTo>
+                  <a:cubicBezTo>
+                    <a:pt x="1196" y="1550378"/>
+                    <a:pt x="0" y="1547491"/>
+                    <a:pt x="0" y="1544482"/>
+                  </a:cubicBezTo>
+                  <a:lnTo>
+                    <a:pt x="0" y="11348"/>
+                  </a:lnTo>
+                  <a:cubicBezTo>
+                    <a:pt x="0" y="8338"/>
+                    <a:pt x="1196" y="5452"/>
+                    <a:pt x="3324" y="3324"/>
+                  </a:cubicBezTo>
+                  <a:cubicBezTo>
+                    <a:pt x="5452" y="1196"/>
+                    <a:pt x="8338" y="0"/>
+                    <a:pt x="11348" y="0"/>
+                  </a:cubicBezTo>
+                  <a:close/>
+                </a:path>
+              </a:pathLst>
+            </a:custGeom>
+            <a:solidFill>
+              <a:srgbClr val="D96627">
+                <a:alpha val="18824"/>
+              </a:srgbClr>
+            </a:solidFill>
+          </p:spPr>
+        </p:sp>
+        <p:sp>
+          <p:nvSpPr>
+            <p:cNvPr name="TextBox 7" id="7"/>
+            <p:cNvSpPr txBox="true"/>
+            <p:nvPr/>
+          </p:nvSpPr>
+          <p:spPr>
+            <a:xfrm>
+              <a:off x="0" y="-38100"/>
+              <a:ext cx="3593648" cy="1593930"/>
+            </a:xfrm>
+            <a:prstGeom prst="rect">
+              <a:avLst/>
+            </a:prstGeom>
+          </p:spPr>
+          <p:txBody>
+            <a:bodyPr anchor="ctr" rtlCol="false" tIns="50800" lIns="50800" bIns="50800" rIns="50800"/>
+            <a:lstStyle/>
+            <a:p>
+              <a:pPr algn="ctr">
+                <a:lnSpc>
+                  <a:spcPts val="2659"/>
+                </a:lnSpc>
+                <a:spcBef>
+                  <a:spcPct val="0"/>
+                </a:spcBef>
+              </a:pPr>
+            </a:p>
+          </p:txBody>
+        </p:sp>
+      </p:grpSp>
+      <p:sp>
+        <p:nvSpPr>
+          <p:cNvPr name="TextBox 8" id="8"/>
+          <p:cNvSpPr txBox="true"/>
+          <p:nvPr/>
+        </p:nvSpPr>
+        <p:spPr>
+          <a:xfrm rot="0">
+            <a:off x="2115214" y="666425"/>
+            <a:ext cx="14048046" cy="748329"/>
+          </a:xfrm>
+          <a:prstGeom prst="rect">
+            <a:avLst/>
+          </a:prstGeom>
+        </p:spPr>
+        <p:txBody>
+          <a:bodyPr anchor="t" rtlCol="false" tIns="0" lIns="0" bIns="0" rIns="0">
+            <a:spAutoFit/>
+          </a:bodyPr>
+          <a:lstStyle/>
+          <a:p>
+            <a:pPr algn="l">
+              <a:lnSpc>
+                <a:spcPts val="5184"/>
+              </a:lnSpc>
+            </a:pPr>
+            <a:r>
+              <a:rPr lang="en-US" b="true" sz="6480">
+                <a:solidFill>
+                  <a:srgbClr val="D96627"/>
+                </a:solidFill>
+                <a:latin typeface="Barlow SemiCondensed Bold"/>
+                <a:ea typeface="Barlow SemiCondensed Bold"/>
+                <a:cs typeface="Barlow SemiCondensed Bold"/>
+                <a:sym typeface="Barlow SemiCondensed Bold"/>
+              </a:rPr>
+              <a:t>TIỀN XỬ LÝ DỮ LIỆU</a:t>
+            </a:r>
+          </a:p>
+        </p:txBody>
+      </p:sp>
+      <p:sp>
+        <p:nvSpPr>
+          <p:cNvPr name="TextBox 9" id="9"/>
+          <p:cNvSpPr txBox="true"/>
+          <p:nvPr/>
+        </p:nvSpPr>
+        <p:spPr>
+          <a:xfrm rot="0">
+            <a:off x="2778696" y="2315033"/>
+            <a:ext cx="12336720" cy="4981575"/>
+          </a:xfrm>
+          <a:prstGeom prst="rect">
+            <a:avLst/>
+          </a:prstGeom>
+        </p:spPr>
+        <p:txBody>
+          <a:bodyPr anchor="t" rtlCol="false" tIns="0" lIns="0" bIns="0" rIns="0">
+            <a:spAutoFit/>
+          </a:bodyPr>
+          <a:lstStyle/>
+          <a:p>
+            <a:pPr algn="just">
+              <a:lnSpc>
+                <a:spcPts val="4950"/>
+              </a:lnSpc>
+            </a:pPr>
+            <a:r>
+              <a:rPr lang="en-US" sz="3000" b="true">
+                <a:solidFill>
+                  <a:srgbClr val="C5581D"/>
+                </a:solidFill>
+                <a:latin typeface="Nunito Bold"/>
+                <a:ea typeface="Nunito Bold"/>
+                <a:cs typeface="Nunito Bold"/>
+                <a:sym typeface="Nunito Bold"/>
+              </a:rPr>
+              <a:t>Sau đây là các kỹ thuật xử lý, làm sạch dữ liệu văn bản được sử dụng:</a:t>
+            </a:r>
+          </a:p>
+          <a:p>
+            <a:pPr algn="just" marL="647702" indent="-323851" lvl="1">
+              <a:lnSpc>
+                <a:spcPts val="4950"/>
+              </a:lnSpc>
+              <a:buFont typeface="Arial"/>
+              <a:buChar char="•"/>
+            </a:pPr>
+            <a:r>
+              <a:rPr lang="en-US" b="true" sz="3000">
+                <a:solidFill>
+                  <a:srgbClr val="C5581D"/>
+                </a:solidFill>
+                <a:latin typeface="Nunito Bold"/>
+                <a:ea typeface="Nunito Bold"/>
+                <a:cs typeface="Nunito Bold"/>
+                <a:sym typeface="Nunito Bold"/>
+              </a:rPr>
+              <a:t>Loại bỏ HTML tags</a:t>
+            </a:r>
+          </a:p>
+          <a:p>
+            <a:pPr algn="just" marL="647702" indent="-323851" lvl="1">
+              <a:lnSpc>
+                <a:spcPts val="4950"/>
+              </a:lnSpc>
+              <a:buFont typeface="Arial"/>
+              <a:buChar char="•"/>
+            </a:pPr>
+            <a:r>
+              <a:rPr lang="en-US" b="true" sz="3000">
+                <a:solidFill>
+                  <a:srgbClr val="C5581D"/>
+                </a:solidFill>
+                <a:latin typeface="Nunito Bold"/>
+                <a:ea typeface="Nunito Bold"/>
+                <a:cs typeface="Nunito Bold"/>
+                <a:sym typeface="Nunito Bold"/>
+              </a:rPr>
+              <a:t>Chuyển đổi tất cả các chữ sang chữ thường</a:t>
+            </a:r>
+          </a:p>
+          <a:p>
+            <a:pPr algn="just" marL="647702" indent="-323851" lvl="1">
+              <a:lnSpc>
+                <a:spcPts val="4950"/>
+              </a:lnSpc>
+              <a:buFont typeface="Arial"/>
+              <a:buChar char="•"/>
+            </a:pPr>
+            <a:r>
+              <a:rPr lang="en-US" b="true" sz="3000">
+                <a:solidFill>
+                  <a:srgbClr val="C5581D"/>
+                </a:solidFill>
+                <a:latin typeface="Nunito Bold"/>
+                <a:ea typeface="Nunito Bold"/>
+                <a:cs typeface="Nunito Bold"/>
+                <a:sym typeface="Nunito Bold"/>
+              </a:rPr>
+              <a:t>Loại bỏ dấu câu (các kí tự như ?, !, ...)</a:t>
+            </a:r>
+          </a:p>
+          <a:p>
+            <a:pPr algn="just" marL="647702" indent="-323851" lvl="1">
+              <a:lnSpc>
+                <a:spcPts val="4950"/>
+              </a:lnSpc>
+              <a:buFont typeface="Arial"/>
+              <a:buChar char="•"/>
+            </a:pPr>
+            <a:r>
+              <a:rPr lang="en-US" b="true" sz="3000">
+                <a:solidFill>
+                  <a:srgbClr val="C5581D"/>
+                </a:solidFill>
+                <a:latin typeface="Nunito Bold"/>
+                <a:ea typeface="Nunito Bold"/>
+                <a:cs typeface="Nunito Bold"/>
+                <a:sym typeface="Nunito Bold"/>
+              </a:rPr>
+              <a:t>Tách từ (chuẩn bị dữ liệu cho tần suất từ)</a:t>
+            </a:r>
+          </a:p>
+          <a:p>
+            <a:pPr algn="just" marL="647702" indent="-323851" lvl="1">
+              <a:lnSpc>
+                <a:spcPts val="4950"/>
+              </a:lnSpc>
+              <a:buFont typeface="Arial"/>
+              <a:buChar char="•"/>
+            </a:pPr>
+            <a:r>
+              <a:rPr lang="en-US" b="true" sz="3000">
+                <a:solidFill>
+                  <a:srgbClr val="C5581D"/>
+                </a:solidFill>
+                <a:latin typeface="Nunito Bold"/>
+                <a:ea typeface="Nunito Bold"/>
+                <a:cs typeface="Nunito Bold"/>
+                <a:sym typeface="Nunito Bold"/>
+              </a:rPr>
+              <a:t>Loại bỏ stopwords</a:t>
+            </a:r>
+          </a:p>
+          <a:p>
+            <a:pPr algn="just" marL="647702" indent="-323851" lvl="1">
+              <a:lnSpc>
+                <a:spcPts val="4950"/>
+              </a:lnSpc>
+              <a:buFont typeface="Arial"/>
+              <a:buChar char="•"/>
+            </a:pPr>
+            <a:r>
+              <a:rPr lang="en-US" b="true" sz="3000">
+                <a:solidFill>
+                  <a:srgbClr val="C5581D"/>
+                </a:solidFill>
+                <a:latin typeface="Nunito Bold"/>
+                <a:ea typeface="Nunito Bold"/>
+                <a:cs typeface="Nunito Bold"/>
+                <a:sym typeface="Nunito Bold"/>
+              </a:rPr>
+              <a:t>Lọc từ quá ngắn</a:t>
+            </a:r>
+          </a:p>
+          <a:p>
+            <a:pPr algn="just" marL="647702" indent="-323851" lvl="1">
+              <a:lnSpc>
+                <a:spcPts val="4950"/>
+              </a:lnSpc>
+              <a:buFont typeface="Arial"/>
+              <a:buChar char="•"/>
+            </a:pPr>
+            <a:r>
+              <a:rPr lang="en-US" b="true" sz="3000">
+                <a:solidFill>
+                  <a:srgbClr val="C5581D"/>
+                </a:solidFill>
+                <a:latin typeface="Nunito Bold"/>
+                <a:ea typeface="Nunito Bold"/>
+                <a:cs typeface="Nunito Bold"/>
+                <a:sym typeface="Nunito Bold"/>
+              </a:rPr>
+              <a:t>Tạo n-gram (bigrams)</a:t>
+            </a:r>
+          </a:p>
+        </p:txBody>
+      </p:sp>
+    </p:spTree>
+  </p:cSld>
+  <p:clrMapOvr>
+    <a:masterClrMapping/>
+  </p:clrMapOvr>
+</p:sld>
+</file>
+
+<file path=ppt/slides/slide6.xml><?xml version="1.0" encoding="utf-8"?>
 <p:sld xmlns:p="http://schemas.openxmlformats.org/presentationml/2006/main" xmlns:a="http://schemas.openxmlformats.org/drawingml/2006/main" xmlns:r="http://schemas.openxmlformats.org/officeDocument/2006/relationships">
   <p:cSld>
     <p:bg>
@@ -5638,165 +6722,14 @@
       </p:grpSpPr>
       <p:sp>
         <p:nvSpPr>
-          <p:cNvPr name="TextBox 2" id="2"/>
-          <p:cNvSpPr txBox="true"/>
-          <p:nvPr/>
-        </p:nvSpPr>
-        <p:spPr>
-          <a:xfrm rot="0">
-            <a:off x="2115214" y="2454064"/>
-            <a:ext cx="4580463" cy="3041015"/>
-          </a:xfrm>
-          <a:prstGeom prst="rect">
-            <a:avLst/>
-          </a:prstGeom>
-        </p:spPr>
-        <p:txBody>
-          <a:bodyPr anchor="t" rtlCol="false" tIns="0" lIns="0" bIns="0" rIns="0">
-            <a:spAutoFit/>
-          </a:bodyPr>
-          <a:lstStyle/>
-          <a:p>
-            <a:pPr algn="just">
-              <a:lnSpc>
-                <a:spcPts val="3519"/>
-              </a:lnSpc>
-            </a:pPr>
-            <a:r>
-              <a:rPr lang="en-US" sz="2199" b="true">
-                <a:solidFill>
-                  <a:srgbClr val="252D37"/>
-                </a:solidFill>
-                <a:latin typeface="Nunito Bold"/>
-                <a:ea typeface="Nunito Bold"/>
-                <a:cs typeface="Nunito Bold"/>
-                <a:sym typeface="Nunito Bold"/>
-              </a:rPr>
-              <a:t>DỮ LIỆU HUẤN LUYỆN</a:t>
-            </a:r>
-          </a:p>
-          <a:p>
-            <a:pPr algn="just" marL="474979" indent="-237490" lvl="1">
-              <a:lnSpc>
-                <a:spcPts val="3519"/>
-              </a:lnSpc>
-              <a:buFont typeface="Arial"/>
-              <a:buChar char="•"/>
-            </a:pPr>
-            <a:r>
-              <a:rPr lang="en-US" sz="2199">
-                <a:solidFill>
-                  <a:srgbClr val="252D37"/>
-                </a:solidFill>
-                <a:latin typeface="Nunito"/>
-                <a:ea typeface="Nunito"/>
-                <a:cs typeface="Nunito"/>
-                <a:sym typeface="Nunito"/>
-              </a:rPr>
-              <a:t>Tích cực: 12500 bài đánh giá</a:t>
-            </a:r>
-          </a:p>
-          <a:p>
-            <a:pPr algn="just" marL="474979" indent="-237490" lvl="1">
-              <a:lnSpc>
-                <a:spcPts val="3519"/>
-              </a:lnSpc>
-              <a:buFont typeface="Arial"/>
-              <a:buChar char="•"/>
-            </a:pPr>
-            <a:r>
-              <a:rPr lang="en-US" sz="2199">
-                <a:solidFill>
-                  <a:srgbClr val="252D37"/>
-                </a:solidFill>
-                <a:latin typeface="Nunito"/>
-                <a:ea typeface="Nunito"/>
-                <a:cs typeface="Nunito"/>
-                <a:sym typeface="Nunito"/>
-              </a:rPr>
-              <a:t>Tiêu cực: 12500 bài đánh giá</a:t>
-            </a:r>
-          </a:p>
-          <a:p>
-            <a:pPr algn="just">
-              <a:lnSpc>
-                <a:spcPts val="3519"/>
-              </a:lnSpc>
-            </a:pPr>
-            <a:r>
-              <a:rPr lang="en-US" sz="2199" b="true">
-                <a:solidFill>
-                  <a:srgbClr val="252D37"/>
-                </a:solidFill>
-                <a:latin typeface="Nunito Bold"/>
-                <a:ea typeface="Nunito Bold"/>
-                <a:cs typeface="Nunito Bold"/>
-                <a:sym typeface="Nunito Bold"/>
-              </a:rPr>
-              <a:t>DỮ LIỆU KIỂM TRA</a:t>
-            </a:r>
-          </a:p>
-          <a:p>
-            <a:pPr algn="just" marL="474979" indent="-237490" lvl="1">
-              <a:lnSpc>
-                <a:spcPts val="3519"/>
-              </a:lnSpc>
-              <a:buFont typeface="Arial"/>
-              <a:buChar char="•"/>
-            </a:pPr>
-            <a:r>
-              <a:rPr lang="en-US" sz="2199">
-                <a:solidFill>
-                  <a:srgbClr val="252D37"/>
-                </a:solidFill>
-                <a:latin typeface="Nunito"/>
-                <a:ea typeface="Nunito"/>
-                <a:cs typeface="Nunito"/>
-                <a:sym typeface="Nunito"/>
-              </a:rPr>
-              <a:t>Tích cực: 12500 bài đánh giá</a:t>
-            </a:r>
-          </a:p>
-          <a:p>
-            <a:pPr algn="just" marL="474979" indent="-237490" lvl="1">
-              <a:lnSpc>
-                <a:spcPts val="3519"/>
-              </a:lnSpc>
-              <a:buFont typeface="Arial"/>
-              <a:buChar char="•"/>
-            </a:pPr>
-            <a:r>
-              <a:rPr lang="en-US" sz="2199">
-                <a:solidFill>
-                  <a:srgbClr val="252D37"/>
-                </a:solidFill>
-                <a:latin typeface="Nunito"/>
-                <a:ea typeface="Nunito"/>
-                <a:cs typeface="Nunito"/>
-                <a:sym typeface="Nunito"/>
-              </a:rPr>
-              <a:t>Tiêu cực: 12500 bài đánh giá</a:t>
-            </a:r>
-          </a:p>
-          <a:p>
-            <a:pPr algn="just">
-              <a:lnSpc>
-                <a:spcPts val="3519"/>
-              </a:lnSpc>
-            </a:pPr>
-          </a:p>
-        </p:txBody>
-      </p:sp>
-      <p:sp>
-        <p:nvSpPr>
-          <p:cNvPr name="Freeform 3" id="3"/>
+          <p:cNvPr name="Freeform 2" id="2"/>
           <p:cNvSpPr/>
           <p:nvPr/>
         </p:nvSpPr>
         <p:spPr>
           <a:xfrm flipH="false" flipV="false" rot="0">
-            <a:off x="7231898" y="2539789"/>
-            <a:ext cx="8713730" cy="5505354"/>
+            <a:off x="9819211" y="2332399"/>
+            <a:ext cx="6126417" cy="4103392"/>
           </a:xfrm>
           <a:custGeom>
             <a:avLst/>
@@ -5805,18 +6738,18 @@
             <a:cxnLst/>
             <a:rect r="r" b="b" t="t" l="l"/>
             <a:pathLst>
-              <a:path h="5505354" w="8713730">
+              <a:path h="4103392" w="6126417">
                 <a:moveTo>
                   <a:pt x="0" y="0"/>
                 </a:moveTo>
                 <a:lnTo>
-                  <a:pt x="8713730" y="0"/>
+                  <a:pt x="6126417" y="0"/>
                 </a:lnTo>
                 <a:lnTo>
-                  <a:pt x="8713730" y="5505354"/>
+                  <a:pt x="6126417" y="4103392"/>
                 </a:lnTo>
                 <a:lnTo>
-                  <a:pt x="0" y="5505354"/>
+                  <a:pt x="0" y="4103392"/>
                 </a:lnTo>
                 <a:lnTo>
                   <a:pt x="0" y="0"/>
@@ -5828,7 +6761,7 @@
           <a:blipFill>
             <a:blip r:embed="rId2"/>
             <a:stretch>
-              <a:fillRect l="-25511" t="-5535" r="0" b="0"/>
+              <a:fillRect l="-26077" t="0" r="0" b="0"/>
             </a:stretch>
           </a:blipFill>
           <a:ln w="38100" cap="sq">
@@ -5842,54 +6775,13 @@
       </p:sp>
       <p:sp>
         <p:nvSpPr>
-          <p:cNvPr name="TextBox 4" id="4"/>
+          <p:cNvPr name="TextBox 3" id="3"/>
           <p:cNvSpPr txBox="true"/>
           <p:nvPr/>
         </p:nvSpPr>
         <p:spPr>
           <a:xfrm rot="0">
-            <a:off x="16727515" y="8952758"/>
-            <a:ext cx="1063569" cy="608188"/>
-          </a:xfrm>
-          <a:prstGeom prst="rect">
-            <a:avLst/>
-          </a:prstGeom>
-        </p:spPr>
-        <p:txBody>
-          <a:bodyPr anchor="t" rtlCol="false" tIns="0" lIns="0" bIns="0" rIns="0">
-            <a:spAutoFit/>
-          </a:bodyPr>
-          <a:lstStyle/>
-          <a:p>
-            <a:pPr algn="ctr">
-              <a:lnSpc>
-                <a:spcPts val="4319"/>
-              </a:lnSpc>
-            </a:pPr>
-            <a:r>
-              <a:rPr lang="en-US" b="true" sz="5399">
-                <a:solidFill>
-                  <a:srgbClr val="D96627"/>
-                </a:solidFill>
-                <a:latin typeface="Nunito Bold"/>
-                <a:ea typeface="Nunito Bold"/>
-                <a:cs typeface="Nunito Bold"/>
-                <a:sym typeface="Nunito Bold"/>
-              </a:rPr>
-              <a:t>3</a:t>
-            </a:r>
-          </a:p>
-        </p:txBody>
-      </p:sp>
-      <p:sp>
-        <p:nvSpPr>
-          <p:cNvPr name="TextBox 5" id="5"/>
-          <p:cNvSpPr txBox="true"/>
-          <p:nvPr/>
-        </p:nvSpPr>
-        <p:spPr>
-          <a:xfrm rot="0">
-            <a:off x="2115214" y="1142675"/>
+            <a:off x="2115214" y="666425"/>
             <a:ext cx="14048046" cy="748329"/>
           </a:xfrm>
           <a:prstGeom prst="rect">
@@ -5917,21 +6809,21 @@
                 <a:cs typeface="Barlow SemiCondensed Bold"/>
                 <a:sym typeface="Barlow SemiCondensed Bold"/>
               </a:rPr>
-              <a:t>PHÂN PHỐI ĐÁNH GIÁ</a:t>
-            </a:r>
-          </a:p>
-        </p:txBody>
-      </p:sp>
-      <p:sp>
-        <p:nvSpPr>
-          <p:cNvPr name="TextBox 6" id="6"/>
+              <a:t>PHÂN TÍCH ĐỘ DÀI TRUNG BÌNH</a:t>
+            </a:r>
+          </a:p>
+        </p:txBody>
+      </p:sp>
+      <p:sp>
+        <p:nvSpPr>
+          <p:cNvPr name="TextBox 4" id="4"/>
           <p:cNvSpPr txBox="true"/>
           <p:nvPr/>
         </p:nvSpPr>
         <p:spPr>
           <a:xfrm rot="0">
-            <a:off x="10145130" y="8277422"/>
-            <a:ext cx="2887266" cy="257175"/>
+            <a:off x="2511671" y="7352169"/>
+            <a:ext cx="13037499" cy="1775460"/>
           </a:xfrm>
           <a:prstGeom prst="rect">
             <a:avLst/>
@@ -5943,6 +6835,112 @@
           </a:bodyPr>
           <a:lstStyle/>
           <a:p>
+            <a:pPr algn="just" marL="388622" indent="-194311" lvl="1">
+              <a:lnSpc>
+                <a:spcPts val="2880"/>
+              </a:lnSpc>
+              <a:buFont typeface="Arial"/>
+              <a:buChar char="•"/>
+            </a:pPr>
+            <a:r>
+              <a:rPr lang="en-US" sz="1800">
+                <a:solidFill>
+                  <a:srgbClr val="252D37"/>
+                </a:solidFill>
+                <a:latin typeface="Nunito"/>
+                <a:ea typeface="Nunito"/>
+                <a:cs typeface="Nunito"/>
+                <a:sym typeface="Nunito"/>
+              </a:rPr>
+              <a:t>Độ dài đánh giá tập trung vào tầm 130-280 số từ</a:t>
+            </a:r>
+          </a:p>
+          <a:p>
+            <a:pPr algn="just" marL="388622" indent="-194311" lvl="1">
+              <a:lnSpc>
+                <a:spcPts val="2880"/>
+              </a:lnSpc>
+              <a:buFont typeface="Arial"/>
+              <a:buChar char="•"/>
+            </a:pPr>
+            <a:r>
+              <a:rPr lang="en-US" sz="1800">
+                <a:solidFill>
+                  <a:srgbClr val="252D37"/>
+                </a:solidFill>
+                <a:latin typeface="Nunito"/>
+                <a:ea typeface="Nunito"/>
+                <a:cs typeface="Nunito"/>
+                <a:sym typeface="Nunito"/>
+              </a:rPr>
+              <a:t>Có một số lượng lớn đánh giá khoảng 1000 từ nhiều hơn đánh giá khoảng 900 từ trở xuống, có thể là do spam</a:t>
+            </a:r>
+          </a:p>
+          <a:p>
+            <a:pPr algn="just" marL="388622" indent="-194311" lvl="1">
+              <a:lnSpc>
+                <a:spcPts val="2880"/>
+              </a:lnSpc>
+              <a:buFont typeface="Arial"/>
+              <a:buChar char="•"/>
+            </a:pPr>
+            <a:r>
+              <a:rPr lang="en-US" sz="1800">
+                <a:solidFill>
+                  <a:srgbClr val="252D37"/>
+                </a:solidFill>
+                <a:latin typeface="Nunito"/>
+                <a:ea typeface="Nunito"/>
+                <a:cs typeface="Nunito"/>
+                <a:sym typeface="Nunito"/>
+              </a:rPr>
+              <a:t>So sánh dựa trên tiêu chí tích cực và tiêu cực, các đánh giá tích cực có độ dài trung bình cao hơn các đánh giá tiêu cực (đặc biệt ở trong dữ liệu huấn luyện)</a:t>
+            </a:r>
+          </a:p>
+          <a:p>
+            <a:pPr algn="just" marL="388622" indent="-194311" lvl="1">
+              <a:lnSpc>
+                <a:spcPts val="2880"/>
+              </a:lnSpc>
+              <a:buFont typeface="Arial"/>
+              <a:buChar char="•"/>
+            </a:pPr>
+            <a:r>
+              <a:rPr lang="en-US" sz="1800">
+                <a:solidFill>
+                  <a:srgbClr val="252D37"/>
+                </a:solidFill>
+                <a:latin typeface="Nunito"/>
+                <a:ea typeface="Nunito"/>
+                <a:cs typeface="Nunito"/>
+                <a:sym typeface="Nunito"/>
+              </a:rPr>
+              <a:t>Các đánh giá tiêu cực có xu hướng thấp hơn đánh giá tích cực khoảng từ 5-10 từ</a:t>
+            </a:r>
+          </a:p>
+        </p:txBody>
+      </p:sp>
+      <p:sp>
+        <p:nvSpPr>
+          <p:cNvPr name="TextBox 5" id="5"/>
+          <p:cNvSpPr txBox="true"/>
+          <p:nvPr/>
+        </p:nvSpPr>
+        <p:spPr>
+          <a:xfrm rot="0">
+            <a:off x="10880648" y="6620067"/>
+            <a:ext cx="4003543" cy="257175"/>
+          </a:xfrm>
+          <a:prstGeom prst="rect">
+            <a:avLst/>
+          </a:prstGeom>
+        </p:spPr>
+        <p:txBody>
+          <a:bodyPr anchor="t" rtlCol="false" tIns="0" lIns="0" bIns="0" rIns="0">
+            <a:spAutoFit/>
+          </a:bodyPr>
+          <a:lstStyle/>
+          <a:p>
             <a:pPr algn="ctr">
               <a:lnSpc>
                 <a:spcPts val="2100"/>
@@ -5961,35 +6959,173 @@
                 <a:cs typeface="Canva Sans"/>
                 <a:sym typeface="Canva Sans"/>
               </a:rPr>
-              <a:t>Biểu đồ phân phối dữ liệu IMDB</a:t>
+              <a:t>Biểu đồ đọ dài trung bình bài đánh giá IMDB</a:t>
+            </a:r>
+          </a:p>
+        </p:txBody>
+      </p:sp>
+      <p:sp>
+        <p:nvSpPr>
+          <p:cNvPr name="Freeform 6" id="6"/>
+          <p:cNvSpPr/>
+          <p:nvPr/>
+        </p:nvSpPr>
+        <p:spPr>
+          <a:xfrm flipH="false" flipV="false" rot="0">
+            <a:off x="2115214" y="2332399"/>
+            <a:ext cx="6220188" cy="4103392"/>
+          </a:xfrm>
+          <a:custGeom>
+            <a:avLst/>
+            <a:gdLst/>
+            <a:ahLst/>
+            <a:cxnLst/>
+            <a:rect r="r" b="b" t="t" l="l"/>
+            <a:pathLst>
+              <a:path h="4103392" w="6220188">
+                <a:moveTo>
+                  <a:pt x="0" y="0"/>
+                </a:moveTo>
+                <a:lnTo>
+                  <a:pt x="6220188" y="0"/>
+                </a:lnTo>
+                <a:lnTo>
+                  <a:pt x="6220188" y="4103392"/>
+                </a:lnTo>
+                <a:lnTo>
+                  <a:pt x="0" y="4103392"/>
+                </a:lnTo>
+                <a:lnTo>
+                  <a:pt x="0" y="0"/>
+                </a:lnTo>
+                <a:close/>
+              </a:path>
+            </a:pathLst>
+          </a:custGeom>
+          <a:blipFill>
+            <a:blip r:embed="rId3"/>
+            <a:stretch>
+              <a:fillRect l="-24176" t="0" r="0" b="0"/>
+            </a:stretch>
+          </a:blipFill>
+          <a:ln w="38100" cap="sq">
+            <a:solidFill>
+              <a:srgbClr val="C5581D"/>
+            </a:solidFill>
+            <a:prstDash val="solid"/>
+            <a:miter/>
+          </a:ln>
+        </p:spPr>
+      </p:sp>
+      <p:sp>
+        <p:nvSpPr>
+          <p:cNvPr name="TextBox 7" id="7"/>
+          <p:cNvSpPr txBox="true"/>
+          <p:nvPr/>
+        </p:nvSpPr>
+        <p:spPr>
+          <a:xfrm rot="0">
+            <a:off x="3239917" y="6620067"/>
+            <a:ext cx="3970782" cy="257175"/>
+          </a:xfrm>
+          <a:prstGeom prst="rect">
+            <a:avLst/>
+          </a:prstGeom>
+        </p:spPr>
+        <p:txBody>
+          <a:bodyPr anchor="t" rtlCol="false" tIns="0" lIns="0" bIns="0" rIns="0">
+            <a:spAutoFit/>
+          </a:bodyPr>
+          <a:lstStyle/>
+          <a:p>
+            <a:pPr algn="ctr">
+              <a:lnSpc>
+                <a:spcPts val="2100"/>
+              </a:lnSpc>
+              <a:spcBef>
+                <a:spcPct val="0"/>
+              </a:spcBef>
+            </a:pPr>
+            <a:r>
+              <a:rPr lang="en-US" sz="1500">
+                <a:solidFill>
+                  <a:srgbClr val="000000"/>
+                </a:solidFill>
+                <a:latin typeface="Canva Sans"/>
+                <a:ea typeface="Canva Sans"/>
+                <a:cs typeface="Canva Sans"/>
+                <a:sym typeface="Canva Sans"/>
+              </a:rPr>
+              <a:t>Biểu đồ phân phối độ dài bài đánh giá IMDB</a:t>
+            </a:r>
+          </a:p>
+        </p:txBody>
+      </p:sp>
+      <p:sp>
+        <p:nvSpPr>
+          <p:cNvPr name="TextBox 8" id="8"/>
+          <p:cNvSpPr txBox="true"/>
+          <p:nvPr/>
+        </p:nvSpPr>
+        <p:spPr>
+          <a:xfrm rot="0">
+            <a:off x="2115214" y="1571952"/>
+            <a:ext cx="13830414" cy="412115"/>
+          </a:xfrm>
+          <a:prstGeom prst="rect">
+            <a:avLst/>
+          </a:prstGeom>
+        </p:spPr>
+        <p:txBody>
+          <a:bodyPr anchor="t" rtlCol="false" tIns="0" lIns="0" bIns="0" rIns="0">
+            <a:spAutoFit/>
+          </a:bodyPr>
+          <a:lstStyle/>
+          <a:p>
+            <a:pPr algn="just">
+              <a:lnSpc>
+                <a:spcPts val="3519"/>
+              </a:lnSpc>
+            </a:pPr>
+            <a:r>
+              <a:rPr lang="en-US" b="true" sz="2199">
+                <a:solidFill>
+                  <a:srgbClr val="C5581D"/>
+                </a:solidFill>
+                <a:latin typeface="Nunito Bold"/>
+                <a:ea typeface="Nunito Bold"/>
+                <a:cs typeface="Nunito Bold"/>
+                <a:sym typeface="Nunito Bold"/>
+              </a:rPr>
+              <a:t>Mục tiêu: Kiểm tra độ dài trung bình của các bài đánh giá</a:t>
             </a:r>
           </a:p>
         </p:txBody>
       </p:sp>
       <p:grpSp>
         <p:nvGrpSpPr>
-          <p:cNvPr name="Group 7" id="7"/>
+          <p:cNvPr name="Group 9" id="9"/>
           <p:cNvGrpSpPr/>
           <p:nvPr/>
         </p:nvGrpSpPr>
         <p:grpSpPr>
           <a:xfrm rot="0">
-            <a:off x="2115214" y="5430698"/>
-            <a:ext cx="4512419" cy="2614445"/>
+            <a:off x="2115214" y="7134417"/>
+            <a:ext cx="13830414" cy="2268114"/>
             <a:chOff x="0" y="0"/>
-            <a:chExt cx="1188456" cy="688578"/>
+            <a:chExt cx="3642578" cy="597363"/>
           </a:xfrm>
         </p:grpSpPr>
         <p:sp>
           <p:nvSpPr>
-            <p:cNvPr name="Freeform 8" id="8"/>
+            <p:cNvPr name="Freeform 10" id="10"/>
             <p:cNvSpPr/>
             <p:nvPr/>
           </p:nvSpPr>
           <p:spPr>
             <a:xfrm flipH="false" flipV="false" rot="0">
               <a:off x="0" y="0"/>
-              <a:ext cx="1188456" cy="688578"/>
+              <a:ext cx="3642578" cy="597363"/>
             </a:xfrm>
             <a:custGeom>
               <a:avLst/>
@@ -5998,41 +7134,41 @@
               <a:cxnLst/>
               <a:rect r="r" b="b" t="t" l="l"/>
               <a:pathLst>
-                <a:path h="688578" w="1188456">
+                <a:path h="597363" w="3642578">
                   <a:moveTo>
-                    <a:pt x="34314" y="0"/>
+                    <a:pt x="11196" y="0"/>
                   </a:moveTo>
                   <a:lnTo>
-                    <a:pt x="1154142" y="0"/>
+                    <a:pt x="3631383" y="0"/>
                   </a:lnTo>
                   <a:cubicBezTo>
-                    <a:pt x="1173093" y="0"/>
-                    <a:pt x="1188456" y="15363"/>
-                    <a:pt x="1188456" y="34314"/>
+                    <a:pt x="3637566" y="0"/>
+                    <a:pt x="3642578" y="5012"/>
+                    <a:pt x="3642578" y="11196"/>
                   </a:cubicBezTo>
                   <a:lnTo>
-                    <a:pt x="1188456" y="654264"/>
+                    <a:pt x="3642578" y="586168"/>
                   </a:lnTo>
                   <a:cubicBezTo>
-                    <a:pt x="1188456" y="673215"/>
-                    <a:pt x="1173093" y="688578"/>
-                    <a:pt x="1154142" y="688578"/>
+                    <a:pt x="3642578" y="592351"/>
+                    <a:pt x="3637566" y="597363"/>
+                    <a:pt x="3631383" y="597363"/>
                   </a:cubicBezTo>
                   <a:lnTo>
-                    <a:pt x="34314" y="688578"/>
+                    <a:pt x="11196" y="597363"/>
                   </a:lnTo>
                   <a:cubicBezTo>
-                    <a:pt x="15363" y="688578"/>
-                    <a:pt x="0" y="673215"/>
-                    <a:pt x="0" y="654264"/>
+                    <a:pt x="5012" y="597363"/>
+                    <a:pt x="0" y="592351"/>
+                    <a:pt x="0" y="586168"/>
                   </a:cubicBezTo>
                   <a:lnTo>
-                    <a:pt x="0" y="34314"/>
+                    <a:pt x="0" y="11196"/>
                   </a:lnTo>
                   <a:cubicBezTo>
-                    <a:pt x="0" y="15363"/>
-                    <a:pt x="15363" y="0"/>
-                    <a:pt x="34314" y="0"/>
+                    <a:pt x="0" y="5012"/>
+                    <a:pt x="5012" y="0"/>
+                    <a:pt x="11196" y="0"/>
                   </a:cubicBezTo>
                   <a:close/>
                 </a:path>
@@ -6047,14 +7183,14 @@
         </p:sp>
         <p:sp>
           <p:nvSpPr>
-            <p:cNvPr name="TextBox 9" id="9"/>
+            <p:cNvPr name="TextBox 11" id="11"/>
             <p:cNvSpPr txBox="true"/>
             <p:nvPr/>
           </p:nvSpPr>
           <p:spPr>
             <a:xfrm>
               <a:off x="0" y="-38100"/>
-              <a:ext cx="1188456" cy="726678"/>
+              <a:ext cx="3642578" cy="635463"/>
             </a:xfrm>
             <a:prstGeom prst="rect">
               <a:avLst/>
@@ -6078,28 +7214,28 @@
       </p:grpSp>
       <p:grpSp>
         <p:nvGrpSpPr>
-          <p:cNvPr name="Group 10" id="10"/>
+          <p:cNvPr name="Group 12" id="12"/>
           <p:cNvGrpSpPr/>
           <p:nvPr/>
         </p:nvGrpSpPr>
         <p:grpSpPr>
           <a:xfrm rot="0">
-            <a:off x="2115214" y="5430698"/>
-            <a:ext cx="299097" cy="2614445"/>
+            <a:off x="2115214" y="7134417"/>
+            <a:ext cx="299097" cy="2268114"/>
             <a:chOff x="0" y="0"/>
-            <a:chExt cx="78775" cy="688578"/>
+            <a:chExt cx="78775" cy="597363"/>
           </a:xfrm>
         </p:grpSpPr>
         <p:sp>
           <p:nvSpPr>
-            <p:cNvPr name="Freeform 11" id="11"/>
+            <p:cNvPr name="Freeform 13" id="13"/>
             <p:cNvSpPr/>
             <p:nvPr/>
           </p:nvSpPr>
           <p:spPr>
             <a:xfrm flipH="false" flipV="false" rot="0">
               <a:off x="0" y="0"/>
-              <a:ext cx="78775" cy="688578"/>
+              <a:ext cx="78775" cy="597363"/>
             </a:xfrm>
             <a:custGeom>
               <a:avLst/>
@@ -6108,7 +7244,7 @@
               <a:cxnLst/>
               <a:rect r="r" b="b" t="t" l="l"/>
               <a:pathLst>
-                <a:path h="688578" w="78775">
+                <a:path h="597363" w="78775">
                   <a:moveTo>
                     <a:pt x="0" y="0"/>
                   </a:moveTo>
@@ -6116,10 +7252,10 @@
                     <a:pt x="78775" y="0"/>
                   </a:lnTo>
                   <a:lnTo>
-                    <a:pt x="78775" y="688578"/>
+                    <a:pt x="78775" y="597363"/>
                   </a:lnTo>
                   <a:lnTo>
-                    <a:pt x="0" y="688578"/>
+                    <a:pt x="0" y="597363"/>
                   </a:lnTo>
                   <a:close/>
                 </a:path>
@@ -6132,14 +7268,14 @@
         </p:sp>
         <p:sp>
           <p:nvSpPr>
-            <p:cNvPr name="TextBox 12" id="12"/>
+            <p:cNvPr name="TextBox 14" id="14"/>
             <p:cNvSpPr txBox="true"/>
             <p:nvPr/>
           </p:nvSpPr>
           <p:spPr>
             <a:xfrm>
               <a:off x="0" y="-38100"/>
-              <a:ext cx="78775" cy="726678"/>
+              <a:ext cx="78775" cy="635463"/>
             </a:xfrm>
             <a:prstGeom prst="rect">
               <a:avLst/>
@@ -6161,66 +7297,6 @@
           </p:txBody>
         </p:sp>
       </p:grpSp>
-      <p:sp>
-        <p:nvSpPr>
-          <p:cNvPr name="TextBox 13" id="13"/>
-          <p:cNvSpPr txBox="true"/>
-          <p:nvPr/>
-        </p:nvSpPr>
-        <p:spPr>
-          <a:xfrm rot="0">
-            <a:off x="2553836" y="5498718"/>
-            <a:ext cx="3767428" cy="2207260"/>
-          </a:xfrm>
-          <a:prstGeom prst="rect">
-            <a:avLst/>
-          </a:prstGeom>
-        </p:spPr>
-        <p:txBody>
-          <a:bodyPr anchor="t" rtlCol="false" tIns="0" lIns="0" bIns="0" rIns="0">
-            <a:spAutoFit/>
-          </a:bodyPr>
-          <a:lstStyle/>
-          <a:p>
-            <a:pPr algn="just">
-              <a:lnSpc>
-                <a:spcPts val="3839"/>
-              </a:lnSpc>
-            </a:pPr>
-            <a:r>
-              <a:rPr lang="en-US" b="true" sz="2399" u="sng">
-                <a:solidFill>
-                  <a:srgbClr val="252D37"/>
-                </a:solidFill>
-                <a:latin typeface="Nunito Bold"/>
-                <a:ea typeface="Nunito Bold"/>
-                <a:cs typeface="Nunito Bold"/>
-                <a:sym typeface="Nunito Bold"/>
-              </a:rPr>
-              <a:t>NHẬN XÉT</a:t>
-            </a:r>
-          </a:p>
-          <a:p>
-            <a:pPr algn="just">
-              <a:lnSpc>
-                <a:spcPts val="3519"/>
-              </a:lnSpc>
-            </a:pPr>
-            <a:r>
-              <a:rPr lang="en-US" b="true" sz="2199">
-                <a:solidFill>
-                  <a:srgbClr val="252D37"/>
-                </a:solidFill>
-                <a:latin typeface="Nunito Bold"/>
-                <a:ea typeface="Nunito Bold"/>
-                <a:cs typeface="Nunito Bold"/>
-                <a:sym typeface="Nunito Bold"/>
-              </a:rPr>
-              <a:t>Dataset được chia đều giữa tích cực và tiêu cực, giúp đảm bảo tính khách quan trong phân tích.</a:t>
-            </a:r>
-          </a:p>
-        </p:txBody>
-      </p:sp>
     </p:spTree>
   </p:cSld>
   <p:clrMapOvr>
@@ -6229,617 +7305,7 @@
 </p:sld>
 </file>
 
-<file path=ppt/slides/slide4.xml><?xml version="1.0" encoding="utf-8"?>
-<p:sld xmlns:p="http://schemas.openxmlformats.org/presentationml/2006/main" xmlns:a="http://schemas.openxmlformats.org/drawingml/2006/main" xmlns:r="http://schemas.openxmlformats.org/officeDocument/2006/relationships">
-  <p:cSld>
-    <p:bg>
-      <p:bgPr>
-        <a:solidFill>
-          <a:srgbClr val="FFF0E9"/>
-        </a:solidFill>
-      </p:bgPr>
-    </p:bg>
-    <p:spTree>
-      <p:nvGrpSpPr>
-        <p:cNvPr id="1" name=""/>
-        <p:cNvGrpSpPr/>
-        <p:nvPr/>
-      </p:nvGrpSpPr>
-      <p:grpSpPr>
-        <a:xfrm>
-          <a:off x="0" y="0"/>
-          <a:ext cx="0" cy="0"/>
-          <a:chOff x="0" y="0"/>
-          <a:chExt cx="0" cy="0"/>
-        </a:xfrm>
-      </p:grpSpPr>
-      <p:sp>
-        <p:nvSpPr>
-          <p:cNvPr name="Freeform 2" id="2"/>
-          <p:cNvSpPr/>
-          <p:nvPr/>
-        </p:nvSpPr>
-        <p:spPr>
-          <a:xfrm flipH="false" flipV="false" rot="0">
-            <a:off x="7726063" y="2539789"/>
-            <a:ext cx="8219565" cy="5505354"/>
-          </a:xfrm>
-          <a:custGeom>
-            <a:avLst/>
-            <a:gdLst/>
-            <a:ahLst/>
-            <a:cxnLst/>
-            <a:rect r="r" b="b" t="t" l="l"/>
-            <a:pathLst>
-              <a:path h="5505354" w="8219565">
-                <a:moveTo>
-                  <a:pt x="0" y="0"/>
-                </a:moveTo>
-                <a:lnTo>
-                  <a:pt x="8219565" y="0"/>
-                </a:lnTo>
-                <a:lnTo>
-                  <a:pt x="8219565" y="5505354"/>
-                </a:lnTo>
-                <a:lnTo>
-                  <a:pt x="0" y="5505354"/>
-                </a:lnTo>
-                <a:lnTo>
-                  <a:pt x="0" y="0"/>
-                </a:lnTo>
-                <a:close/>
-              </a:path>
-            </a:pathLst>
-          </a:custGeom>
-          <a:blipFill>
-            <a:blip r:embed="rId2"/>
-            <a:stretch>
-              <a:fillRect l="-26077" t="0" r="0" b="0"/>
-            </a:stretch>
-          </a:blipFill>
-          <a:ln w="38100" cap="sq">
-            <a:solidFill>
-              <a:srgbClr val="C5581D"/>
-            </a:solidFill>
-            <a:prstDash val="solid"/>
-            <a:miter/>
-          </a:ln>
-        </p:spPr>
-      </p:sp>
-      <p:sp>
-        <p:nvSpPr>
-          <p:cNvPr name="TextBox 3" id="3"/>
-          <p:cNvSpPr txBox="true"/>
-          <p:nvPr/>
-        </p:nvSpPr>
-        <p:spPr>
-          <a:xfrm rot="0">
-            <a:off x="16727515" y="8952758"/>
-            <a:ext cx="1063569" cy="608188"/>
-          </a:xfrm>
-          <a:prstGeom prst="rect">
-            <a:avLst/>
-          </a:prstGeom>
-        </p:spPr>
-        <p:txBody>
-          <a:bodyPr anchor="t" rtlCol="false" tIns="0" lIns="0" bIns="0" rIns="0">
-            <a:spAutoFit/>
-          </a:bodyPr>
-          <a:lstStyle/>
-          <a:p>
-            <a:pPr algn="ctr">
-              <a:lnSpc>
-                <a:spcPts val="4319"/>
-              </a:lnSpc>
-            </a:pPr>
-            <a:r>
-              <a:rPr lang="en-US" b="true" sz="5399">
-                <a:solidFill>
-                  <a:srgbClr val="D96627"/>
-                </a:solidFill>
-                <a:latin typeface="Nunito Bold"/>
-                <a:ea typeface="Nunito Bold"/>
-                <a:cs typeface="Nunito Bold"/>
-                <a:sym typeface="Nunito Bold"/>
-              </a:rPr>
-              <a:t>4</a:t>
-            </a:r>
-          </a:p>
-        </p:txBody>
-      </p:sp>
-      <p:sp>
-        <p:nvSpPr>
-          <p:cNvPr name="TextBox 4" id="4"/>
-          <p:cNvSpPr txBox="true"/>
-          <p:nvPr/>
-        </p:nvSpPr>
-        <p:spPr>
-          <a:xfrm rot="0">
-            <a:off x="2115214" y="1142675"/>
-            <a:ext cx="14048046" cy="748329"/>
-          </a:xfrm>
-          <a:prstGeom prst="rect">
-            <a:avLst/>
-          </a:prstGeom>
-        </p:spPr>
-        <p:txBody>
-          <a:bodyPr anchor="t" rtlCol="false" tIns="0" lIns="0" bIns="0" rIns="0">
-            <a:spAutoFit/>
-          </a:bodyPr>
-          <a:lstStyle/>
-          <a:p>
-            <a:pPr algn="l">
-              <a:lnSpc>
-                <a:spcPts val="5184"/>
-              </a:lnSpc>
-            </a:pPr>
-            <a:r>
-              <a:rPr lang="en-US" b="true" sz="6480">
-                <a:solidFill>
-                  <a:srgbClr val="D96627"/>
-                </a:solidFill>
-                <a:latin typeface="Barlow SemiCondensed Bold"/>
-                <a:ea typeface="Barlow SemiCondensed Bold"/>
-                <a:cs typeface="Barlow SemiCondensed Bold"/>
-                <a:sym typeface="Barlow SemiCondensed Bold"/>
-              </a:rPr>
-              <a:t>ĐỘ DÀI TRUNG BÌNH BÀI ĐÁNH GIÁ </a:t>
-            </a:r>
-          </a:p>
-        </p:txBody>
-      </p:sp>
-      <p:sp>
-        <p:nvSpPr>
-          <p:cNvPr name="TextBox 5" id="5"/>
-          <p:cNvSpPr txBox="true"/>
-          <p:nvPr/>
-        </p:nvSpPr>
-        <p:spPr>
-          <a:xfrm rot="0">
-            <a:off x="2115214" y="2454064"/>
-            <a:ext cx="4580463" cy="2645410"/>
-          </a:xfrm>
-          <a:prstGeom prst="rect">
-            <a:avLst/>
-          </a:prstGeom>
-        </p:spPr>
-        <p:txBody>
-          <a:bodyPr anchor="t" rtlCol="false" tIns="0" lIns="0" bIns="0" rIns="0">
-            <a:spAutoFit/>
-          </a:bodyPr>
-          <a:lstStyle/>
-          <a:p>
-            <a:pPr algn="just">
-              <a:lnSpc>
-                <a:spcPts val="3839"/>
-              </a:lnSpc>
-            </a:pPr>
-            <a:r>
-              <a:rPr lang="en-US" sz="2399" b="true">
-                <a:solidFill>
-                  <a:srgbClr val="252D37"/>
-                </a:solidFill>
-                <a:latin typeface="Nunito Bold"/>
-                <a:ea typeface="Nunito Bold"/>
-                <a:cs typeface="Nunito Bold"/>
-                <a:sym typeface="Nunito Bold"/>
-              </a:rPr>
-              <a:t>THỐNG KÊ</a:t>
-            </a:r>
-          </a:p>
-          <a:p>
-            <a:pPr algn="just" marL="474979" indent="-237490" lvl="1">
-              <a:lnSpc>
-                <a:spcPts val="3519"/>
-              </a:lnSpc>
-              <a:buFont typeface="Arial"/>
-              <a:buChar char="•"/>
-            </a:pPr>
-            <a:r>
-              <a:rPr lang="en-US" sz="2199">
-                <a:solidFill>
-                  <a:srgbClr val="252D37"/>
-                </a:solidFill>
-                <a:latin typeface="Nunito"/>
-                <a:ea typeface="Nunito"/>
-                <a:cs typeface="Nunito"/>
-                <a:sym typeface="Nunito"/>
-              </a:rPr>
-              <a:t>Huấn luyện tích cực: 236.7 từ</a:t>
-            </a:r>
-          </a:p>
-          <a:p>
-            <a:pPr algn="just" marL="474979" indent="-237490" lvl="1">
-              <a:lnSpc>
-                <a:spcPts val="3519"/>
-              </a:lnSpc>
-              <a:buFont typeface="Arial"/>
-              <a:buChar char="•"/>
-            </a:pPr>
-            <a:r>
-              <a:rPr lang="en-US" sz="2199">
-                <a:solidFill>
-                  <a:srgbClr val="252D37"/>
-                </a:solidFill>
-                <a:latin typeface="Nunito"/>
-                <a:ea typeface="Nunito"/>
-                <a:cs typeface="Nunito"/>
-                <a:sym typeface="Nunito"/>
-              </a:rPr>
-              <a:t>Huấn luyện tiêu cực: 229.0 từ</a:t>
-            </a:r>
-          </a:p>
-          <a:p>
-            <a:pPr algn="just" marL="474979" indent="-237490" lvl="1">
-              <a:lnSpc>
-                <a:spcPts val="3519"/>
-              </a:lnSpc>
-              <a:buFont typeface="Arial"/>
-              <a:buChar char="•"/>
-            </a:pPr>
-            <a:r>
-              <a:rPr lang="en-US" sz="2199">
-                <a:solidFill>
-                  <a:srgbClr val="252D37"/>
-                </a:solidFill>
-                <a:latin typeface="Nunito"/>
-                <a:ea typeface="Nunito"/>
-                <a:cs typeface="Nunito"/>
-                <a:sym typeface="Nunito"/>
-              </a:rPr>
-              <a:t>Kiểm tra tích cực: 228.1 từ</a:t>
-            </a:r>
-          </a:p>
-          <a:p>
-            <a:pPr algn="just" marL="474979" indent="-237490" lvl="1">
-              <a:lnSpc>
-                <a:spcPts val="3519"/>
-              </a:lnSpc>
-              <a:buFont typeface="Arial"/>
-              <a:buChar char="•"/>
-            </a:pPr>
-            <a:r>
-              <a:rPr lang="en-US" sz="2199">
-                <a:solidFill>
-                  <a:srgbClr val="252D37"/>
-                </a:solidFill>
-                <a:latin typeface="Nunito"/>
-                <a:ea typeface="Nunito"/>
-                <a:cs typeface="Nunito"/>
-                <a:sym typeface="Nunito"/>
-              </a:rPr>
-              <a:t>Kiểm tra tiêu cực: 200.0 từ</a:t>
-            </a:r>
-          </a:p>
-          <a:p>
-            <a:pPr algn="just">
-              <a:lnSpc>
-                <a:spcPts val="3519"/>
-              </a:lnSpc>
-            </a:pPr>
-          </a:p>
-        </p:txBody>
-      </p:sp>
-      <p:grpSp>
-        <p:nvGrpSpPr>
-          <p:cNvPr name="Group 6" id="6"/>
-          <p:cNvGrpSpPr/>
-          <p:nvPr/>
-        </p:nvGrpSpPr>
-        <p:grpSpPr>
-          <a:xfrm rot="0">
-            <a:off x="2115214" y="5881804"/>
-            <a:ext cx="4512419" cy="2163339"/>
-            <a:chOff x="0" y="0"/>
-            <a:chExt cx="1188456" cy="569768"/>
-          </a:xfrm>
-        </p:grpSpPr>
-        <p:sp>
-          <p:nvSpPr>
-            <p:cNvPr name="Freeform 7" id="7"/>
-            <p:cNvSpPr/>
-            <p:nvPr/>
-          </p:nvSpPr>
-          <p:spPr>
-            <a:xfrm flipH="false" flipV="false" rot="0">
-              <a:off x="0" y="0"/>
-              <a:ext cx="1188456" cy="569768"/>
-            </a:xfrm>
-            <a:custGeom>
-              <a:avLst/>
-              <a:gdLst/>
-              <a:ahLst/>
-              <a:cxnLst/>
-              <a:rect r="r" b="b" t="t" l="l"/>
-              <a:pathLst>
-                <a:path h="569768" w="1188456">
-                  <a:moveTo>
-                    <a:pt x="34314" y="0"/>
-                  </a:moveTo>
-                  <a:lnTo>
-                    <a:pt x="1154142" y="0"/>
-                  </a:lnTo>
-                  <a:cubicBezTo>
-                    <a:pt x="1173093" y="0"/>
-                    <a:pt x="1188456" y="15363"/>
-                    <a:pt x="1188456" y="34314"/>
-                  </a:cubicBezTo>
-                  <a:lnTo>
-                    <a:pt x="1188456" y="535454"/>
-                  </a:lnTo>
-                  <a:cubicBezTo>
-                    <a:pt x="1188456" y="554406"/>
-                    <a:pt x="1173093" y="569768"/>
-                    <a:pt x="1154142" y="569768"/>
-                  </a:cubicBezTo>
-                  <a:lnTo>
-                    <a:pt x="34314" y="569768"/>
-                  </a:lnTo>
-                  <a:cubicBezTo>
-                    <a:pt x="15363" y="569768"/>
-                    <a:pt x="0" y="554406"/>
-                    <a:pt x="0" y="535454"/>
-                  </a:cubicBezTo>
-                  <a:lnTo>
-                    <a:pt x="0" y="34314"/>
-                  </a:lnTo>
-                  <a:cubicBezTo>
-                    <a:pt x="0" y="15363"/>
-                    <a:pt x="15363" y="0"/>
-                    <a:pt x="34314" y="0"/>
-                  </a:cubicBezTo>
-                  <a:close/>
-                </a:path>
-              </a:pathLst>
-            </a:custGeom>
-            <a:solidFill>
-              <a:srgbClr val="D96627">
-                <a:alpha val="18824"/>
-              </a:srgbClr>
-            </a:solidFill>
-          </p:spPr>
-        </p:sp>
-        <p:sp>
-          <p:nvSpPr>
-            <p:cNvPr name="TextBox 8" id="8"/>
-            <p:cNvSpPr txBox="true"/>
-            <p:nvPr/>
-          </p:nvSpPr>
-          <p:spPr>
-            <a:xfrm>
-              <a:off x="0" y="-38100"/>
-              <a:ext cx="1188456" cy="607868"/>
-            </a:xfrm>
-            <a:prstGeom prst="rect">
-              <a:avLst/>
-            </a:prstGeom>
-          </p:spPr>
-          <p:txBody>
-            <a:bodyPr anchor="ctr" rtlCol="false" tIns="50800" lIns="50800" bIns="50800" rIns="50800"/>
-            <a:lstStyle/>
-            <a:p>
-              <a:pPr algn="ctr">
-                <a:lnSpc>
-                  <a:spcPts val="2659"/>
-                </a:lnSpc>
-                <a:spcBef>
-                  <a:spcPct val="0"/>
-                </a:spcBef>
-              </a:pPr>
-            </a:p>
-          </p:txBody>
-        </p:sp>
-      </p:grpSp>
-      <p:grpSp>
-        <p:nvGrpSpPr>
-          <p:cNvPr name="Group 9" id="9"/>
-          <p:cNvGrpSpPr/>
-          <p:nvPr/>
-        </p:nvGrpSpPr>
-        <p:grpSpPr>
-          <a:xfrm rot="0">
-            <a:off x="2115214" y="5881804"/>
-            <a:ext cx="299097" cy="2163339"/>
-            <a:chOff x="0" y="0"/>
-            <a:chExt cx="78775" cy="569768"/>
-          </a:xfrm>
-        </p:grpSpPr>
-        <p:sp>
-          <p:nvSpPr>
-            <p:cNvPr name="Freeform 10" id="10"/>
-            <p:cNvSpPr/>
-            <p:nvPr/>
-          </p:nvSpPr>
-          <p:spPr>
-            <a:xfrm flipH="false" flipV="false" rot="0">
-              <a:off x="0" y="0"/>
-              <a:ext cx="78775" cy="569768"/>
-            </a:xfrm>
-            <a:custGeom>
-              <a:avLst/>
-              <a:gdLst/>
-              <a:ahLst/>
-              <a:cxnLst/>
-              <a:rect r="r" b="b" t="t" l="l"/>
-              <a:pathLst>
-                <a:path h="569768" w="78775">
-                  <a:moveTo>
-                    <a:pt x="0" y="0"/>
-                  </a:moveTo>
-                  <a:lnTo>
-                    <a:pt x="78775" y="0"/>
-                  </a:lnTo>
-                  <a:lnTo>
-                    <a:pt x="78775" y="569768"/>
-                  </a:lnTo>
-                  <a:lnTo>
-                    <a:pt x="0" y="569768"/>
-                  </a:lnTo>
-                  <a:close/>
-                </a:path>
-              </a:pathLst>
-            </a:custGeom>
-            <a:solidFill>
-              <a:srgbClr val="D96627"/>
-            </a:solidFill>
-          </p:spPr>
-        </p:sp>
-        <p:sp>
-          <p:nvSpPr>
-            <p:cNvPr name="TextBox 11" id="11"/>
-            <p:cNvSpPr txBox="true"/>
-            <p:nvPr/>
-          </p:nvSpPr>
-          <p:spPr>
-            <a:xfrm>
-              <a:off x="0" y="-38100"/>
-              <a:ext cx="78775" cy="607868"/>
-            </a:xfrm>
-            <a:prstGeom prst="rect">
-              <a:avLst/>
-            </a:prstGeom>
-          </p:spPr>
-          <p:txBody>
-            <a:bodyPr anchor="ctr" rtlCol="false" tIns="50800" lIns="50800" bIns="50800" rIns="50800"/>
-            <a:lstStyle/>
-            <a:p>
-              <a:pPr algn="ctr">
-                <a:lnSpc>
-                  <a:spcPts val="2659"/>
-                </a:lnSpc>
-                <a:spcBef>
-                  <a:spcPct val="0"/>
-                </a:spcBef>
-              </a:pPr>
-            </a:p>
-          </p:txBody>
-        </p:sp>
-      </p:grpSp>
-      <p:sp>
-        <p:nvSpPr>
-          <p:cNvPr name="TextBox 12" id="12"/>
-          <p:cNvSpPr txBox="true"/>
-          <p:nvPr/>
-        </p:nvSpPr>
-        <p:spPr>
-          <a:xfrm rot="0">
-            <a:off x="2553836" y="5949824"/>
-            <a:ext cx="3767428" cy="1769110"/>
-          </a:xfrm>
-          <a:prstGeom prst="rect">
-            <a:avLst/>
-          </a:prstGeom>
-        </p:spPr>
-        <p:txBody>
-          <a:bodyPr anchor="t" rtlCol="false" tIns="0" lIns="0" bIns="0" rIns="0">
-            <a:spAutoFit/>
-          </a:bodyPr>
-          <a:lstStyle/>
-          <a:p>
-            <a:pPr algn="just">
-              <a:lnSpc>
-                <a:spcPts val="3839"/>
-              </a:lnSpc>
-            </a:pPr>
-            <a:r>
-              <a:rPr lang="en-US" b="true" sz="2399" u="sng">
-                <a:solidFill>
-                  <a:srgbClr val="252D37"/>
-                </a:solidFill>
-                <a:latin typeface="Nunito Bold"/>
-                <a:ea typeface="Nunito Bold"/>
-                <a:cs typeface="Nunito Bold"/>
-                <a:sym typeface="Nunito Bold"/>
-              </a:rPr>
-              <a:t>NHẬN XÉT</a:t>
-            </a:r>
-          </a:p>
-          <a:p>
-            <a:pPr algn="just">
-              <a:lnSpc>
-                <a:spcPts val="3519"/>
-              </a:lnSpc>
-            </a:pPr>
-            <a:r>
-              <a:rPr lang="en-US" sz="2199">
-                <a:solidFill>
-                  <a:srgbClr val="252D37"/>
-                </a:solidFill>
-                <a:latin typeface="Nunito"/>
-                <a:ea typeface="Nunito"/>
-                <a:cs typeface="Nunito"/>
-                <a:sym typeface="Nunito"/>
-              </a:rPr>
-              <a:t>Đán</a:t>
-            </a:r>
-            <a:r>
-              <a:rPr lang="en-US" sz="2199">
-                <a:solidFill>
-                  <a:srgbClr val="252D37"/>
-                </a:solidFill>
-                <a:latin typeface="Nunito"/>
-                <a:ea typeface="Nunito"/>
-                <a:cs typeface="Nunito"/>
-                <a:sym typeface="Nunito"/>
-              </a:rPr>
-              <a:t>h giá tích cực có xu hướng dài hơn đánh giá tiêu cực, đặc biệt là trong tập huấn luyện.</a:t>
-            </a:r>
-          </a:p>
-        </p:txBody>
-      </p:sp>
-      <p:sp>
-        <p:nvSpPr>
-          <p:cNvPr name="TextBox 13" id="13"/>
-          <p:cNvSpPr txBox="true"/>
-          <p:nvPr/>
-        </p:nvSpPr>
-        <p:spPr>
-          <a:xfrm rot="0">
-            <a:off x="9586991" y="8277422"/>
-            <a:ext cx="4003543" cy="257175"/>
-          </a:xfrm>
-          <a:prstGeom prst="rect">
-            <a:avLst/>
-          </a:prstGeom>
-        </p:spPr>
-        <p:txBody>
-          <a:bodyPr anchor="t" rtlCol="false" tIns="0" lIns="0" bIns="0" rIns="0">
-            <a:spAutoFit/>
-          </a:bodyPr>
-          <a:lstStyle/>
-          <a:p>
-            <a:pPr algn="ctr">
-              <a:lnSpc>
-                <a:spcPts val="2100"/>
-              </a:lnSpc>
-              <a:spcBef>
-                <a:spcPct val="0"/>
-              </a:spcBef>
-            </a:pPr>
-            <a:r>
-              <a:rPr lang="en-US" sz="1500">
-                <a:solidFill>
-                  <a:srgbClr val="000000"/>
-                </a:solidFill>
-                <a:latin typeface="Canva Sans"/>
-                <a:ea typeface="Canva Sans"/>
-                <a:cs typeface="Canva Sans"/>
-                <a:sym typeface="Canva Sans"/>
-              </a:rPr>
-              <a:t>Biểu đồ đọ dài trung bình bài đánh giá IMDB</a:t>
-            </a:r>
-          </a:p>
-        </p:txBody>
-      </p:sp>
-    </p:spTree>
-  </p:cSld>
-  <p:clrMapOvr>
-    <a:masterClrMapping/>
-  </p:clrMapOvr>
-</p:sld>
-</file>
-
-<file path=ppt/slides/slide5.xml><?xml version="1.0" encoding="utf-8"?>
+<file path=ppt/slides/slide7.xml><?xml version="1.0" encoding="utf-8"?>
 <p:sld xmlns:p="http://schemas.openxmlformats.org/presentationml/2006/main" xmlns:a="http://schemas.openxmlformats.org/drawingml/2006/main" xmlns:r="http://schemas.openxmlformats.org/officeDocument/2006/relationships">
   <p:cSld>
     <p:bg>
@@ -7081,7 +7547,7 @@
         </p:nvSpPr>
         <p:spPr>
           <a:xfrm flipH="false" flipV="false" rot="0">
-            <a:off x="9286875" y="2539789"/>
+            <a:off x="9286875" y="2349289"/>
             <a:ext cx="6658753" cy="4423685"/>
           </a:xfrm>
           <a:custGeom>
@@ -7134,48 +7600,7 @@
         </p:nvSpPr>
         <p:spPr>
           <a:xfrm rot="0">
-            <a:off x="16727515" y="8952758"/>
-            <a:ext cx="1063569" cy="608188"/>
-          </a:xfrm>
-          <a:prstGeom prst="rect">
-            <a:avLst/>
-          </a:prstGeom>
-        </p:spPr>
-        <p:txBody>
-          <a:bodyPr anchor="t" rtlCol="false" tIns="0" lIns="0" bIns="0" rIns="0">
-            <a:spAutoFit/>
-          </a:bodyPr>
-          <a:lstStyle/>
-          <a:p>
-            <a:pPr algn="ctr">
-              <a:lnSpc>
-                <a:spcPts val="4319"/>
-              </a:lnSpc>
-            </a:pPr>
-            <a:r>
-              <a:rPr lang="en-US" b="true" sz="5399">
-                <a:solidFill>
-                  <a:srgbClr val="D96627"/>
-                </a:solidFill>
-                <a:latin typeface="Nunito Bold"/>
-                <a:ea typeface="Nunito Bold"/>
-                <a:cs typeface="Nunito Bold"/>
-                <a:sym typeface="Nunito Bold"/>
-              </a:rPr>
-              <a:t>5</a:t>
-            </a:r>
-          </a:p>
-        </p:txBody>
-      </p:sp>
-      <p:sp>
-        <p:nvSpPr>
-          <p:cNvPr name="TextBox 10" id="10"/>
-          <p:cNvSpPr txBox="true"/>
-          <p:nvPr/>
-        </p:nvSpPr>
-        <p:spPr>
-          <a:xfrm rot="0">
-            <a:off x="2115214" y="1142675"/>
+            <a:off x="2115214" y="666425"/>
             <a:ext cx="14048046" cy="748329"/>
           </a:xfrm>
           <a:prstGeom prst="rect">
@@ -7203,20 +7628,20 @@
                 <a:cs typeface="Barlow SemiCondensed Bold"/>
                 <a:sym typeface="Barlow SemiCondensed Bold"/>
               </a:rPr>
-              <a:t>TẦN SUẤT TỪ</a:t>
-            </a:r>
-          </a:p>
-        </p:txBody>
-      </p:sp>
-      <p:sp>
-        <p:nvSpPr>
-          <p:cNvPr name="TextBox 11" id="11"/>
+              <a:t>PHÂN TÍCH TẦN SUẤT TỪ</a:t>
+            </a:r>
+          </a:p>
+        </p:txBody>
+      </p:sp>
+      <p:sp>
+        <p:nvSpPr>
+          <p:cNvPr name="TextBox 10" id="10"/>
           <p:cNvSpPr txBox="true"/>
           <p:nvPr/>
         </p:nvSpPr>
         <p:spPr>
           <a:xfrm rot="0">
-            <a:off x="2115214" y="2555436"/>
+            <a:off x="2115214" y="2364936"/>
             <a:ext cx="5245798" cy="2878455"/>
           </a:xfrm>
           <a:prstGeom prst="rect">
@@ -7368,14 +7793,14 @@
       </p:sp>
       <p:sp>
         <p:nvSpPr>
-          <p:cNvPr name="TextBox 12" id="12"/>
+          <p:cNvPr name="TextBox 11" id="11"/>
           <p:cNvSpPr txBox="true"/>
           <p:nvPr/>
         </p:nvSpPr>
         <p:spPr>
           <a:xfrm rot="0">
-            <a:off x="2553836" y="5949824"/>
-            <a:ext cx="5951989" cy="1912620"/>
+            <a:off x="2553836" y="6102413"/>
+            <a:ext cx="5951989" cy="1645920"/>
           </a:xfrm>
           <a:prstGeom prst="rect">
             <a:avLst/>
@@ -7387,13 +7812,84 @@
           </a:bodyPr>
           <a:lstStyle/>
           <a:p>
-            <a:pPr algn="just">
-              <a:lnSpc>
-                <a:spcPts val="3839"/>
-              </a:lnSpc>
-            </a:pPr>
-            <a:r>
-              <a:rPr lang="en-US" b="true" sz="2399" u="sng">
+            <a:pPr algn="just" marL="453388" indent="-226694" lvl="1">
+              <a:lnSpc>
+                <a:spcPts val="3359"/>
+              </a:lnSpc>
+              <a:buFont typeface="Arial"/>
+              <a:buChar char="•"/>
+            </a:pPr>
+            <a:r>
+              <a:rPr lang="en-US" sz="2099">
+                <a:solidFill>
+                  <a:srgbClr val="252D37"/>
+                </a:solidFill>
+                <a:latin typeface="Nunito"/>
+                <a:ea typeface="Nunito"/>
+                <a:cs typeface="Nunito"/>
+                <a:sym typeface="Nunito"/>
+              </a:rPr>
+              <a:t>Các</a:t>
+            </a:r>
+            <a:r>
+              <a:rPr lang="en-US" sz="2099">
+                <a:solidFill>
+                  <a:srgbClr val="252D37"/>
+                </a:solidFill>
+                <a:latin typeface="Nunito"/>
+                <a:ea typeface="Nunito"/>
+                <a:cs typeface="Nunito"/>
+                <a:sym typeface="Nunito"/>
+              </a:rPr>
+              <a:t> từ liên quan đến phim </a:t>
+            </a:r>
+            <a:r>
+              <a:rPr lang="en-US" sz="2099" i="true">
+                <a:solidFill>
+                  <a:srgbClr val="252D37"/>
+                </a:solidFill>
+                <a:latin typeface="Nunito Italics"/>
+                <a:ea typeface="Nunito Italics"/>
+                <a:cs typeface="Nunito Italics"/>
+                <a:sym typeface="Nunito Italics"/>
+              </a:rPr>
+              <a:t>("movie", "film")</a:t>
+            </a:r>
+            <a:r>
+              <a:rPr lang="en-US" sz="2099">
+                <a:solidFill>
+                  <a:srgbClr val="252D37"/>
+                </a:solidFill>
+                <a:latin typeface="Nunito"/>
+                <a:ea typeface="Nunito"/>
+                <a:cs typeface="Nunito"/>
+                <a:sym typeface="Nunito"/>
+              </a:rPr>
+              <a:t> xuất hiện nhiều nhất.</a:t>
+            </a:r>
+          </a:p>
+          <a:p>
+            <a:pPr algn="just" marL="453388" indent="-226694" lvl="1">
+              <a:lnSpc>
+                <a:spcPts val="3359"/>
+              </a:lnSpc>
+              <a:buFont typeface="Arial"/>
+              <a:buChar char="•"/>
+            </a:pPr>
+            <a:r>
+              <a:rPr lang="en-US" sz="2099">
+                <a:solidFill>
+                  <a:srgbClr val="252D37"/>
+                </a:solidFill>
+                <a:latin typeface="Nunito"/>
+                <a:ea typeface="Nunito"/>
+                <a:cs typeface="Nunito"/>
+                <a:sym typeface="Nunito"/>
+              </a:rPr>
+              <a:t>Từ phủ định </a:t>
+            </a:r>
+            <a:r>
+              <a:rPr lang="en-US" b="true" sz="2099">
                 <a:solidFill>
                   <a:srgbClr val="252D37"/>
                 </a:solidFill>
@@ -7402,19 +7898,10 @@
                 <a:cs typeface="Nunito Bold"/>
                 <a:sym typeface="Nunito Bold"/>
               </a:rPr>
-              <a:t>NHẬN XÉT</a:t>
-            </a:r>
-          </a:p>
-          <a:p>
-            <a:pPr algn="just" marL="388620" indent="-194310" lvl="1">
-              <a:lnSpc>
-                <a:spcPts val="2880"/>
-              </a:lnSpc>
-              <a:buFont typeface="Arial"/>
-              <a:buChar char="•"/>
-            </a:pPr>
-            <a:r>
-              <a:rPr lang="en-US" sz="1800">
+              <a:t>"not"</a:t>
+            </a:r>
+            <a:r>
+              <a:rPr lang="en-US" sz="2099">
                 <a:solidFill>
                   <a:srgbClr val="252D37"/>
                 </a:solidFill>
@@ -7423,87 +7910,6 @@
                 <a:cs typeface="Nunito"/>
                 <a:sym typeface="Nunito"/>
               </a:rPr>
-              <a:t>Các</a:t>
-            </a:r>
-            <a:r>
-              <a:rPr lang="en-US" sz="1800">
-                <a:solidFill>
-                  <a:srgbClr val="252D37"/>
-                </a:solidFill>
-                <a:latin typeface="Nunito"/>
-                <a:ea typeface="Nunito"/>
-                <a:cs typeface="Nunito"/>
-                <a:sym typeface="Nunito"/>
-              </a:rPr>
-              <a:t> từ liên quan đến phim </a:t>
-            </a:r>
-            <a:r>
-              <a:rPr lang="en-US" sz="1800" i="true">
-                <a:solidFill>
-                  <a:srgbClr val="252D37"/>
-                </a:solidFill>
-                <a:latin typeface="Nunito Italics"/>
-                <a:ea typeface="Nunito Italics"/>
-                <a:cs typeface="Nunito Italics"/>
-                <a:sym typeface="Nunito Italics"/>
-              </a:rPr>
-              <a:t>("movie", "film")</a:t>
-            </a:r>
-            <a:r>
-              <a:rPr lang="en-US" sz="1800">
-                <a:solidFill>
-                  <a:srgbClr val="252D37"/>
-                </a:solidFill>
-                <a:latin typeface="Nunito"/>
-                <a:ea typeface="Nunito"/>
-                <a:cs typeface="Nunito"/>
-                <a:sym typeface="Nunito"/>
-              </a:rPr>
-              <a:t> xuất hiện nhiều nhất.</a:t>
-            </a:r>
-          </a:p>
-          <a:p>
-            <a:pPr algn="just" marL="388620" indent="-194310" lvl="1">
-              <a:lnSpc>
-                <a:spcPts val="2880"/>
-              </a:lnSpc>
-              <a:buFont typeface="Arial"/>
-              <a:buChar char="•"/>
-            </a:pPr>
-            <a:r>
-              <a:rPr lang="en-US" sz="1800">
-                <a:solidFill>
-                  <a:srgbClr val="252D37"/>
-                </a:solidFill>
-                <a:latin typeface="Nunito"/>
-                <a:ea typeface="Nunito"/>
-                <a:cs typeface="Nunito"/>
-                <a:sym typeface="Nunito"/>
-              </a:rPr>
-              <a:t>Từ phủ định </a:t>
-            </a:r>
-            <a:r>
-              <a:rPr lang="en-US" b="true" sz="1800">
-                <a:solidFill>
-                  <a:srgbClr val="252D37"/>
-                </a:solidFill>
-                <a:latin typeface="Nunito Bold"/>
-                <a:ea typeface="Nunito Bold"/>
-                <a:cs typeface="Nunito Bold"/>
-                <a:sym typeface="Nunito Bold"/>
-              </a:rPr>
-              <a:t>"not"</a:t>
-            </a:r>
-            <a:r>
-              <a:rPr lang="en-US" sz="1800">
-                <a:solidFill>
-                  <a:srgbClr val="252D37"/>
-                </a:solidFill>
-                <a:latin typeface="Nunito"/>
-                <a:ea typeface="Nunito"/>
-                <a:cs typeface="Nunito"/>
-                <a:sym typeface="Nunito"/>
-              </a:rPr>
               <a:t> xuất hiện với tần suất cao, cho thấy sự phổ biến của đánh giá tiêu cực.</a:t>
             </a:r>
           </a:p>
@@ -7511,13 +7917,13 @@
       </p:sp>
       <p:sp>
         <p:nvSpPr>
-          <p:cNvPr name="TextBox 13" id="13"/>
+          <p:cNvPr name="TextBox 12" id="12"/>
           <p:cNvSpPr txBox="true"/>
           <p:nvPr/>
         </p:nvSpPr>
         <p:spPr>
           <a:xfrm rot="0">
-            <a:off x="10897846" y="7231782"/>
+            <a:off x="10897846" y="6992049"/>
             <a:ext cx="3436810" cy="257175"/>
           </a:xfrm>
           <a:prstGeom prst="rect">
@@ -7555,13 +7961,13 @@
       </p:sp>
       <p:sp>
         <p:nvSpPr>
-          <p:cNvPr name="TextBox 14" id="14"/>
+          <p:cNvPr name="TextBox 13" id="13"/>
           <p:cNvSpPr txBox="true"/>
           <p:nvPr/>
         </p:nvSpPr>
         <p:spPr>
           <a:xfrm rot="0">
-            <a:off x="5471363" y="3041211"/>
+            <a:off x="5471363" y="2850711"/>
             <a:ext cx="3356149" cy="2392680"/>
           </a:xfrm>
           <a:prstGeom prst="rect">
@@ -7728,296 +8134,16 @@
           </a:p>
         </p:txBody>
       </p:sp>
-    </p:spTree>
-  </p:cSld>
-  <p:clrMapOvr>
-    <a:masterClrMapping/>
-  </p:clrMapOvr>
-</p:sld>
-</file>
-
-<file path=ppt/slides/slide6.xml><?xml version="1.0" encoding="utf-8"?>
-<p:sld xmlns:p="http://schemas.openxmlformats.org/presentationml/2006/main" xmlns:a="http://schemas.openxmlformats.org/drawingml/2006/main" xmlns:r="http://schemas.openxmlformats.org/officeDocument/2006/relationships">
-  <p:cSld>
-    <p:bg>
-      <p:bgPr>
-        <a:solidFill>
-          <a:srgbClr val="FFF0E9"/>
-        </a:solidFill>
-      </p:bgPr>
-    </p:bg>
-    <p:spTree>
-      <p:nvGrpSpPr>
-        <p:cNvPr id="1" name=""/>
-        <p:cNvGrpSpPr/>
-        <p:nvPr/>
-      </p:nvGrpSpPr>
-      <p:grpSpPr>
-        <a:xfrm>
-          <a:off x="0" y="0"/>
-          <a:ext cx="0" cy="0"/>
-          <a:chOff x="0" y="0"/>
-          <a:chExt cx="0" cy="0"/>
-        </a:xfrm>
-      </p:grpSpPr>
-      <p:sp>
-        <p:nvSpPr>
-          <p:cNvPr name="Freeform 2" id="2"/>
-          <p:cNvSpPr/>
-          <p:nvPr/>
-        </p:nvSpPr>
-        <p:spPr>
-          <a:xfrm flipH="false" flipV="false" rot="0">
-            <a:off x="7564675" y="2530802"/>
-            <a:ext cx="8345373" cy="5514341"/>
-          </a:xfrm>
-          <a:custGeom>
-            <a:avLst/>
-            <a:gdLst/>
-            <a:ahLst/>
-            <a:cxnLst/>
-            <a:rect r="r" b="b" t="t" l="l"/>
-            <a:pathLst>
-              <a:path h="5514341" w="8345373">
-                <a:moveTo>
-                  <a:pt x="0" y="0"/>
-                </a:moveTo>
-                <a:lnTo>
-                  <a:pt x="8345373" y="0"/>
-                </a:lnTo>
-                <a:lnTo>
-                  <a:pt x="8345373" y="5514341"/>
-                </a:lnTo>
-                <a:lnTo>
-                  <a:pt x="0" y="5514341"/>
-                </a:lnTo>
-                <a:lnTo>
-                  <a:pt x="0" y="0"/>
-                </a:lnTo>
-                <a:close/>
-              </a:path>
-            </a:pathLst>
-          </a:custGeom>
-          <a:blipFill>
-            <a:blip r:embed="rId2"/>
-            <a:stretch>
-              <a:fillRect l="-24379" t="0" r="0" b="0"/>
-            </a:stretch>
-          </a:blipFill>
-          <a:ln w="38100" cap="sq">
-            <a:solidFill>
-              <a:srgbClr val="C5581D"/>
-            </a:solidFill>
-            <a:prstDash val="solid"/>
-            <a:miter/>
-          </a:ln>
-        </p:spPr>
-      </p:sp>
-      <p:grpSp>
-        <p:nvGrpSpPr>
-          <p:cNvPr name="Group 3" id="3"/>
-          <p:cNvGrpSpPr/>
-          <p:nvPr/>
-        </p:nvGrpSpPr>
-        <p:grpSpPr>
-          <a:xfrm rot="0">
-            <a:off x="2115214" y="5881804"/>
-            <a:ext cx="4987150" cy="2163339"/>
-            <a:chOff x="0" y="0"/>
-            <a:chExt cx="1313488" cy="569768"/>
-          </a:xfrm>
-        </p:grpSpPr>
-        <p:sp>
-          <p:nvSpPr>
-            <p:cNvPr name="Freeform 4" id="4"/>
-            <p:cNvSpPr/>
-            <p:nvPr/>
-          </p:nvSpPr>
-          <p:spPr>
-            <a:xfrm flipH="false" flipV="false" rot="0">
-              <a:off x="0" y="0"/>
-              <a:ext cx="1313488" cy="569768"/>
-            </a:xfrm>
-            <a:custGeom>
-              <a:avLst/>
-              <a:gdLst/>
-              <a:ahLst/>
-              <a:cxnLst/>
-              <a:rect r="r" b="b" t="t" l="l"/>
-              <a:pathLst>
-                <a:path h="569768" w="1313488">
-                  <a:moveTo>
-                    <a:pt x="31047" y="0"/>
-                  </a:moveTo>
-                  <a:lnTo>
-                    <a:pt x="1282441" y="0"/>
-                  </a:lnTo>
-                  <a:cubicBezTo>
-                    <a:pt x="1299588" y="0"/>
-                    <a:pt x="1313488" y="13900"/>
-                    <a:pt x="1313488" y="31047"/>
-                  </a:cubicBezTo>
-                  <a:lnTo>
-                    <a:pt x="1313488" y="538721"/>
-                  </a:lnTo>
-                  <a:cubicBezTo>
-                    <a:pt x="1313488" y="555868"/>
-                    <a:pt x="1299588" y="569768"/>
-                    <a:pt x="1282441" y="569768"/>
-                  </a:cubicBezTo>
-                  <a:lnTo>
-                    <a:pt x="31047" y="569768"/>
-                  </a:lnTo>
-                  <a:cubicBezTo>
-                    <a:pt x="13900" y="569768"/>
-                    <a:pt x="0" y="555868"/>
-                    <a:pt x="0" y="538721"/>
-                  </a:cubicBezTo>
-                  <a:lnTo>
-                    <a:pt x="0" y="31047"/>
-                  </a:lnTo>
-                  <a:cubicBezTo>
-                    <a:pt x="0" y="13900"/>
-                    <a:pt x="13900" y="0"/>
-                    <a:pt x="31047" y="0"/>
-                  </a:cubicBezTo>
-                  <a:close/>
-                </a:path>
-              </a:pathLst>
-            </a:custGeom>
-            <a:solidFill>
-              <a:srgbClr val="D96627">
-                <a:alpha val="18824"/>
-              </a:srgbClr>
-            </a:solidFill>
-          </p:spPr>
-        </p:sp>
-        <p:sp>
-          <p:nvSpPr>
-            <p:cNvPr name="TextBox 5" id="5"/>
-            <p:cNvSpPr txBox="true"/>
-            <p:nvPr/>
-          </p:nvSpPr>
-          <p:spPr>
-            <a:xfrm>
-              <a:off x="0" y="-38100"/>
-              <a:ext cx="1313488" cy="607868"/>
-            </a:xfrm>
-            <a:prstGeom prst="rect">
-              <a:avLst/>
-            </a:prstGeom>
-          </p:spPr>
-          <p:txBody>
-            <a:bodyPr anchor="ctr" rtlCol="false" tIns="50800" lIns="50800" bIns="50800" rIns="50800"/>
-            <a:lstStyle/>
-            <a:p>
-              <a:pPr algn="ctr">
-                <a:lnSpc>
-                  <a:spcPts val="2659"/>
-                </a:lnSpc>
-                <a:spcBef>
-                  <a:spcPct val="0"/>
-                </a:spcBef>
-              </a:pPr>
-            </a:p>
-          </p:txBody>
-        </p:sp>
-      </p:grpSp>
-      <p:grpSp>
-        <p:nvGrpSpPr>
-          <p:cNvPr name="Group 6" id="6"/>
-          <p:cNvGrpSpPr/>
-          <p:nvPr/>
-        </p:nvGrpSpPr>
-        <p:grpSpPr>
-          <a:xfrm rot="0">
-            <a:off x="2115214" y="5881804"/>
-            <a:ext cx="299097" cy="2163339"/>
-            <a:chOff x="0" y="0"/>
-            <a:chExt cx="78775" cy="569768"/>
-          </a:xfrm>
-        </p:grpSpPr>
-        <p:sp>
-          <p:nvSpPr>
-            <p:cNvPr name="Freeform 7" id="7"/>
-            <p:cNvSpPr/>
-            <p:nvPr/>
-          </p:nvSpPr>
-          <p:spPr>
-            <a:xfrm flipH="false" flipV="false" rot="0">
-              <a:off x="0" y="0"/>
-              <a:ext cx="78775" cy="569768"/>
-            </a:xfrm>
-            <a:custGeom>
-              <a:avLst/>
-              <a:gdLst/>
-              <a:ahLst/>
-              <a:cxnLst/>
-              <a:rect r="r" b="b" t="t" l="l"/>
-              <a:pathLst>
-                <a:path h="569768" w="78775">
-                  <a:moveTo>
-                    <a:pt x="0" y="0"/>
-                  </a:moveTo>
-                  <a:lnTo>
-                    <a:pt x="78775" y="0"/>
-                  </a:lnTo>
-                  <a:lnTo>
-                    <a:pt x="78775" y="569768"/>
-                  </a:lnTo>
-                  <a:lnTo>
-                    <a:pt x="0" y="569768"/>
-                  </a:lnTo>
-                  <a:close/>
-                </a:path>
-              </a:pathLst>
-            </a:custGeom>
-            <a:solidFill>
-              <a:srgbClr val="D96627"/>
-            </a:solidFill>
-          </p:spPr>
-        </p:sp>
-        <p:sp>
-          <p:nvSpPr>
-            <p:cNvPr name="TextBox 8" id="8"/>
-            <p:cNvSpPr txBox="true"/>
-            <p:nvPr/>
-          </p:nvSpPr>
-          <p:spPr>
-            <a:xfrm>
-              <a:off x="0" y="-38100"/>
-              <a:ext cx="78775" cy="607868"/>
-            </a:xfrm>
-            <a:prstGeom prst="rect">
-              <a:avLst/>
-            </a:prstGeom>
-          </p:spPr>
-          <p:txBody>
-            <a:bodyPr anchor="ctr" rtlCol="false" tIns="50800" lIns="50800" bIns="50800" rIns="50800"/>
-            <a:lstStyle/>
-            <a:p>
-              <a:pPr algn="ctr">
-                <a:lnSpc>
-                  <a:spcPts val="2659"/>
-                </a:lnSpc>
-                <a:spcBef>
-                  <a:spcPct val="0"/>
-                </a:spcBef>
-              </a:pPr>
-            </a:p>
-          </p:txBody>
-        </p:sp>
-      </p:grpSp>
-      <p:sp>
-        <p:nvSpPr>
-          <p:cNvPr name="TextBox 9" id="9"/>
+      <p:sp>
+        <p:nvSpPr>
+          <p:cNvPr name="TextBox 14" id="14"/>
           <p:cNvSpPr txBox="true"/>
           <p:nvPr/>
         </p:nvSpPr>
         <p:spPr>
           <a:xfrm rot="0">
-            <a:off x="16727515" y="8952758"/>
-            <a:ext cx="1063569" cy="608188"/>
+            <a:off x="2115214" y="1571952"/>
+            <a:ext cx="13830414" cy="412115"/>
           </a:xfrm>
           <a:prstGeom prst="rect">
             <a:avLst/>
@@ -8029,889 +8155,22 @@
           </a:bodyPr>
           <a:lstStyle/>
           <a:p>
-            <a:pPr algn="ctr">
-              <a:lnSpc>
-                <a:spcPts val="4319"/>
-              </a:lnSpc>
-            </a:pPr>
-            <a:r>
-              <a:rPr lang="en-US" b="true" sz="5399">
-                <a:solidFill>
-                  <a:srgbClr val="D96627"/>
+            <a:pPr algn="just">
+              <a:lnSpc>
+                <a:spcPts val="3519"/>
+              </a:lnSpc>
+            </a:pPr>
+            <a:r>
+              <a:rPr lang="en-US" b="true" sz="2199">
+                <a:solidFill>
+                  <a:srgbClr val="C5581D"/>
                 </a:solidFill>
                 <a:latin typeface="Nunito Bold"/>
                 <a:ea typeface="Nunito Bold"/>
                 <a:cs typeface="Nunito Bold"/>
                 <a:sym typeface="Nunito Bold"/>
               </a:rPr>
-              <a:t>6</a:t>
-            </a:r>
-          </a:p>
-        </p:txBody>
-      </p:sp>
-      <p:sp>
-        <p:nvSpPr>
-          <p:cNvPr name="TextBox 10" id="10"/>
-          <p:cNvSpPr txBox="true"/>
-          <p:nvPr/>
-        </p:nvSpPr>
-        <p:spPr>
-          <a:xfrm rot="0">
-            <a:off x="2115214" y="1142675"/>
-            <a:ext cx="14048046" cy="748329"/>
-          </a:xfrm>
-          <a:prstGeom prst="rect">
-            <a:avLst/>
-          </a:prstGeom>
-        </p:spPr>
-        <p:txBody>
-          <a:bodyPr anchor="t" rtlCol="false" tIns="0" lIns="0" bIns="0" rIns="0">
-            <a:spAutoFit/>
-          </a:bodyPr>
-          <a:lstStyle/>
-          <a:p>
-            <a:pPr algn="l">
-              <a:lnSpc>
-                <a:spcPts val="5184"/>
-              </a:lnSpc>
-            </a:pPr>
-            <a:r>
-              <a:rPr lang="en-US" b="true" sz="6480">
-                <a:solidFill>
-                  <a:srgbClr val="D96627"/>
-                </a:solidFill>
-                <a:latin typeface="Barlow SemiCondensed Bold"/>
-                <a:ea typeface="Barlow SemiCondensed Bold"/>
-                <a:cs typeface="Barlow SemiCondensed Bold"/>
-                <a:sym typeface="Barlow SemiCondensed Bold"/>
-              </a:rPr>
-              <a:t>PHÂN PHỐI CẢM XÚC</a:t>
-            </a:r>
-          </a:p>
-        </p:txBody>
-      </p:sp>
-      <p:sp>
-        <p:nvSpPr>
-          <p:cNvPr name="TextBox 11" id="11"/>
-          <p:cNvSpPr txBox="true"/>
-          <p:nvPr/>
-        </p:nvSpPr>
-        <p:spPr>
-          <a:xfrm rot="0">
-            <a:off x="2553836" y="6036056"/>
-            <a:ext cx="4141842" cy="1769110"/>
-          </a:xfrm>
-          <a:prstGeom prst="rect">
-            <a:avLst/>
-          </a:prstGeom>
-        </p:spPr>
-        <p:txBody>
-          <a:bodyPr anchor="t" rtlCol="false" tIns="0" lIns="0" bIns="0" rIns="0">
-            <a:spAutoFit/>
-          </a:bodyPr>
-          <a:lstStyle/>
-          <a:p>
-            <a:pPr algn="just">
-              <a:lnSpc>
-                <a:spcPts val="3839"/>
-              </a:lnSpc>
-            </a:pPr>
-            <a:r>
-              <a:rPr lang="en-US" b="true" sz="2399" u="sng">
-                <a:solidFill>
-                  <a:srgbClr val="252D37"/>
-                </a:solidFill>
-                <a:latin typeface="Nunito Bold"/>
-                <a:ea typeface="Nunito Bold"/>
-                <a:cs typeface="Nunito Bold"/>
-                <a:sym typeface="Nunito Bold"/>
-              </a:rPr>
-              <a:t>NHẬN XÉT</a:t>
-            </a:r>
-          </a:p>
-          <a:p>
-            <a:pPr algn="just">
-              <a:lnSpc>
-                <a:spcPts val="3519"/>
-              </a:lnSpc>
-            </a:pPr>
-            <a:r>
-              <a:rPr lang="en-US" sz="2199">
-                <a:solidFill>
-                  <a:srgbClr val="252D37"/>
-                </a:solidFill>
-                <a:latin typeface="Nunito"/>
-                <a:ea typeface="Nunito"/>
-                <a:cs typeface="Nunito"/>
-                <a:sym typeface="Nunito"/>
-              </a:rPr>
-              <a:t>Phân phối cảm xúc cân</a:t>
-            </a:r>
-            <a:r>
-              <a:rPr lang="en-US" sz="2199">
-                <a:solidFill>
-                  <a:srgbClr val="252D37"/>
-                </a:solidFill>
-                <a:latin typeface="Nunito"/>
-                <a:ea typeface="Nunito"/>
-                <a:cs typeface="Nunito"/>
-                <a:sym typeface="Nunito"/>
-              </a:rPr>
-              <a:t> bằng giữa tích cực và tiêu cực trong cả hai tập huấn luyện và kiểm tra.</a:t>
-            </a:r>
-          </a:p>
-        </p:txBody>
-      </p:sp>
-      <p:sp>
-        <p:nvSpPr>
-          <p:cNvPr name="TextBox 12" id="12"/>
-          <p:cNvSpPr txBox="true"/>
-          <p:nvPr/>
-        </p:nvSpPr>
-        <p:spPr>
-          <a:xfrm rot="0">
-            <a:off x="9745723" y="8277422"/>
-            <a:ext cx="3686080" cy="257175"/>
-          </a:xfrm>
-          <a:prstGeom prst="rect">
-            <a:avLst/>
-          </a:prstGeom>
-        </p:spPr>
-        <p:txBody>
-          <a:bodyPr anchor="t" rtlCol="false" tIns="0" lIns="0" bIns="0" rIns="0">
-            <a:spAutoFit/>
-          </a:bodyPr>
-          <a:lstStyle/>
-          <a:p>
-            <a:pPr algn="ctr">
-              <a:lnSpc>
-                <a:spcPts val="2100"/>
-              </a:lnSpc>
-              <a:spcBef>
-                <a:spcPct val="0"/>
-              </a:spcBef>
-            </a:pPr>
-            <a:r>
-              <a:rPr lang="en-US" sz="1500">
-                <a:solidFill>
-                  <a:srgbClr val="000000"/>
-                </a:solidFill>
-                <a:latin typeface="Canva Sans"/>
-                <a:ea typeface="Canva Sans"/>
-                <a:cs typeface="Canva Sans"/>
-                <a:sym typeface="Canva Sans"/>
-              </a:rPr>
-              <a:t>Biểu đồ phân phối cảm xúc dữ liệu IMDB</a:t>
-            </a:r>
-          </a:p>
-        </p:txBody>
-      </p:sp>
-      <p:sp>
-        <p:nvSpPr>
-          <p:cNvPr name="TextBox 13" id="13"/>
-          <p:cNvSpPr txBox="true"/>
-          <p:nvPr/>
-        </p:nvSpPr>
-        <p:spPr>
-          <a:xfrm rot="0">
-            <a:off x="2115214" y="2444539"/>
-            <a:ext cx="4580463" cy="2997201"/>
-          </a:xfrm>
-          <a:prstGeom prst="rect">
-            <a:avLst/>
-          </a:prstGeom>
-        </p:spPr>
-        <p:txBody>
-          <a:bodyPr anchor="t" rtlCol="false" tIns="0" lIns="0" bIns="0" rIns="0">
-            <a:spAutoFit/>
-          </a:bodyPr>
-          <a:lstStyle/>
-          <a:p>
-            <a:pPr algn="just">
-              <a:lnSpc>
-                <a:spcPts val="3999"/>
-              </a:lnSpc>
-            </a:pPr>
-            <a:r>
-              <a:rPr lang="en-US" sz="2499" b="true">
-                <a:solidFill>
-                  <a:srgbClr val="252D37"/>
-                </a:solidFill>
-                <a:latin typeface="Nunito Bold"/>
-                <a:ea typeface="Nunito Bold"/>
-                <a:cs typeface="Nunito Bold"/>
-                <a:sym typeface="Nunito Bold"/>
-              </a:rPr>
-              <a:t>DỮ LIỆU HUẤN LUYỆN</a:t>
-            </a:r>
-          </a:p>
-          <a:p>
-            <a:pPr algn="just" marL="539748" indent="-269874" lvl="1">
-              <a:lnSpc>
-                <a:spcPts val="3999"/>
-              </a:lnSpc>
-              <a:buFont typeface="Arial"/>
-              <a:buChar char="•"/>
-            </a:pPr>
-            <a:r>
-              <a:rPr lang="en-US" sz="2499">
-                <a:solidFill>
-                  <a:srgbClr val="252D37"/>
-                </a:solidFill>
-                <a:latin typeface="Nunito"/>
-                <a:ea typeface="Nunito"/>
-                <a:cs typeface="Nunito"/>
-                <a:sym typeface="Nunito"/>
-              </a:rPr>
-              <a:t>Tích cực: 50.0%</a:t>
-            </a:r>
-          </a:p>
-          <a:p>
-            <a:pPr algn="just" marL="539748" indent="-269874" lvl="1">
-              <a:lnSpc>
-                <a:spcPts val="3999"/>
-              </a:lnSpc>
-              <a:buFont typeface="Arial"/>
-              <a:buChar char="•"/>
-            </a:pPr>
-            <a:r>
-              <a:rPr lang="en-US" sz="2499">
-                <a:solidFill>
-                  <a:srgbClr val="252D37"/>
-                </a:solidFill>
-                <a:latin typeface="Nunito"/>
-                <a:ea typeface="Nunito"/>
-                <a:cs typeface="Nunito"/>
-                <a:sym typeface="Nunito"/>
-              </a:rPr>
-              <a:t>Tiêu cực: 50.0%</a:t>
-            </a:r>
-          </a:p>
-          <a:p>
-            <a:pPr algn="just">
-              <a:lnSpc>
-                <a:spcPts val="3999"/>
-              </a:lnSpc>
-            </a:pPr>
-            <a:r>
-              <a:rPr lang="en-US" sz="2499" b="true">
-                <a:solidFill>
-                  <a:srgbClr val="252D37"/>
-                </a:solidFill>
-                <a:latin typeface="Nunito Bold"/>
-                <a:ea typeface="Nunito Bold"/>
-                <a:cs typeface="Nunito Bold"/>
-                <a:sym typeface="Nunito Bold"/>
-              </a:rPr>
-              <a:t>DỮ LIỆU KIỂM TRA</a:t>
-            </a:r>
-          </a:p>
-          <a:p>
-            <a:pPr algn="just" marL="539748" indent="-269874" lvl="1">
-              <a:lnSpc>
-                <a:spcPts val="3999"/>
-              </a:lnSpc>
-              <a:buFont typeface="Arial"/>
-              <a:buChar char="•"/>
-            </a:pPr>
-            <a:r>
-              <a:rPr lang="en-US" sz="2499">
-                <a:solidFill>
-                  <a:srgbClr val="252D37"/>
-                </a:solidFill>
-                <a:latin typeface="Nunito"/>
-                <a:ea typeface="Nunito"/>
-                <a:cs typeface="Nunito"/>
-                <a:sym typeface="Nunito"/>
-              </a:rPr>
-              <a:t>Tích cực: 50.0%</a:t>
-            </a:r>
-          </a:p>
-          <a:p>
-            <a:pPr algn="just" marL="539748" indent="-269874" lvl="1">
-              <a:lnSpc>
-                <a:spcPts val="3999"/>
-              </a:lnSpc>
-              <a:buFont typeface="Arial"/>
-              <a:buChar char="•"/>
-            </a:pPr>
-            <a:r>
-              <a:rPr lang="en-US" sz="2499">
-                <a:solidFill>
-                  <a:srgbClr val="252D37"/>
-                </a:solidFill>
-                <a:latin typeface="Nunito"/>
-                <a:ea typeface="Nunito"/>
-                <a:cs typeface="Nunito"/>
-                <a:sym typeface="Nunito"/>
-              </a:rPr>
-              <a:t>Tiêu cực: 50.0%</a:t>
-            </a:r>
-          </a:p>
-        </p:txBody>
-      </p:sp>
-    </p:spTree>
-  </p:cSld>
-  <p:clrMapOvr>
-    <a:masterClrMapping/>
-  </p:clrMapOvr>
-</p:sld>
-</file>
-
-<file path=ppt/slides/slide7.xml><?xml version="1.0" encoding="utf-8"?>
-<p:sld xmlns:p="http://schemas.openxmlformats.org/presentationml/2006/main" xmlns:a="http://schemas.openxmlformats.org/drawingml/2006/main" xmlns:r="http://schemas.openxmlformats.org/officeDocument/2006/relationships">
-  <p:cSld>
-    <p:bg>
-      <p:bgPr>
-        <a:solidFill>
-          <a:srgbClr val="FFF0E9"/>
-        </a:solidFill>
-      </p:bgPr>
-    </p:bg>
-    <p:spTree>
-      <p:nvGrpSpPr>
-        <p:cNvPr id="1" name=""/>
-        <p:cNvGrpSpPr/>
-        <p:nvPr/>
-      </p:nvGrpSpPr>
-      <p:grpSpPr>
-        <a:xfrm>
-          <a:off x="0" y="0"/>
-          <a:ext cx="0" cy="0"/>
-          <a:chOff x="0" y="0"/>
-          <a:chExt cx="0" cy="0"/>
-        </a:xfrm>
-      </p:grpSpPr>
-      <p:sp>
-        <p:nvSpPr>
-          <p:cNvPr name="Freeform 2" id="2"/>
-          <p:cNvSpPr/>
-          <p:nvPr/>
-        </p:nvSpPr>
-        <p:spPr>
-          <a:xfrm flipH="false" flipV="false" rot="0">
-            <a:off x="7564675" y="2539789"/>
-            <a:ext cx="8345373" cy="5505354"/>
-          </a:xfrm>
-          <a:custGeom>
-            <a:avLst/>
-            <a:gdLst/>
-            <a:ahLst/>
-            <a:cxnLst/>
-            <a:rect r="r" b="b" t="t" l="l"/>
-            <a:pathLst>
-              <a:path h="5505354" w="8345373">
-                <a:moveTo>
-                  <a:pt x="0" y="0"/>
-                </a:moveTo>
-                <a:lnTo>
-                  <a:pt x="8345373" y="0"/>
-                </a:lnTo>
-                <a:lnTo>
-                  <a:pt x="8345373" y="5505354"/>
-                </a:lnTo>
-                <a:lnTo>
-                  <a:pt x="0" y="5505354"/>
-                </a:lnTo>
-                <a:lnTo>
-                  <a:pt x="0" y="0"/>
-                </a:lnTo>
-                <a:close/>
-              </a:path>
-            </a:pathLst>
-          </a:custGeom>
-          <a:blipFill>
-            <a:blip r:embed="rId2"/>
-            <a:stretch>
-              <a:fillRect l="-24176" t="0" r="0" b="0"/>
-            </a:stretch>
-          </a:blipFill>
-        </p:spPr>
-      </p:sp>
-      <p:grpSp>
-        <p:nvGrpSpPr>
-          <p:cNvPr name="Group 3" id="3"/>
-          <p:cNvGrpSpPr/>
-          <p:nvPr/>
-        </p:nvGrpSpPr>
-        <p:grpSpPr>
-          <a:xfrm rot="0">
-            <a:off x="2115214" y="5881804"/>
-            <a:ext cx="4987150" cy="2163339"/>
-            <a:chOff x="0" y="0"/>
-            <a:chExt cx="1313488" cy="569768"/>
-          </a:xfrm>
-        </p:grpSpPr>
-        <p:sp>
-          <p:nvSpPr>
-            <p:cNvPr name="Freeform 4" id="4"/>
-            <p:cNvSpPr/>
-            <p:nvPr/>
-          </p:nvSpPr>
-          <p:spPr>
-            <a:xfrm flipH="false" flipV="false" rot="0">
-              <a:off x="0" y="0"/>
-              <a:ext cx="1313488" cy="569768"/>
-            </a:xfrm>
-            <a:custGeom>
-              <a:avLst/>
-              <a:gdLst/>
-              <a:ahLst/>
-              <a:cxnLst/>
-              <a:rect r="r" b="b" t="t" l="l"/>
-              <a:pathLst>
-                <a:path h="569768" w="1313488">
-                  <a:moveTo>
-                    <a:pt x="31047" y="0"/>
-                  </a:moveTo>
-                  <a:lnTo>
-                    <a:pt x="1282441" y="0"/>
-                  </a:lnTo>
-                  <a:cubicBezTo>
-                    <a:pt x="1299588" y="0"/>
-                    <a:pt x="1313488" y="13900"/>
-                    <a:pt x="1313488" y="31047"/>
-                  </a:cubicBezTo>
-                  <a:lnTo>
-                    <a:pt x="1313488" y="538721"/>
-                  </a:lnTo>
-                  <a:cubicBezTo>
-                    <a:pt x="1313488" y="555868"/>
-                    <a:pt x="1299588" y="569768"/>
-                    <a:pt x="1282441" y="569768"/>
-                  </a:cubicBezTo>
-                  <a:lnTo>
-                    <a:pt x="31047" y="569768"/>
-                  </a:lnTo>
-                  <a:cubicBezTo>
-                    <a:pt x="13900" y="569768"/>
-                    <a:pt x="0" y="555868"/>
-                    <a:pt x="0" y="538721"/>
-                  </a:cubicBezTo>
-                  <a:lnTo>
-                    <a:pt x="0" y="31047"/>
-                  </a:lnTo>
-                  <a:cubicBezTo>
-                    <a:pt x="0" y="13900"/>
-                    <a:pt x="13900" y="0"/>
-                    <a:pt x="31047" y="0"/>
-                  </a:cubicBezTo>
-                  <a:close/>
-                </a:path>
-              </a:pathLst>
-            </a:custGeom>
-            <a:solidFill>
-              <a:srgbClr val="D96627">
-                <a:alpha val="18824"/>
-              </a:srgbClr>
-            </a:solidFill>
-          </p:spPr>
-        </p:sp>
-        <p:sp>
-          <p:nvSpPr>
-            <p:cNvPr name="TextBox 5" id="5"/>
-            <p:cNvSpPr txBox="true"/>
-            <p:nvPr/>
-          </p:nvSpPr>
-          <p:spPr>
-            <a:xfrm>
-              <a:off x="0" y="-38100"/>
-              <a:ext cx="1313488" cy="607868"/>
-            </a:xfrm>
-            <a:prstGeom prst="rect">
-              <a:avLst/>
-            </a:prstGeom>
-          </p:spPr>
-          <p:txBody>
-            <a:bodyPr anchor="ctr" rtlCol="false" tIns="50800" lIns="50800" bIns="50800" rIns="50800"/>
-            <a:lstStyle/>
-            <a:p>
-              <a:pPr algn="ctr">
-                <a:lnSpc>
-                  <a:spcPts val="2659"/>
-                </a:lnSpc>
-                <a:spcBef>
-                  <a:spcPct val="0"/>
-                </a:spcBef>
-              </a:pPr>
-            </a:p>
-          </p:txBody>
-        </p:sp>
-      </p:grpSp>
-      <p:grpSp>
-        <p:nvGrpSpPr>
-          <p:cNvPr name="Group 6" id="6"/>
-          <p:cNvGrpSpPr/>
-          <p:nvPr/>
-        </p:nvGrpSpPr>
-        <p:grpSpPr>
-          <a:xfrm rot="0">
-            <a:off x="2115214" y="5881804"/>
-            <a:ext cx="299097" cy="2163339"/>
-            <a:chOff x="0" y="0"/>
-            <a:chExt cx="78775" cy="569768"/>
-          </a:xfrm>
-        </p:grpSpPr>
-        <p:sp>
-          <p:nvSpPr>
-            <p:cNvPr name="Freeform 7" id="7"/>
-            <p:cNvSpPr/>
-            <p:nvPr/>
-          </p:nvSpPr>
-          <p:spPr>
-            <a:xfrm flipH="false" flipV="false" rot="0">
-              <a:off x="0" y="0"/>
-              <a:ext cx="78775" cy="569768"/>
-            </a:xfrm>
-            <a:custGeom>
-              <a:avLst/>
-              <a:gdLst/>
-              <a:ahLst/>
-              <a:cxnLst/>
-              <a:rect r="r" b="b" t="t" l="l"/>
-              <a:pathLst>
-                <a:path h="569768" w="78775">
-                  <a:moveTo>
-                    <a:pt x="0" y="0"/>
-                  </a:moveTo>
-                  <a:lnTo>
-                    <a:pt x="78775" y="0"/>
-                  </a:lnTo>
-                  <a:lnTo>
-                    <a:pt x="78775" y="569768"/>
-                  </a:lnTo>
-                  <a:lnTo>
-                    <a:pt x="0" y="569768"/>
-                  </a:lnTo>
-                  <a:close/>
-                </a:path>
-              </a:pathLst>
-            </a:custGeom>
-            <a:solidFill>
-              <a:srgbClr val="D96627"/>
-            </a:solidFill>
-          </p:spPr>
-        </p:sp>
-        <p:sp>
-          <p:nvSpPr>
-            <p:cNvPr name="TextBox 8" id="8"/>
-            <p:cNvSpPr txBox="true"/>
-            <p:nvPr/>
-          </p:nvSpPr>
-          <p:spPr>
-            <a:xfrm>
-              <a:off x="0" y="-38100"/>
-              <a:ext cx="78775" cy="607868"/>
-            </a:xfrm>
-            <a:prstGeom prst="rect">
-              <a:avLst/>
-            </a:prstGeom>
-          </p:spPr>
-          <p:txBody>
-            <a:bodyPr anchor="ctr" rtlCol="false" tIns="50800" lIns="50800" bIns="50800" rIns="50800"/>
-            <a:lstStyle/>
-            <a:p>
-              <a:pPr algn="ctr">
-                <a:lnSpc>
-                  <a:spcPts val="2659"/>
-                </a:lnSpc>
-                <a:spcBef>
-                  <a:spcPct val="0"/>
-                </a:spcBef>
-              </a:pPr>
-            </a:p>
-          </p:txBody>
-        </p:sp>
-      </p:grpSp>
-      <p:sp>
-        <p:nvSpPr>
-          <p:cNvPr name="TextBox 9" id="9"/>
-          <p:cNvSpPr txBox="true"/>
-          <p:nvPr/>
-        </p:nvSpPr>
-        <p:spPr>
-          <a:xfrm rot="0">
-            <a:off x="16727515" y="8952758"/>
-            <a:ext cx="1063569" cy="608188"/>
-          </a:xfrm>
-          <a:prstGeom prst="rect">
-            <a:avLst/>
-          </a:prstGeom>
-        </p:spPr>
-        <p:txBody>
-          <a:bodyPr anchor="t" rtlCol="false" tIns="0" lIns="0" bIns="0" rIns="0">
-            <a:spAutoFit/>
-          </a:bodyPr>
-          <a:lstStyle/>
-          <a:p>
-            <a:pPr algn="ctr">
-              <a:lnSpc>
-                <a:spcPts val="4319"/>
-              </a:lnSpc>
-            </a:pPr>
-            <a:r>
-              <a:rPr lang="en-US" b="true" sz="5399">
-                <a:solidFill>
-                  <a:srgbClr val="D96627"/>
-                </a:solidFill>
-                <a:latin typeface="Nunito Bold"/>
-                <a:ea typeface="Nunito Bold"/>
-                <a:cs typeface="Nunito Bold"/>
-                <a:sym typeface="Nunito Bold"/>
-              </a:rPr>
-              <a:t>7</a:t>
-            </a:r>
-          </a:p>
-        </p:txBody>
-      </p:sp>
-      <p:sp>
-        <p:nvSpPr>
-          <p:cNvPr name="TextBox 10" id="10"/>
-          <p:cNvSpPr txBox="true"/>
-          <p:nvPr/>
-        </p:nvSpPr>
-        <p:spPr>
-          <a:xfrm rot="0">
-            <a:off x="2115214" y="1142675"/>
-            <a:ext cx="14048046" cy="748329"/>
-          </a:xfrm>
-          <a:prstGeom prst="rect">
-            <a:avLst/>
-          </a:prstGeom>
-        </p:spPr>
-        <p:txBody>
-          <a:bodyPr anchor="t" rtlCol="false" tIns="0" lIns="0" bIns="0" rIns="0">
-            <a:spAutoFit/>
-          </a:bodyPr>
-          <a:lstStyle/>
-          <a:p>
-            <a:pPr algn="l">
-              <a:lnSpc>
-                <a:spcPts val="5184"/>
-              </a:lnSpc>
-            </a:pPr>
-            <a:r>
-              <a:rPr lang="en-US" b="true" sz="6480">
-                <a:solidFill>
-                  <a:srgbClr val="D96627"/>
-                </a:solidFill>
-                <a:latin typeface="Barlow SemiCondensed Bold"/>
-                <a:ea typeface="Barlow SemiCondensed Bold"/>
-                <a:cs typeface="Barlow SemiCondensed Bold"/>
-                <a:sym typeface="Barlow SemiCondensed Bold"/>
-              </a:rPr>
-              <a:t>PHÂN PHỐI ĐỘ DÀI BÀI ĐÁNH GIÁ</a:t>
-            </a:r>
-          </a:p>
-        </p:txBody>
-      </p:sp>
-      <p:sp>
-        <p:nvSpPr>
-          <p:cNvPr name="TextBox 11" id="11"/>
-          <p:cNvSpPr txBox="true"/>
-          <p:nvPr/>
-        </p:nvSpPr>
-        <p:spPr>
-          <a:xfrm rot="0">
-            <a:off x="2553836" y="6036056"/>
-            <a:ext cx="4141842" cy="1769110"/>
-          </a:xfrm>
-          <a:prstGeom prst="rect">
-            <a:avLst/>
-          </a:prstGeom>
-        </p:spPr>
-        <p:txBody>
-          <a:bodyPr anchor="t" rtlCol="false" tIns="0" lIns="0" bIns="0" rIns="0">
-            <a:spAutoFit/>
-          </a:bodyPr>
-          <a:lstStyle/>
-          <a:p>
-            <a:pPr algn="just">
-              <a:lnSpc>
-                <a:spcPts val="3839"/>
-              </a:lnSpc>
-            </a:pPr>
-            <a:r>
-              <a:rPr lang="en-US" b="true" sz="2399" u="sng">
-                <a:solidFill>
-                  <a:srgbClr val="252D37"/>
-                </a:solidFill>
-                <a:latin typeface="Nunito Bold"/>
-                <a:ea typeface="Nunito Bold"/>
-                <a:cs typeface="Nunito Bold"/>
-                <a:sym typeface="Nunito Bold"/>
-              </a:rPr>
-              <a:t>NHẬN XÉT</a:t>
-            </a:r>
-          </a:p>
-          <a:p>
-            <a:pPr algn="just">
-              <a:lnSpc>
-                <a:spcPts val="3519"/>
-              </a:lnSpc>
-            </a:pPr>
-            <a:r>
-              <a:rPr lang="en-US" sz="2199">
-                <a:solidFill>
-                  <a:srgbClr val="252D37"/>
-                </a:solidFill>
-                <a:latin typeface="Nunito"/>
-                <a:ea typeface="Nunito"/>
-                <a:cs typeface="Nunito"/>
-                <a:sym typeface="Nunito"/>
-              </a:rPr>
-              <a:t>Đa số đá</a:t>
-            </a:r>
-            <a:r>
-              <a:rPr lang="en-US" sz="2199">
-                <a:solidFill>
-                  <a:srgbClr val="252D37"/>
-                </a:solidFill>
-                <a:latin typeface="Nunito"/>
-                <a:ea typeface="Nunito"/>
-                <a:cs typeface="Nunito"/>
-                <a:sym typeface="Nunito"/>
-              </a:rPr>
-              <a:t>nh giá có độ dài từ 100-300 từ, với một số đánh giá rất dài (&gt;500 từ).</a:t>
-            </a:r>
-          </a:p>
-        </p:txBody>
-      </p:sp>
-      <p:sp>
-        <p:nvSpPr>
-          <p:cNvPr name="TextBox 12" id="12"/>
-          <p:cNvSpPr txBox="true"/>
-          <p:nvPr/>
-        </p:nvSpPr>
-        <p:spPr>
-          <a:xfrm rot="0">
-            <a:off x="9603372" y="8277422"/>
-            <a:ext cx="3970782" cy="257175"/>
-          </a:xfrm>
-          <a:prstGeom prst="rect">
-            <a:avLst/>
-          </a:prstGeom>
-        </p:spPr>
-        <p:txBody>
-          <a:bodyPr anchor="t" rtlCol="false" tIns="0" lIns="0" bIns="0" rIns="0">
-            <a:spAutoFit/>
-          </a:bodyPr>
-          <a:lstStyle/>
-          <a:p>
-            <a:pPr algn="ctr">
-              <a:lnSpc>
-                <a:spcPts val="2100"/>
-              </a:lnSpc>
-              <a:spcBef>
-                <a:spcPct val="0"/>
-              </a:spcBef>
-            </a:pPr>
-            <a:r>
-              <a:rPr lang="en-US" sz="1500">
-                <a:solidFill>
-                  <a:srgbClr val="000000"/>
-                </a:solidFill>
-                <a:latin typeface="Canva Sans"/>
-                <a:ea typeface="Canva Sans"/>
-                <a:cs typeface="Canva Sans"/>
-                <a:sym typeface="Canva Sans"/>
-              </a:rPr>
-              <a:t>Biểu đồ phân phối độ dài bài đánh giá IMDB</a:t>
-            </a:r>
-          </a:p>
-        </p:txBody>
-      </p:sp>
-      <p:sp>
-        <p:nvSpPr>
-          <p:cNvPr name="TextBox 13" id="13"/>
-          <p:cNvSpPr txBox="true"/>
-          <p:nvPr/>
-        </p:nvSpPr>
-        <p:spPr>
-          <a:xfrm rot="0">
-            <a:off x="2115214" y="2435014"/>
-            <a:ext cx="4580463" cy="1525271"/>
-          </a:xfrm>
-          <a:prstGeom prst="rect">
-            <a:avLst/>
-          </a:prstGeom>
-        </p:spPr>
-        <p:txBody>
-          <a:bodyPr anchor="t" rtlCol="false" tIns="0" lIns="0" bIns="0" rIns="0">
-            <a:spAutoFit/>
-          </a:bodyPr>
-          <a:lstStyle/>
-          <a:p>
-            <a:pPr algn="just">
-              <a:lnSpc>
-                <a:spcPts val="4319"/>
-              </a:lnSpc>
-            </a:pPr>
-            <a:r>
-              <a:rPr lang="en-US" sz="2699" b="true">
-                <a:solidFill>
-                  <a:srgbClr val="252D37"/>
-                </a:solidFill>
-                <a:latin typeface="Nunito Bold"/>
-                <a:ea typeface="Nunito Bold"/>
-                <a:cs typeface="Nunito Bold"/>
-                <a:sym typeface="Nunito Bold"/>
-              </a:rPr>
-              <a:t>THỐNG KÊ</a:t>
-            </a:r>
-          </a:p>
-          <a:p>
-            <a:pPr algn="just" marL="539748" indent="-269874" lvl="1">
-              <a:lnSpc>
-                <a:spcPts val="3999"/>
-              </a:lnSpc>
-              <a:buFont typeface="Arial"/>
-              <a:buChar char="•"/>
-            </a:pPr>
-            <a:r>
-              <a:rPr lang="en-US" sz="2499">
-                <a:solidFill>
-                  <a:srgbClr val="252D37"/>
-                </a:solidFill>
-                <a:latin typeface="Nunito"/>
-                <a:ea typeface="Nunito"/>
-                <a:cs typeface="Nunito"/>
-                <a:sym typeface="Nunito"/>
-              </a:rPr>
-              <a:t>Tr</a:t>
-            </a:r>
-            <a:r>
-              <a:rPr lang="en-US" sz="2499">
-                <a:solidFill>
-                  <a:srgbClr val="252D37"/>
-                </a:solidFill>
-                <a:latin typeface="Nunito"/>
-                <a:ea typeface="Nunito"/>
-                <a:cs typeface="Nunito"/>
-                <a:sym typeface="Nunito"/>
-              </a:rPr>
-              <a:t>ung bình: 231.2 từ</a:t>
-            </a:r>
-          </a:p>
-          <a:p>
-            <a:pPr algn="just" marL="539748" indent="-269874" lvl="1">
-              <a:lnSpc>
-                <a:spcPts val="3999"/>
-              </a:lnSpc>
-              <a:buFont typeface="Arial"/>
-              <a:buChar char="•"/>
-            </a:pPr>
-            <a:r>
-              <a:rPr lang="en-US" sz="2499">
-                <a:solidFill>
-                  <a:srgbClr val="252D37"/>
-                </a:solidFill>
-                <a:latin typeface="Nunito"/>
-                <a:ea typeface="Nunito"/>
-                <a:cs typeface="Nunito"/>
-                <a:sym typeface="Nunito"/>
-              </a:rPr>
-              <a:t>Trung vị: 173.0 từ</a:t>
+              <a:t>Mục tiêu: Kiểm tra tần suất từ, từ đó suy ra được những từ gì cần phải lược bỏ nên không liên quan</a:t>
             </a:r>
           </a:p>
         </p:txBody>
@@ -8950,14 +8209,249 @@
       </p:grpSpPr>
       <p:sp>
         <p:nvSpPr>
-          <p:cNvPr name="Freeform 2" id="2"/>
+          <p:cNvPr name="TextBox 2" id="2"/>
+          <p:cNvSpPr txBox="true"/>
+          <p:nvPr/>
+        </p:nvSpPr>
+        <p:spPr>
+          <a:xfrm rot="0">
+            <a:off x="2115214" y="666425"/>
+            <a:ext cx="14048046" cy="748329"/>
+          </a:xfrm>
+          <a:prstGeom prst="rect">
+            <a:avLst/>
+          </a:prstGeom>
+        </p:spPr>
+        <p:txBody>
+          <a:bodyPr anchor="t" rtlCol="false" tIns="0" lIns="0" bIns="0" rIns="0">
+            <a:spAutoFit/>
+          </a:bodyPr>
+          <a:lstStyle/>
+          <a:p>
+            <a:pPr algn="l">
+              <a:lnSpc>
+                <a:spcPts val="5184"/>
+              </a:lnSpc>
+            </a:pPr>
+            <a:r>
+              <a:rPr lang="en-US" b="true" sz="6480">
+                <a:solidFill>
+                  <a:srgbClr val="D96627"/>
+                </a:solidFill>
+                <a:latin typeface="Barlow SemiCondensed Bold"/>
+                <a:ea typeface="Barlow SemiCondensed Bold"/>
+                <a:cs typeface="Barlow SemiCondensed Bold"/>
+                <a:sym typeface="Barlow SemiCondensed Bold"/>
+              </a:rPr>
+              <a:t>PHÂN TÍCH THEO SENTIMENT</a:t>
+            </a:r>
+          </a:p>
+        </p:txBody>
+      </p:sp>
+      <p:sp>
+        <p:nvSpPr>
+          <p:cNvPr name="TextBox 3" id="3"/>
+          <p:cNvSpPr txBox="true"/>
+          <p:nvPr/>
+        </p:nvSpPr>
+        <p:spPr>
+          <a:xfrm rot="0">
+            <a:off x="2591464" y="7280414"/>
+            <a:ext cx="13104962" cy="1918969"/>
+          </a:xfrm>
+          <a:prstGeom prst="rect">
+            <a:avLst/>
+          </a:prstGeom>
+        </p:spPr>
+        <p:txBody>
+          <a:bodyPr anchor="t" rtlCol="false" tIns="0" lIns="0" bIns="0" rIns="0">
+            <a:spAutoFit/>
+          </a:bodyPr>
+          <a:lstStyle/>
+          <a:p>
+            <a:pPr algn="just" marL="345443" indent="-172721" lvl="1">
+              <a:lnSpc>
+                <a:spcPts val="2560"/>
+              </a:lnSpc>
+              <a:buFont typeface="Arial"/>
+              <a:buChar char="•"/>
+            </a:pPr>
+            <a:r>
+              <a:rPr lang="en-US" sz="1600">
+                <a:solidFill>
+                  <a:srgbClr val="252D37"/>
+                </a:solidFill>
+                <a:latin typeface="Nunito"/>
+                <a:ea typeface="Nunito"/>
+                <a:cs typeface="Nunito"/>
+                <a:sym typeface="Nunito"/>
+              </a:rPr>
+              <a:t>Tương tự như không xét theo sentiment, đánh giá tích cực có xu hướng dài hơn một chút so với đánh giá tiêu cực</a:t>
+            </a:r>
+          </a:p>
+          <a:p>
+            <a:pPr algn="just" marL="345443" indent="-172721" lvl="1">
+              <a:lnSpc>
+                <a:spcPts val="2560"/>
+              </a:lnSpc>
+              <a:buFont typeface="Arial"/>
+              <a:buChar char="•"/>
+            </a:pPr>
+            <a:r>
+              <a:rPr lang="en-US" sz="1600">
+                <a:solidFill>
+                  <a:srgbClr val="252D37"/>
+                </a:solidFill>
+                <a:latin typeface="Nunito"/>
+                <a:ea typeface="Nunito"/>
+                <a:cs typeface="Nunito"/>
+                <a:sym typeface="Nunito"/>
+              </a:rPr>
+              <a:t>Ở so sánh độ dài đánh giá theo Sentiment, số lượng từ ở một số đánh giá tích có xu hướng nhiều hơn rất nhiều so với đánh giá tiêu cực (trung bình từ 300-900 từ)</a:t>
+            </a:r>
+          </a:p>
+          <a:p>
+            <a:pPr algn="just" marL="345443" indent="-172721" lvl="1">
+              <a:lnSpc>
+                <a:spcPts val="2560"/>
+              </a:lnSpc>
+              <a:buFont typeface="Arial"/>
+              <a:buChar char="•"/>
+            </a:pPr>
+            <a:r>
+              <a:rPr lang="en-US" sz="1600">
+                <a:solidFill>
+                  <a:srgbClr val="252D37"/>
+                </a:solidFill>
+                <a:latin typeface="Nunito"/>
+                <a:ea typeface="Nunito"/>
+                <a:cs typeface="Nunito"/>
+                <a:sym typeface="Nunito"/>
+              </a:rPr>
+              <a:t>Các từ đặc trưng cho thấy sự khác biệt rõ rệt trong cách diễn đạt giữa đánh giá tích cực và đánh giá tiêu cực, ví dụ như ở đánh giá tích cực có tần suất từ ‘love’ cao nhất, tương tự với từ ‘hate’ ở đánh giá tiêu cực</a:t>
+            </a:r>
+          </a:p>
+          <a:p>
+            <a:pPr algn="just" marL="345443" indent="-172721" lvl="1">
+              <a:lnSpc>
+                <a:spcPts val="2560"/>
+              </a:lnSpc>
+              <a:buFont typeface="Arial"/>
+              <a:buChar char="•"/>
+            </a:pPr>
+            <a:r>
+              <a:rPr lang="en-US" sz="1600">
+                <a:solidFill>
+                  <a:srgbClr val="252D37"/>
+                </a:solidFill>
+                <a:latin typeface="Nunito"/>
+                <a:ea typeface="Nunito"/>
+                <a:cs typeface="Nunito"/>
+                <a:sym typeface="Nunito"/>
+              </a:rPr>
+              <a:t>Ở đánh giác tích cực có xu hướng nhiều từ đặc trưng hơn so với đánh giá tiêu cực</a:t>
+            </a:r>
+          </a:p>
+        </p:txBody>
+      </p:sp>
+      <p:sp>
+        <p:nvSpPr>
+          <p:cNvPr name="TextBox 4" id="4"/>
+          <p:cNvSpPr txBox="true"/>
+          <p:nvPr/>
+        </p:nvSpPr>
+        <p:spPr>
+          <a:xfrm rot="0">
+            <a:off x="10438733" y="6620067"/>
+            <a:ext cx="4887373" cy="257175"/>
+          </a:xfrm>
+          <a:prstGeom prst="rect">
+            <a:avLst/>
+          </a:prstGeom>
+        </p:spPr>
+        <p:txBody>
+          <a:bodyPr anchor="t" rtlCol="false" tIns="0" lIns="0" bIns="0" rIns="0">
+            <a:spAutoFit/>
+          </a:bodyPr>
+          <a:lstStyle/>
+          <a:p>
+            <a:pPr algn="ctr">
+              <a:lnSpc>
+                <a:spcPts val="2100"/>
+              </a:lnSpc>
+              <a:spcBef>
+                <a:spcPct val="0"/>
+              </a:spcBef>
+            </a:pPr>
+            <a:r>
+              <a:rPr lang="en-US" sz="1500">
+                <a:solidFill>
+                  <a:srgbClr val="000000"/>
+                </a:solidFill>
+                <a:latin typeface="Canva Sans"/>
+                <a:ea typeface="Canva Sans"/>
+                <a:cs typeface="Canva Sans"/>
+                <a:sym typeface="Canva Sans"/>
+              </a:rPr>
+              <a:t>Biểu đồ tần suất của các từ đặc trưng theo Sentiment</a:t>
+            </a:r>
+          </a:p>
+        </p:txBody>
+      </p:sp>
+      <p:sp>
+        <p:nvSpPr>
+          <p:cNvPr name="TextBox 5" id="5"/>
+          <p:cNvSpPr txBox="true"/>
+          <p:nvPr/>
+        </p:nvSpPr>
+        <p:spPr>
+          <a:xfrm rot="0">
+            <a:off x="3032129" y="6620067"/>
+            <a:ext cx="4386358" cy="257175"/>
+          </a:xfrm>
+          <a:prstGeom prst="rect">
+            <a:avLst/>
+          </a:prstGeom>
+        </p:spPr>
+        <p:txBody>
+          <a:bodyPr anchor="t" rtlCol="false" tIns="0" lIns="0" bIns="0" rIns="0">
+            <a:spAutoFit/>
+          </a:bodyPr>
+          <a:lstStyle/>
+          <a:p>
+            <a:pPr algn="ctr">
+              <a:lnSpc>
+                <a:spcPts val="2100"/>
+              </a:lnSpc>
+              <a:spcBef>
+                <a:spcPct val="0"/>
+              </a:spcBef>
+            </a:pPr>
+            <a:r>
+              <a:rPr lang="en-US" sz="1500">
+                <a:solidFill>
+                  <a:srgbClr val="000000"/>
+                </a:solidFill>
+                <a:latin typeface="Canva Sans"/>
+                <a:ea typeface="Canva Sans"/>
+                <a:cs typeface="Canva Sans"/>
+                <a:sym typeface="Canva Sans"/>
+              </a:rPr>
+              <a:t>Biểu đồ so sánh  độ dài đánh giá theo Sentiment</a:t>
+            </a:r>
+          </a:p>
+        </p:txBody>
+      </p:sp>
+      <p:sp>
+        <p:nvSpPr>
+          <p:cNvPr name="Freeform 6" id="6"/>
           <p:cNvSpPr/>
           <p:nvPr/>
         </p:nvSpPr>
         <p:spPr>
           <a:xfrm flipH="false" flipV="false" rot="0">
-            <a:off x="7564675" y="2539789"/>
-            <a:ext cx="8345373" cy="5505354"/>
+            <a:off x="2115214" y="2332399"/>
+            <a:ext cx="6220188" cy="4103392"/>
           </a:xfrm>
           <a:custGeom>
             <a:avLst/>
@@ -8966,18 +8460,18 @@
             <a:cxnLst/>
             <a:rect r="r" b="b" t="t" l="l"/>
             <a:pathLst>
-              <a:path h="5505354" w="8345373">
+              <a:path h="4103392" w="6220188">
                 <a:moveTo>
                   <a:pt x="0" y="0"/>
                 </a:moveTo>
                 <a:lnTo>
-                  <a:pt x="8345373" y="0"/>
+                  <a:pt x="6220188" y="0"/>
                 </a:lnTo>
                 <a:lnTo>
-                  <a:pt x="8345373" y="5505354"/>
+                  <a:pt x="6220188" y="4103392"/>
                 </a:lnTo>
                 <a:lnTo>
-                  <a:pt x="0" y="5505354"/>
+                  <a:pt x="0" y="4103392"/>
                 </a:lnTo>
                 <a:lnTo>
                   <a:pt x="0" y="0"/>
@@ -8992,32 +8486,92 @@
               <a:fillRect l="-24176" t="0" r="0" b="0"/>
             </a:stretch>
           </a:blipFill>
+          <a:ln w="38100" cap="sq">
+            <a:solidFill>
+              <a:srgbClr val="C5581D"/>
+            </a:solidFill>
+            <a:prstDash val="solid"/>
+            <a:miter/>
+          </a:ln>
+        </p:spPr>
+      </p:sp>
+      <p:sp>
+        <p:nvSpPr>
+          <p:cNvPr name="Freeform 7" id="7"/>
+          <p:cNvSpPr/>
+          <p:nvPr/>
+        </p:nvSpPr>
+        <p:spPr>
+          <a:xfrm flipH="false" flipV="false" rot="0">
+            <a:off x="9768996" y="2332399"/>
+            <a:ext cx="6176632" cy="4103392"/>
+          </a:xfrm>
+          <a:custGeom>
+            <a:avLst/>
+            <a:gdLst/>
+            <a:ahLst/>
+            <a:cxnLst/>
+            <a:rect r="r" b="b" t="t" l="l"/>
+            <a:pathLst>
+              <a:path h="4103392" w="6176632">
+                <a:moveTo>
+                  <a:pt x="0" y="0"/>
+                </a:moveTo>
+                <a:lnTo>
+                  <a:pt x="6176632" y="0"/>
+                </a:lnTo>
+                <a:lnTo>
+                  <a:pt x="6176632" y="4103392"/>
+                </a:lnTo>
+                <a:lnTo>
+                  <a:pt x="0" y="4103392"/>
+                </a:lnTo>
+                <a:lnTo>
+                  <a:pt x="0" y="0"/>
+                </a:lnTo>
+                <a:close/>
+              </a:path>
+            </a:pathLst>
+          </a:custGeom>
+          <a:blipFill>
+            <a:blip r:embed="rId3"/>
+            <a:stretch>
+              <a:fillRect l="-25052" t="0" r="0" b="0"/>
+            </a:stretch>
+          </a:blipFill>
+          <a:ln w="38100" cap="sq">
+            <a:solidFill>
+              <a:srgbClr val="C5581D"/>
+            </a:solidFill>
+            <a:prstDash val="solid"/>
+            <a:miter/>
+          </a:ln>
         </p:spPr>
       </p:sp>
       <p:grpSp>
         <p:nvGrpSpPr>
-          <p:cNvPr name="Group 3" id="3"/>
+          <p:cNvPr name="Group 8" id="8"/>
           <p:cNvGrpSpPr/>
           <p:nvPr/>
         </p:nvGrpSpPr>
         <p:grpSpPr>
           <a:xfrm rot="0">
-            <a:off x="2115214" y="5881804"/>
-            <a:ext cx="4987150" cy="2163339"/>
+            <a:off x="2115214" y="7134417"/>
+            <a:ext cx="13830414" cy="2268114"/>
             <a:chOff x="0" y="0"/>
-            <a:chExt cx="1313488" cy="569768"/>
+            <a:chExt cx="3642578" cy="597363"/>
           </a:xfrm>
         </p:grpSpPr>
         <p:sp>
           <p:nvSpPr>
-            <p:cNvPr name="Freeform 4" id="4"/>
+            <p:cNvPr name="Freeform 9" id="9"/>
             <p:cNvSpPr/>
             <p:nvPr/>
           </p:nvSpPr>
           <p:spPr>
             <a:xfrm flipH="false" flipV="false" rot="0">
               <a:off x="0" y="0"/>
-              <a:ext cx="1313488" cy="569768"/>
+              <a:ext cx="3642578" cy="597363"/>
             </a:xfrm>
             <a:custGeom>
               <a:avLst/>
@@ -9026,41 +8580,41 @@
               <a:cxnLst/>
               <a:rect r="r" b="b" t="t" l="l"/>
               <a:pathLst>
-                <a:path h="569768" w="1313488">
+                <a:path h="597363" w="3642578">
                   <a:moveTo>
-                    <a:pt x="31047" y="0"/>
+                    <a:pt x="11196" y="0"/>
                   </a:moveTo>
                   <a:lnTo>
-                    <a:pt x="1282441" y="0"/>
+                    <a:pt x="3631383" y="0"/>
                   </a:lnTo>
                   <a:cubicBezTo>
-                    <a:pt x="1299588" y="0"/>
-                    <a:pt x="1313488" y="13900"/>
-                    <a:pt x="1313488" y="31047"/>
+                    <a:pt x="3637566" y="0"/>
+                    <a:pt x="3642578" y="5012"/>
+                    <a:pt x="3642578" y="11196"/>
                   </a:cubicBezTo>
                   <a:lnTo>
-                    <a:pt x="1313488" y="538721"/>
+                    <a:pt x="3642578" y="586168"/>
                   </a:lnTo>
                   <a:cubicBezTo>
-                    <a:pt x="1313488" y="555868"/>
-                    <a:pt x="1299588" y="569768"/>
-                    <a:pt x="1282441" y="569768"/>
+                    <a:pt x="3642578" y="592351"/>
+                    <a:pt x="3637566" y="597363"/>
+                    <a:pt x="3631383" y="597363"/>
                   </a:cubicBezTo>
                   <a:lnTo>
-                    <a:pt x="31047" y="569768"/>
+                    <a:pt x="11196" y="597363"/>
                   </a:lnTo>
                   <a:cubicBezTo>
-                    <a:pt x="13900" y="569768"/>
-                    <a:pt x="0" y="555868"/>
-                    <a:pt x="0" y="538721"/>
+                    <a:pt x="5012" y="597363"/>
+                    <a:pt x="0" y="592351"/>
+                    <a:pt x="0" y="586168"/>
                   </a:cubicBezTo>
                   <a:lnTo>
-                    <a:pt x="0" y="31047"/>
+                    <a:pt x="0" y="11196"/>
                   </a:lnTo>
                   <a:cubicBezTo>
-                    <a:pt x="0" y="13900"/>
-                    <a:pt x="13900" y="0"/>
-                    <a:pt x="31047" y="0"/>
+                    <a:pt x="0" y="5012"/>
+                    <a:pt x="5012" y="0"/>
+                    <a:pt x="11196" y="0"/>
                   </a:cubicBezTo>
                   <a:close/>
                 </a:path>
@@ -9075,14 +8629,14 @@
         </p:sp>
         <p:sp>
           <p:nvSpPr>
-            <p:cNvPr name="TextBox 5" id="5"/>
+            <p:cNvPr name="TextBox 10" id="10"/>
             <p:cNvSpPr txBox="true"/>
             <p:nvPr/>
           </p:nvSpPr>
           <p:spPr>
             <a:xfrm>
               <a:off x="0" y="-38100"/>
-              <a:ext cx="1313488" cy="607868"/>
+              <a:ext cx="3642578" cy="635463"/>
             </a:xfrm>
             <a:prstGeom prst="rect">
               <a:avLst/>
@@ -9106,28 +8660,28 @@
       </p:grpSp>
       <p:grpSp>
         <p:nvGrpSpPr>
-          <p:cNvPr name="Group 6" id="6"/>
+          <p:cNvPr name="Group 11" id="11"/>
           <p:cNvGrpSpPr/>
           <p:nvPr/>
         </p:nvGrpSpPr>
         <p:grpSpPr>
           <a:xfrm rot="0">
-            <a:off x="2115214" y="5881804"/>
-            <a:ext cx="299097" cy="2163339"/>
+            <a:off x="2115214" y="7134417"/>
+            <a:ext cx="299097" cy="2268114"/>
             <a:chOff x="0" y="0"/>
-            <a:chExt cx="78775" cy="569768"/>
+            <a:chExt cx="78775" cy="597363"/>
           </a:xfrm>
         </p:grpSpPr>
         <p:sp>
           <p:nvSpPr>
-            <p:cNvPr name="Freeform 7" id="7"/>
+            <p:cNvPr name="Freeform 12" id="12"/>
             <p:cNvSpPr/>
             <p:nvPr/>
           </p:nvSpPr>
           <p:spPr>
             <a:xfrm flipH="false" flipV="false" rot="0">
               <a:off x="0" y="0"/>
-              <a:ext cx="78775" cy="569768"/>
+              <a:ext cx="78775" cy="597363"/>
             </a:xfrm>
             <a:custGeom>
               <a:avLst/>
@@ -9136,7 +8690,7 @@
               <a:cxnLst/>
               <a:rect r="r" b="b" t="t" l="l"/>
               <a:pathLst>
-                <a:path h="569768" w="78775">
+                <a:path h="597363" w="78775">
                   <a:moveTo>
                     <a:pt x="0" y="0"/>
                   </a:moveTo>
@@ -9144,10 +8698,10 @@
                     <a:pt x="78775" y="0"/>
                   </a:lnTo>
                   <a:lnTo>
-                    <a:pt x="78775" y="569768"/>
+                    <a:pt x="78775" y="597363"/>
                   </a:lnTo>
                   <a:lnTo>
-                    <a:pt x="0" y="569768"/>
+                    <a:pt x="0" y="597363"/>
                   </a:lnTo>
                   <a:close/>
                 </a:path>
@@ -9160,14 +8714,14 @@
         </p:sp>
         <p:sp>
           <p:nvSpPr>
-            <p:cNvPr name="TextBox 8" id="8"/>
+            <p:cNvPr name="TextBox 13" id="13"/>
             <p:cNvSpPr txBox="true"/>
             <p:nvPr/>
           </p:nvSpPr>
           <p:spPr>
             <a:xfrm>
               <a:off x="0" y="-38100"/>
-              <a:ext cx="78775" cy="607868"/>
+              <a:ext cx="78775" cy="635463"/>
             </a:xfrm>
             <a:prstGeom prst="rect">
               <a:avLst/>
@@ -9191,14 +8745,14 @@
       </p:grpSp>
       <p:sp>
         <p:nvSpPr>
-          <p:cNvPr name="TextBox 9" id="9"/>
+          <p:cNvPr name="TextBox 14" id="14"/>
           <p:cNvSpPr txBox="true"/>
           <p:nvPr/>
         </p:nvSpPr>
         <p:spPr>
           <a:xfrm rot="0">
-            <a:off x="16727515" y="8952758"/>
-            <a:ext cx="1063569" cy="608188"/>
+            <a:off x="2115214" y="1571952"/>
+            <a:ext cx="13830414" cy="412115"/>
           </a:xfrm>
           <a:prstGeom prst="rect">
             <a:avLst/>
@@ -9210,274 +8764,22 @@
           </a:bodyPr>
           <a:lstStyle/>
           <a:p>
-            <a:pPr algn="ctr">
-              <a:lnSpc>
-                <a:spcPts val="4319"/>
-              </a:lnSpc>
-            </a:pPr>
-            <a:r>
-              <a:rPr lang="en-US" b="true" sz="5399">
-                <a:solidFill>
-                  <a:srgbClr val="D96627"/>
+            <a:pPr algn="just">
+              <a:lnSpc>
+                <a:spcPts val="3519"/>
+              </a:lnSpc>
+            </a:pPr>
+            <a:r>
+              <a:rPr lang="en-US" b="true" sz="2199">
+                <a:solidFill>
+                  <a:srgbClr val="C5581D"/>
                 </a:solidFill>
                 <a:latin typeface="Nunito Bold"/>
                 <a:ea typeface="Nunito Bold"/>
                 <a:cs typeface="Nunito Bold"/>
                 <a:sym typeface="Nunito Bold"/>
               </a:rPr>
-              <a:t>8</a:t>
-            </a:r>
-          </a:p>
-        </p:txBody>
-      </p:sp>
-      <p:sp>
-        <p:nvSpPr>
-          <p:cNvPr name="TextBox 10" id="10"/>
-          <p:cNvSpPr txBox="true"/>
-          <p:nvPr/>
-        </p:nvSpPr>
-        <p:spPr>
-          <a:xfrm rot="0">
-            <a:off x="2115214" y="1142675"/>
-            <a:ext cx="14048046" cy="748329"/>
-          </a:xfrm>
-          <a:prstGeom prst="rect">
-            <a:avLst/>
-          </a:prstGeom>
-        </p:spPr>
-        <p:txBody>
-          <a:bodyPr anchor="t" rtlCol="false" tIns="0" lIns="0" bIns="0" rIns="0">
-            <a:spAutoFit/>
-          </a:bodyPr>
-          <a:lstStyle/>
-          <a:p>
-            <a:pPr algn="l">
-              <a:lnSpc>
-                <a:spcPts val="5184"/>
-              </a:lnSpc>
-            </a:pPr>
-            <a:r>
-              <a:rPr lang="en-US" b="true" sz="6480">
-                <a:solidFill>
-                  <a:srgbClr val="D96627"/>
-                </a:solidFill>
-                <a:latin typeface="Barlow SemiCondensed Bold"/>
-                <a:ea typeface="Barlow SemiCondensed Bold"/>
-                <a:cs typeface="Barlow SemiCondensed Bold"/>
-                <a:sym typeface="Barlow SemiCondensed Bold"/>
-              </a:rPr>
-              <a:t>ĐỘ DÀI THEO SENTIMENT</a:t>
-            </a:r>
-          </a:p>
-        </p:txBody>
-      </p:sp>
-      <p:sp>
-        <p:nvSpPr>
-          <p:cNvPr name="TextBox 11" id="11"/>
-          <p:cNvSpPr txBox="true"/>
-          <p:nvPr/>
-        </p:nvSpPr>
-        <p:spPr>
-          <a:xfrm rot="0">
-            <a:off x="2553836" y="6036056"/>
-            <a:ext cx="4141842" cy="1769110"/>
-          </a:xfrm>
-          <a:prstGeom prst="rect">
-            <a:avLst/>
-          </a:prstGeom>
-        </p:spPr>
-        <p:txBody>
-          <a:bodyPr anchor="t" rtlCol="false" tIns="0" lIns="0" bIns="0" rIns="0">
-            <a:spAutoFit/>
-          </a:bodyPr>
-          <a:lstStyle/>
-          <a:p>
-            <a:pPr algn="just">
-              <a:lnSpc>
-                <a:spcPts val="3839"/>
-              </a:lnSpc>
-            </a:pPr>
-            <a:r>
-              <a:rPr lang="en-US" b="true" sz="2399" u="sng">
-                <a:solidFill>
-                  <a:srgbClr val="252D37"/>
-                </a:solidFill>
-                <a:latin typeface="Nunito Bold"/>
-                <a:ea typeface="Nunito Bold"/>
-                <a:cs typeface="Nunito Bold"/>
-                <a:sym typeface="Nunito Bold"/>
-              </a:rPr>
-              <a:t>NHẬN XÉT</a:t>
-            </a:r>
-          </a:p>
-          <a:p>
-            <a:pPr algn="just">
-              <a:lnSpc>
-                <a:spcPts val="3519"/>
-              </a:lnSpc>
-            </a:pPr>
-            <a:r>
-              <a:rPr lang="en-US" sz="2199">
-                <a:solidFill>
-                  <a:srgbClr val="252D37"/>
-                </a:solidFill>
-                <a:latin typeface="Nunito"/>
-                <a:ea typeface="Nunito"/>
-                <a:cs typeface="Nunito"/>
-                <a:sym typeface="Nunito"/>
-              </a:rPr>
-              <a:t>Đánh</a:t>
-            </a:r>
-            <a:r>
-              <a:rPr lang="en-US" sz="2199">
-                <a:solidFill>
-                  <a:srgbClr val="252D37"/>
-                </a:solidFill>
-                <a:latin typeface="Nunito"/>
-                <a:ea typeface="Nunito"/>
-                <a:cs typeface="Nunito"/>
-                <a:sym typeface="Nunito"/>
-              </a:rPr>
-              <a:t> giá tích cực có xu hướng dài hơn một chút so với đánh giá tiêu cực.</a:t>
-            </a:r>
-          </a:p>
-        </p:txBody>
-      </p:sp>
-      <p:sp>
-        <p:nvSpPr>
-          <p:cNvPr name="TextBox 12" id="12"/>
-          <p:cNvSpPr txBox="true"/>
-          <p:nvPr/>
-        </p:nvSpPr>
-        <p:spPr>
-          <a:xfrm rot="0">
-            <a:off x="9419016" y="8277422"/>
-            <a:ext cx="4339495" cy="257175"/>
-          </a:xfrm>
-          <a:prstGeom prst="rect">
-            <a:avLst/>
-          </a:prstGeom>
-        </p:spPr>
-        <p:txBody>
-          <a:bodyPr anchor="t" rtlCol="false" tIns="0" lIns="0" bIns="0" rIns="0">
-            <a:spAutoFit/>
-          </a:bodyPr>
-          <a:lstStyle/>
-          <a:p>
-            <a:pPr algn="ctr">
-              <a:lnSpc>
-                <a:spcPts val="2100"/>
-              </a:lnSpc>
-              <a:spcBef>
-                <a:spcPct val="0"/>
-              </a:spcBef>
-            </a:pPr>
-            <a:r>
-              <a:rPr lang="en-US" sz="1500">
-                <a:solidFill>
-                  <a:srgbClr val="000000"/>
-                </a:solidFill>
-                <a:latin typeface="Canva Sans"/>
-                <a:ea typeface="Canva Sans"/>
-                <a:cs typeface="Canva Sans"/>
-                <a:sym typeface="Canva Sans"/>
-              </a:rPr>
-              <a:t>Biểu đồ so sánh độ dài đánh giá theo Sentiment</a:t>
-            </a:r>
-          </a:p>
-        </p:txBody>
-      </p:sp>
-      <p:sp>
-        <p:nvSpPr>
-          <p:cNvPr name="TextBox 13" id="13"/>
-          <p:cNvSpPr txBox="true"/>
-          <p:nvPr/>
-        </p:nvSpPr>
-        <p:spPr>
-          <a:xfrm rot="0">
-            <a:off x="2115214" y="2435014"/>
-            <a:ext cx="4987150" cy="1525271"/>
-          </a:xfrm>
-          <a:prstGeom prst="rect">
-            <a:avLst/>
-          </a:prstGeom>
-        </p:spPr>
-        <p:txBody>
-          <a:bodyPr anchor="t" rtlCol="false" tIns="0" lIns="0" bIns="0" rIns="0">
-            <a:spAutoFit/>
-          </a:bodyPr>
-          <a:lstStyle/>
-          <a:p>
-            <a:pPr algn="just">
-              <a:lnSpc>
-                <a:spcPts val="4319"/>
-              </a:lnSpc>
-            </a:pPr>
-            <a:r>
-              <a:rPr lang="en-US" sz="2699" b="true">
-                <a:solidFill>
-                  <a:srgbClr val="252D37"/>
-                </a:solidFill>
-                <a:latin typeface="Nunito Bold"/>
-                <a:ea typeface="Nunito Bold"/>
-                <a:cs typeface="Nunito Bold"/>
-                <a:sym typeface="Nunito Bold"/>
-              </a:rPr>
-              <a:t>THỐNG KÊ</a:t>
-            </a:r>
-          </a:p>
-          <a:p>
-            <a:pPr algn="just" marL="539748" indent="-269874" lvl="1">
-              <a:lnSpc>
-                <a:spcPts val="3999"/>
-              </a:lnSpc>
-              <a:buFont typeface="Arial"/>
-              <a:buChar char="•"/>
-            </a:pPr>
-            <a:r>
-              <a:rPr lang="en-US" sz="2499">
-                <a:solidFill>
-                  <a:srgbClr val="252D37"/>
-                </a:solidFill>
-                <a:latin typeface="Nunito"/>
-                <a:ea typeface="Nunito"/>
-                <a:cs typeface="Nunito"/>
-                <a:sym typeface="Nunito"/>
-              </a:rPr>
-              <a:t>Tích cực: Tr</a:t>
-            </a:r>
-            <a:r>
-              <a:rPr lang="en-US" sz="2499">
-                <a:solidFill>
-                  <a:srgbClr val="252D37"/>
-                </a:solidFill>
-                <a:latin typeface="Nunito"/>
-                <a:ea typeface="Nunito"/>
-                <a:cs typeface="Nunito"/>
-                <a:sym typeface="Nunito"/>
-              </a:rPr>
-              <a:t>ung bình 232.85 từ</a:t>
-            </a:r>
-          </a:p>
-          <a:p>
-            <a:pPr algn="just" marL="539748" indent="-269874" lvl="1">
-              <a:lnSpc>
-                <a:spcPts val="3999"/>
-              </a:lnSpc>
-              <a:buFont typeface="Arial"/>
-              <a:buChar char="•"/>
-            </a:pPr>
-            <a:r>
-              <a:rPr lang="en-US" sz="2499">
-                <a:solidFill>
-                  <a:srgbClr val="252D37"/>
-                </a:solidFill>
-                <a:latin typeface="Nunito"/>
-                <a:ea typeface="Nunito"/>
-                <a:cs typeface="Nunito"/>
-                <a:sym typeface="Nunito"/>
-              </a:rPr>
-              <a:t>Tiêu cực: Trung bình 229.46 từ</a:t>
+              <a:t>Mục tiêu: So sánh độ dài đánh giá, tìm ra các từ đặc trưng để cải thiện thuật toán</a:t>
             </a:r>
           </a:p>
         </p:txBody>
@@ -9522,10 +8824,10 @@
         </p:nvGrpSpPr>
         <p:grpSpPr>
           <a:xfrm rot="0">
-            <a:off x="2115214" y="5881804"/>
-            <a:ext cx="6712298" cy="2163339"/>
+            <a:off x="2115214" y="5691304"/>
+            <a:ext cx="6712298" cy="2353717"/>
             <a:chOff x="0" y="0"/>
-            <a:chExt cx="1767848" cy="569768"/>
+            <a:chExt cx="1767848" cy="619909"/>
           </a:xfrm>
         </p:grpSpPr>
         <p:sp>
@@ -9537,7 +8839,7 @@
           <p:spPr>
             <a:xfrm flipH="false" flipV="false" rot="0">
               <a:off x="0" y="0"/>
-              <a:ext cx="1767848" cy="569768"/>
+              <a:ext cx="1767848" cy="619909"/>
             </a:xfrm>
             <a:custGeom>
               <a:avLst/>
@@ -9546,7 +8848,7 @@
               <a:cxnLst/>
               <a:rect r="r" b="b" t="t" l="l"/>
               <a:pathLst>
-                <a:path h="569768" w="1767848">
+                <a:path h="619909" w="1767848">
                   <a:moveTo>
                     <a:pt x="23068" y="0"/>
                   </a:moveTo>
@@ -9564,25 +8866,30 @@
                     <a:pt x="1767848" y="23068"/>
                   </a:cubicBezTo>
                   <a:lnTo>
-                    <a:pt x="1767848" y="546700"/>
+                    <a:pt x="1767848" y="596841"/>
                   </a:lnTo>
                   <a:cubicBezTo>
-                    <a:pt x="1767848" y="559440"/>
-                    <a:pt x="1757520" y="569768"/>
-                    <a:pt x="1744780" y="569768"/>
+                    <a:pt x="1767848" y="602959"/>
+                    <a:pt x="1765418" y="608827"/>
+                    <a:pt x="1761092" y="613153"/>
+                  </a:cubicBezTo>
+                  <a:cubicBezTo>
+                    <a:pt x="1756766" y="617479"/>
+                    <a:pt x="1750898" y="619909"/>
+                    <a:pt x="1744780" y="619909"/>
                   </a:cubicBezTo>
                   <a:lnTo>
-                    <a:pt x="23068" y="569768"/>
+                    <a:pt x="23068" y="619909"/>
                   </a:lnTo>
                   <a:cubicBezTo>
-                    <a:pt x="16950" y="569768"/>
-                    <a:pt x="11082" y="567338"/>
-                    <a:pt x="6756" y="563012"/>
+                    <a:pt x="16950" y="619909"/>
+                    <a:pt x="11082" y="617479"/>
+                    <a:pt x="6756" y="613153"/>
                   </a:cubicBezTo>
                   <a:cubicBezTo>
-                    <a:pt x="2430" y="558686"/>
-                    <a:pt x="0" y="552818"/>
-                    <a:pt x="0" y="546700"/>
+                    <a:pt x="2430" y="608827"/>
+                    <a:pt x="0" y="602959"/>
+                    <a:pt x="0" y="596841"/>
                   </a:cubicBezTo>
                   <a:lnTo>
                     <a:pt x="0" y="23068"/>
@@ -9617,7 +8924,7 @@
           <p:spPr>
             <a:xfrm>
               <a:off x="0" y="-38100"/>
-              <a:ext cx="1767848" cy="607868"/>
+              <a:ext cx="1767848" cy="658009"/>
             </a:xfrm>
             <a:prstGeom prst="rect">
               <a:avLst/>
@@ -9647,10 +8954,10 @@
         </p:nvGrpSpPr>
         <p:grpSpPr>
           <a:xfrm rot="0">
-            <a:off x="2115214" y="5881804"/>
-            <a:ext cx="299097" cy="2163339"/>
+            <a:off x="2115214" y="5691304"/>
+            <a:ext cx="299097" cy="2353717"/>
             <a:chOff x="0" y="0"/>
-            <a:chExt cx="78775" cy="569768"/>
+            <a:chExt cx="78775" cy="619909"/>
           </a:xfrm>
         </p:grpSpPr>
         <p:sp>
@@ -9662,7 +8969,7 @@
           <p:spPr>
             <a:xfrm flipH="false" flipV="false" rot="0">
               <a:off x="0" y="0"/>
-              <a:ext cx="78775" cy="569768"/>
+              <a:ext cx="78775" cy="619909"/>
             </a:xfrm>
             <a:custGeom>
               <a:avLst/>
@@ -9671,7 +8978,7 @@
               <a:cxnLst/>
               <a:rect r="r" b="b" t="t" l="l"/>
               <a:pathLst>
-                <a:path h="569768" w="78775">
+                <a:path h="619909" w="78775">
                   <a:moveTo>
                     <a:pt x="0" y="0"/>
                   </a:moveTo>
@@ -9679,10 +8986,10 @@
                     <a:pt x="78775" y="0"/>
                   </a:lnTo>
                   <a:lnTo>
-                    <a:pt x="78775" y="569768"/>
+                    <a:pt x="78775" y="619909"/>
                   </a:lnTo>
                   <a:lnTo>
-                    <a:pt x="0" y="569768"/>
+                    <a:pt x="0" y="619909"/>
                   </a:lnTo>
                   <a:close/>
                 </a:path>
@@ -9702,7 +9009,7 @@
           <p:spPr>
             <a:xfrm>
               <a:off x="0" y="-38100"/>
-              <a:ext cx="78775" cy="607868"/>
+              <a:ext cx="78775" cy="658009"/>
             </a:xfrm>
             <a:prstGeom prst="rect">
               <a:avLst/>
@@ -9732,7 +9039,7 @@
         </p:nvSpPr>
         <p:spPr>
           <a:xfrm flipH="false" flipV="false" rot="0">
-            <a:off x="9286875" y="2539789"/>
+            <a:off x="9286875" y="2349289"/>
             <a:ext cx="6658753" cy="4423685"/>
           </a:xfrm>
           <a:custGeom>
@@ -9785,48 +9092,7 @@
         </p:nvSpPr>
         <p:spPr>
           <a:xfrm rot="0">
-            <a:off x="16727515" y="8952758"/>
-            <a:ext cx="1063569" cy="608188"/>
-          </a:xfrm>
-          <a:prstGeom prst="rect">
-            <a:avLst/>
-          </a:prstGeom>
-        </p:spPr>
-        <p:txBody>
-          <a:bodyPr anchor="t" rtlCol="false" tIns="0" lIns="0" bIns="0" rIns="0">
-            <a:spAutoFit/>
-          </a:bodyPr>
-          <a:lstStyle/>
-          <a:p>
-            <a:pPr algn="ctr">
-              <a:lnSpc>
-                <a:spcPts val="4319"/>
-              </a:lnSpc>
-            </a:pPr>
-            <a:r>
-              <a:rPr lang="en-US" b="true" sz="5399">
-                <a:solidFill>
-                  <a:srgbClr val="D96627"/>
-                </a:solidFill>
-                <a:latin typeface="Nunito Bold"/>
-                <a:ea typeface="Nunito Bold"/>
-                <a:cs typeface="Nunito Bold"/>
-                <a:sym typeface="Nunito Bold"/>
-              </a:rPr>
-              <a:t>9</a:t>
-            </a:r>
-          </a:p>
-        </p:txBody>
-      </p:sp>
-      <p:sp>
-        <p:nvSpPr>
-          <p:cNvPr name="TextBox 10" id="10"/>
-          <p:cNvSpPr txBox="true"/>
-          <p:nvPr/>
-        </p:nvSpPr>
-        <p:spPr>
-          <a:xfrm rot="0">
-            <a:off x="2115214" y="1142675"/>
+            <a:off x="2115214" y="666425"/>
             <a:ext cx="14048046" cy="748329"/>
           </a:xfrm>
           <a:prstGeom prst="rect">
@@ -9854,20 +9120,20 @@
                 <a:cs typeface="Barlow SemiCondensed Bold"/>
                 <a:sym typeface="Barlow SemiCondensed Bold"/>
               </a:rPr>
-              <a:t>TỪ ĐẶC TRƯNG THEO SENTIMENT</a:t>
-            </a:r>
-          </a:p>
-        </p:txBody>
-      </p:sp>
-      <p:sp>
-        <p:nvSpPr>
-          <p:cNvPr name="TextBox 11" id="11"/>
+              <a:t>PHÂN TÍCH BIGRAM PHỔ BIẾN</a:t>
+            </a:r>
+          </a:p>
+        </p:txBody>
+      </p:sp>
+      <p:sp>
+        <p:nvSpPr>
+          <p:cNvPr name="TextBox 10" id="10"/>
           <p:cNvSpPr txBox="true"/>
           <p:nvPr/>
         </p:nvSpPr>
         <p:spPr>
           <a:xfrm rot="0">
-            <a:off x="2115214" y="2555436"/>
+            <a:off x="2115214" y="2364936"/>
             <a:ext cx="3040010" cy="2878455"/>
           </a:xfrm>
           <a:prstGeom prst="rect">
@@ -9928,7 +9194,7 @@
                 <a:cs typeface="Nunito"/>
                 <a:sym typeface="Nunito"/>
               </a:rPr>
-              <a:t>"l</a:t>
+              <a:t>"ha</a:t>
             </a:r>
             <a:r>
               <a:rPr lang="en-US" sz="2399">
@@ -9940,7 +9206,7 @@
                 <a:cs typeface="Nunito"/>
                 <a:sym typeface="Nunito"/>
               </a:rPr>
-              <a:t>ove"</a:t>
+              <a:t>ve been"</a:t>
             </a:r>
           </a:p>
           <a:p>
@@ -9961,7 +9227,7 @@
                 <a:cs typeface="Nunito"/>
                 <a:sym typeface="Nunito"/>
               </a:rPr>
-              <a:t>"great"</a:t>
+              <a:t>"more than"</a:t>
             </a:r>
           </a:p>
           <a:p>
@@ -9982,7 +9248,7 @@
                 <a:cs typeface="Nunito"/>
                 <a:sym typeface="Nunito"/>
               </a:rPr>
-              <a:t>"excellent"</a:t>
+              <a:t>"would have"</a:t>
             </a:r>
           </a:p>
           <a:p>
@@ -10003,7 +9269,7 @@
                 <a:cs typeface="Nunito"/>
                 <a:sym typeface="Nunito"/>
               </a:rPr>
-              <a:t>"</a:t>
+              <a:t>"v</a:t>
             </a:r>
             <a:r>
               <a:rPr lang="en-US" sz="2399">
@@ -10015,7 +9281,7 @@
                 <a:cs typeface="Nunito"/>
                 <a:sym typeface="Nunito"/>
               </a:rPr>
-              <a:t>best"</a:t>
+              <a:t>ery good"</a:t>
             </a:r>
           </a:p>
           <a:p>
@@ -10036,7 +9302,7 @@
                 <a:cs typeface="Nunito"/>
                 <a:sym typeface="Nunito"/>
               </a:rPr>
-              <a:t>"</a:t>
+              <a:t>"h</a:t>
             </a:r>
             <a:r>
               <a:rPr lang="en-US" sz="2399">
@@ -10048,21 +9314,21 @@
                 <a:cs typeface="Nunito"/>
                 <a:sym typeface="Nunito"/>
               </a:rPr>
-              <a:t>favorite"</a:t>
-            </a:r>
-          </a:p>
-        </p:txBody>
-      </p:sp>
-      <p:sp>
-        <p:nvSpPr>
-          <p:cNvPr name="TextBox 12" id="12"/>
+              <a:t>as been"</a:t>
+            </a:r>
+          </a:p>
+        </p:txBody>
+      </p:sp>
+      <p:sp>
+        <p:nvSpPr>
+          <p:cNvPr name="TextBox 11" id="11"/>
           <p:cNvSpPr txBox="true"/>
           <p:nvPr/>
         </p:nvSpPr>
         <p:spPr>
           <a:xfrm rot="0">
-            <a:off x="2604350" y="6036056"/>
-            <a:ext cx="5951989" cy="1769110"/>
+            <a:off x="2604350" y="5797553"/>
+            <a:ext cx="5647189" cy="2065020"/>
           </a:xfrm>
           <a:prstGeom prst="rect">
             <a:avLst/>
@@ -10074,32 +9340,15 @@
           </a:bodyPr>
           <a:lstStyle/>
           <a:p>
-            <a:pPr algn="just">
-              <a:lnSpc>
-                <a:spcPts val="3839"/>
-              </a:lnSpc>
-            </a:pPr>
-            <a:r>
-              <a:rPr lang="en-US" b="true" sz="2399" u="sng">
-                <a:solidFill>
-                  <a:srgbClr val="252D37"/>
-                </a:solidFill>
-                <a:latin typeface="Nunito Bold"/>
-                <a:ea typeface="Nunito Bold"/>
-                <a:cs typeface="Nunito Bold"/>
-                <a:sym typeface="Nunito Bold"/>
-              </a:rPr>
-              <a:t>NHẬN XÉT</a:t>
-            </a:r>
-          </a:p>
-          <a:p>
-            <a:pPr algn="just">
-              <a:lnSpc>
-                <a:spcPts val="3519"/>
-              </a:lnSpc>
-            </a:pPr>
-            <a:r>
-              <a:rPr lang="en-US" sz="2199">
+            <a:pPr algn="just" marL="453388" indent="-226694" lvl="1">
+              <a:lnSpc>
+                <a:spcPts val="3359"/>
+              </a:lnSpc>
+              <a:buFont typeface="Arial"/>
+              <a:buChar char="•"/>
+            </a:pPr>
+            <a:r>
+              <a:rPr lang="en-US" sz="2099">
                 <a:solidFill>
                   <a:srgbClr val="252D37"/>
                 </a:solidFill>
@@ -10108,10 +9357,19 @@
                 <a:cs typeface="Nunito"/>
                 <a:sym typeface="Nunito"/>
               </a:rPr>
-              <a:t>Các từ đặc trưng cho thấy sự khác biệ</a:t>
-            </a:r>
-            <a:r>
-              <a:rPr lang="en-US" sz="2199">
+              <a:t>Bigram tích cực thường chứa các từ đánh giá tích cực, trong khi bigram tiêu cực thường chứa các từ phủ định.</a:t>
+            </a:r>
+          </a:p>
+          <a:p>
+            <a:pPr algn="just" marL="453388" indent="-226694" lvl="1">
+              <a:lnSpc>
+                <a:spcPts val="3359"/>
+              </a:lnSpc>
+              <a:buFont typeface="Arial"/>
+              <a:buChar char="•"/>
+            </a:pPr>
+            <a:r>
+              <a:rPr lang="en-US" sz="2099">
                 <a:solidFill>
                   <a:srgbClr val="252D37"/>
                 </a:solidFill>
@@ -10120,33 +9378,21 @@
                 <a:cs typeface="Nunito"/>
                 <a:sym typeface="Nunito"/>
               </a:rPr>
-              <a:t>t</a:t>
-            </a:r>
-            <a:r>
-              <a:rPr lang="en-US" sz="2199">
-                <a:solidFill>
-                  <a:srgbClr val="252D37"/>
-                </a:solidFill>
-                <a:latin typeface="Nunito"/>
-                <a:ea typeface="Nunito"/>
-                <a:cs typeface="Nunito"/>
-                <a:sym typeface="Nunito"/>
-              </a:rPr>
-              <a:t> rõ rệt trong cách diễn đạt giữa đánh giá tích cực và tiêu cực.</a:t>
-            </a:r>
-          </a:p>
-        </p:txBody>
-      </p:sp>
-      <p:sp>
-        <p:nvSpPr>
-          <p:cNvPr name="TextBox 13" id="13"/>
+              <a:t>Một số bigram xuất hiện ở cả hai loại đánh giá, nhưng với tần suất khác nhau.</a:t>
+            </a:r>
+          </a:p>
+        </p:txBody>
+      </p:sp>
+      <p:sp>
+        <p:nvSpPr>
+          <p:cNvPr name="TextBox 12" id="12"/>
           <p:cNvSpPr txBox="true"/>
           <p:nvPr/>
         </p:nvSpPr>
         <p:spPr>
           <a:xfrm rot="0">
-            <a:off x="10566948" y="7231782"/>
-            <a:ext cx="4098607" cy="257175"/>
+            <a:off x="9989352" y="6992049"/>
+            <a:ext cx="5253800" cy="257175"/>
           </a:xfrm>
           <a:prstGeom prst="rect">
             <a:avLst/>
@@ -10176,20 +9422,20 @@
                 <a:cs typeface="Canva Sans"/>
                 <a:sym typeface="Canva Sans"/>
               </a:rPr>
-              <a:t>Biểu đồ so sánh từ đặc trưng theo Sentiment</a:t>
-            </a:r>
-          </a:p>
-        </p:txBody>
-      </p:sp>
-      <p:sp>
-        <p:nvSpPr>
-          <p:cNvPr name="TextBox 14" id="14"/>
+              <a:t>Biểu đồ so sánh Bigram phổ biến giữa tích cực và tiêu cực</a:t>
+            </a:r>
+          </a:p>
+        </p:txBody>
+      </p:sp>
+      <p:sp>
+        <p:nvSpPr>
+          <p:cNvPr name="TextBox 13" id="13"/>
           <p:cNvSpPr txBox="true"/>
           <p:nvPr/>
         </p:nvSpPr>
         <p:spPr>
           <a:xfrm rot="0">
-            <a:off x="5340444" y="2555436"/>
+            <a:off x="5340444" y="2364936"/>
             <a:ext cx="3040010" cy="2878455"/>
           </a:xfrm>
           <a:prstGeom prst="rect">
@@ -10250,7 +9496,7 @@
                 <a:cs typeface="Nunito"/>
                 <a:sym typeface="Nunito"/>
               </a:rPr>
-              <a:t>"hat</a:t>
+              <a:t>"hav</a:t>
             </a:r>
             <a:r>
               <a:rPr lang="en-US" sz="2399">
@@ -10262,7 +9508,7 @@
                 <a:cs typeface="Nunito"/>
                 <a:sym typeface="Nunito"/>
               </a:rPr>
-              <a:t>e"</a:t>
+              <a:t>e been"</a:t>
             </a:r>
           </a:p>
           <a:p>
@@ -10283,7 +9529,7 @@
                 <a:cs typeface="Nunito"/>
                 <a:sym typeface="Nunito"/>
               </a:rPr>
-              <a:t>"terrible"</a:t>
+              <a:t>"would have"</a:t>
             </a:r>
           </a:p>
           <a:p>
@@ -10304,17 +9550,8 @@
                 <a:cs typeface="Nunito"/>
                 <a:sym typeface="Nunito"/>
               </a:rPr>
-              <a:t>"awful"</a:t>
-            </a:r>
-          </a:p>
-          <a:p>
-            <a:pPr algn="just" marL="518158" indent="-259079" lvl="1">
-              <a:lnSpc>
-                <a:spcPts val="3839"/>
-              </a:lnSpc>
-              <a:buFont typeface="Arial"/>
-              <a:buChar char="•"/>
-            </a:pPr>
+              <a:t>"could hav</a:t>
+            </a:r>
             <a:r>
               <a:rPr lang="en-US" sz="2399">
                 <a:solidFill>
@@ -10325,8 +9562,17 @@
                 <a:cs typeface="Nunito"/>
                 <a:sym typeface="Nunito"/>
               </a:rPr>
-              <a:t>"wa</a:t>
-            </a:r>
+              <a:t>e"</a:t>
+            </a:r>
+          </a:p>
+          <a:p>
+            <a:pPr algn="just" marL="518158" indent="-259079" lvl="1">
+              <a:lnSpc>
+                <a:spcPts val="3839"/>
+              </a:lnSpc>
+              <a:buFont typeface="Arial"/>
+              <a:buChar char="•"/>
+            </a:pPr>
             <a:r>
               <a:rPr lang="en-US" sz="2399">
                 <a:solidFill>
@@ -10337,17 +9583,8 @@
                 <a:cs typeface="Nunito"/>
                 <a:sym typeface="Nunito"/>
               </a:rPr>
-              <a:t>ste"</a:t>
-            </a:r>
-          </a:p>
-          <a:p>
-            <a:pPr algn="just" marL="518158" indent="-259079" lvl="1">
-              <a:lnSpc>
-                <a:spcPts val="3839"/>
-              </a:lnSpc>
-              <a:buFont typeface="Arial"/>
-              <a:buChar char="•"/>
-            </a:pPr>
+              <a:t>"m</a:t>
+            </a:r>
             <a:r>
               <a:rPr lang="en-US" sz="2399">
                 <a:solidFill>
@@ -10358,8 +9595,17 @@
                 <a:cs typeface="Nunito"/>
                 <a:sym typeface="Nunito"/>
               </a:rPr>
-              <a:t>"dis</a:t>
-            </a:r>
+              <a:t>ore than"</a:t>
+            </a:r>
+          </a:p>
+          <a:p>
+            <a:pPr algn="just" marL="518158" indent="-259079" lvl="1">
+              <a:lnSpc>
+                <a:spcPts val="3839"/>
+              </a:lnSpc>
+              <a:buFont typeface="Arial"/>
+              <a:buChar char="•"/>
+            </a:pPr>
             <a:r>
               <a:rPr lang="en-US" sz="2399">
                 <a:solidFill>
@@ -10370,7 +9616,48 @@
                 <a:cs typeface="Nunito"/>
                 <a:sym typeface="Nunito"/>
               </a:rPr>
-              <a:t>appointing"</a:t>
+              <a:t>"they were"</a:t>
+            </a:r>
+          </a:p>
+        </p:txBody>
+      </p:sp>
+      <p:sp>
+        <p:nvSpPr>
+          <p:cNvPr name="TextBox 14" id="14"/>
+          <p:cNvSpPr txBox="true"/>
+          <p:nvPr/>
+        </p:nvSpPr>
+        <p:spPr>
+          <a:xfrm rot="0">
+            <a:off x="2115214" y="1571952"/>
+            <a:ext cx="13830414" cy="412115"/>
+          </a:xfrm>
+          <a:prstGeom prst="rect">
+            <a:avLst/>
+          </a:prstGeom>
+        </p:spPr>
+        <p:txBody>
+          <a:bodyPr anchor="t" rtlCol="false" tIns="0" lIns="0" bIns="0" rIns="0">
+            <a:spAutoFit/>
+          </a:bodyPr>
+          <a:lstStyle/>
+          <a:p>
+            <a:pPr algn="just">
+              <a:lnSpc>
+                <a:spcPts val="3519"/>
+              </a:lnSpc>
+            </a:pPr>
+            <a:r>
+              <a:rPr lang="en-US" b="true" sz="2199">
+                <a:solidFill>
+                  <a:srgbClr val="C5581D"/>
+                </a:solidFill>
+                <a:latin typeface="Nunito Bold"/>
+                <a:ea typeface="Nunito Bold"/>
+                <a:cs typeface="Nunito Bold"/>
+                <a:sym typeface="Nunito Bold"/>
+              </a:rPr>
+              <a:t>Mục tiêu: Tìm ra các từ khoá cần thiết để cải thiện thuật toán</a:t>
             </a:r>
           </a:p>
         </p:txBody>
